--- a/Projeto Arquitetural/TCC_Apresentacao_projeto_arquitetural.pptx
+++ b/Projeto Arquitetural/TCC_Apresentacao_projeto_arquitetural.pptx
@@ -17,6 +17,14 @@
     <p:sldId id="264" r:id="rId12"/>
     <p:sldId id="265" r:id="rId13"/>
     <p:sldId id="266" r:id="rId14"/>
+    <p:sldId id="267" r:id="rId15"/>
+    <p:sldId id="268" r:id="rId16"/>
+    <p:sldId id="269" r:id="rId17"/>
+    <p:sldId id="270" r:id="rId18"/>
+    <p:sldId id="271" r:id="rId19"/>
+    <p:sldId id="272" r:id="rId20"/>
+    <p:sldId id="273" r:id="rId21"/>
+    <p:sldId id="274" r:id="rId22"/>
   </p:sldIdLst>
   <p:sldSz cx="9144000" cy="6858000"/>
   <p:notesSz cx="7559675" cy="10691812"/>
@@ -84,10 +92,8 @@
         <p:txBody>
           <a:bodyPr lIns="0" rIns="0" tIns="0" bIns="0" anchor="ctr"/>
           <a:p>
-            <a:endParaRPr b="0" lang="pt-BR" sz="3200" spc="-1" strike="noStrike">
-              <a:solidFill>
-                <a:srgbClr val="000000"/>
-              </a:solidFill>
+            <a:pPr algn="ctr"/>
+            <a:endParaRPr b="0" lang="pt-BR" sz="4400" spc="-1" strike="noStrike">
               <a:latin typeface="Arial"/>
             </a:endParaRPr>
           </a:p>
@@ -117,11 +123,8 @@
             <a:normAutofit/>
           </a:bodyPr>
           <a:p>
-            <a:endParaRPr b="0" lang="pt-BR" sz="2200" spc="-1" strike="noStrike">
-              <a:solidFill>
-                <a:srgbClr val="000000"/>
-              </a:solidFill>
-              <a:latin typeface="Trebuchet MS"/>
+            <a:endParaRPr b="0" lang="pt-BR" sz="3200" spc="-1" strike="noStrike">
+              <a:latin typeface="Arial"/>
             </a:endParaRPr>
           </a:p>
         </p:txBody>
@@ -150,11 +153,8 @@
             <a:normAutofit/>
           </a:bodyPr>
           <a:p>
-            <a:endParaRPr b="0" lang="pt-BR" sz="2200" spc="-1" strike="noStrike">
-              <a:solidFill>
-                <a:srgbClr val="000000"/>
-              </a:solidFill>
-              <a:latin typeface="Trebuchet MS"/>
+            <a:endParaRPr b="0" lang="pt-BR" sz="3200" spc="-1" strike="noStrike">
+              <a:latin typeface="Arial"/>
             </a:endParaRPr>
           </a:p>
         </p:txBody>
@@ -203,10 +203,8 @@
         <p:txBody>
           <a:bodyPr lIns="0" rIns="0" tIns="0" bIns="0" anchor="ctr"/>
           <a:p>
-            <a:endParaRPr b="0" lang="pt-BR" sz="3200" spc="-1" strike="noStrike">
-              <a:solidFill>
-                <a:srgbClr val="000000"/>
-              </a:solidFill>
+            <a:pPr algn="ctr"/>
+            <a:endParaRPr b="0" lang="pt-BR" sz="4400" spc="-1" strike="noStrike">
               <a:latin typeface="Arial"/>
             </a:endParaRPr>
           </a:p>
@@ -236,11 +234,8 @@
             <a:normAutofit/>
           </a:bodyPr>
           <a:p>
-            <a:endParaRPr b="0" lang="pt-BR" sz="2200" spc="-1" strike="noStrike">
-              <a:solidFill>
-                <a:srgbClr val="000000"/>
-              </a:solidFill>
-              <a:latin typeface="Trebuchet MS"/>
+            <a:endParaRPr b="0" lang="pt-BR" sz="3200" spc="-1" strike="noStrike">
+              <a:latin typeface="Arial"/>
             </a:endParaRPr>
           </a:p>
         </p:txBody>
@@ -269,11 +264,8 @@
             <a:normAutofit/>
           </a:bodyPr>
           <a:p>
-            <a:endParaRPr b="0" lang="pt-BR" sz="2200" spc="-1" strike="noStrike">
-              <a:solidFill>
-                <a:srgbClr val="000000"/>
-              </a:solidFill>
-              <a:latin typeface="Trebuchet MS"/>
+            <a:endParaRPr b="0" lang="pt-BR" sz="3200" spc="-1" strike="noStrike">
+              <a:latin typeface="Arial"/>
             </a:endParaRPr>
           </a:p>
         </p:txBody>
@@ -302,11 +294,8 @@
             <a:normAutofit/>
           </a:bodyPr>
           <a:p>
-            <a:endParaRPr b="0" lang="pt-BR" sz="2200" spc="-1" strike="noStrike">
-              <a:solidFill>
-                <a:srgbClr val="000000"/>
-              </a:solidFill>
-              <a:latin typeface="Trebuchet MS"/>
+            <a:endParaRPr b="0" lang="pt-BR" sz="3200" spc="-1" strike="noStrike">
+              <a:latin typeface="Arial"/>
             </a:endParaRPr>
           </a:p>
         </p:txBody>
@@ -335,11 +324,8 @@
             <a:normAutofit/>
           </a:bodyPr>
           <a:p>
-            <a:endParaRPr b="0" lang="pt-BR" sz="2200" spc="-1" strike="noStrike">
-              <a:solidFill>
-                <a:srgbClr val="000000"/>
-              </a:solidFill>
-              <a:latin typeface="Trebuchet MS"/>
+            <a:endParaRPr b="0" lang="pt-BR" sz="3200" spc="-1" strike="noStrike">
+              <a:latin typeface="Arial"/>
             </a:endParaRPr>
           </a:p>
         </p:txBody>
@@ -388,10 +374,8 @@
         <p:txBody>
           <a:bodyPr lIns="0" rIns="0" tIns="0" bIns="0" anchor="ctr"/>
           <a:p>
-            <a:endParaRPr b="0" lang="pt-BR" sz="3200" spc="-1" strike="noStrike">
-              <a:solidFill>
-                <a:srgbClr val="000000"/>
-              </a:solidFill>
+            <a:pPr algn="ctr"/>
+            <a:endParaRPr b="0" lang="pt-BR" sz="4400" spc="-1" strike="noStrike">
               <a:latin typeface="Arial"/>
             </a:endParaRPr>
           </a:p>
@@ -421,11 +405,8 @@
             <a:normAutofit/>
           </a:bodyPr>
           <a:p>
-            <a:endParaRPr b="0" lang="pt-BR" sz="2200" spc="-1" strike="noStrike">
-              <a:solidFill>
-                <a:srgbClr val="000000"/>
-              </a:solidFill>
-              <a:latin typeface="Trebuchet MS"/>
+            <a:endParaRPr b="0" lang="pt-BR" sz="3200" spc="-1" strike="noStrike">
+              <a:latin typeface="Arial"/>
             </a:endParaRPr>
           </a:p>
         </p:txBody>
@@ -454,11 +435,8 @@
             <a:normAutofit/>
           </a:bodyPr>
           <a:p>
-            <a:endParaRPr b="0" lang="pt-BR" sz="2200" spc="-1" strike="noStrike">
-              <a:solidFill>
-                <a:srgbClr val="000000"/>
-              </a:solidFill>
-              <a:latin typeface="Trebuchet MS"/>
+            <a:endParaRPr b="0" lang="pt-BR" sz="3200" spc="-1" strike="noStrike">
+              <a:latin typeface="Arial"/>
             </a:endParaRPr>
           </a:p>
         </p:txBody>
@@ -487,11 +465,8 @@
             <a:normAutofit/>
           </a:bodyPr>
           <a:p>
-            <a:endParaRPr b="0" lang="pt-BR" sz="2200" spc="-1" strike="noStrike">
-              <a:solidFill>
-                <a:srgbClr val="000000"/>
-              </a:solidFill>
-              <a:latin typeface="Trebuchet MS"/>
+            <a:endParaRPr b="0" lang="pt-BR" sz="3200" spc="-1" strike="noStrike">
+              <a:latin typeface="Arial"/>
             </a:endParaRPr>
           </a:p>
         </p:txBody>
@@ -520,11 +495,8 @@
             <a:normAutofit/>
           </a:bodyPr>
           <a:p>
-            <a:endParaRPr b="0" lang="pt-BR" sz="2200" spc="-1" strike="noStrike">
-              <a:solidFill>
-                <a:srgbClr val="000000"/>
-              </a:solidFill>
-              <a:latin typeface="Trebuchet MS"/>
+            <a:endParaRPr b="0" lang="pt-BR" sz="3200" spc="-1" strike="noStrike">
+              <a:latin typeface="Arial"/>
             </a:endParaRPr>
           </a:p>
         </p:txBody>
@@ -553,11 +525,8 @@
             <a:normAutofit/>
           </a:bodyPr>
           <a:p>
-            <a:endParaRPr b="0" lang="pt-BR" sz="2200" spc="-1" strike="noStrike">
-              <a:solidFill>
-                <a:srgbClr val="000000"/>
-              </a:solidFill>
-              <a:latin typeface="Trebuchet MS"/>
+            <a:endParaRPr b="0" lang="pt-BR" sz="3200" spc="-1" strike="noStrike">
+              <a:latin typeface="Arial"/>
             </a:endParaRPr>
           </a:p>
         </p:txBody>
@@ -586,11 +555,8 @@
             <a:normAutofit/>
           </a:bodyPr>
           <a:p>
-            <a:endParaRPr b="0" lang="pt-BR" sz="2200" spc="-1" strike="noStrike">
-              <a:solidFill>
-                <a:srgbClr val="000000"/>
-              </a:solidFill>
-              <a:latin typeface="Trebuchet MS"/>
+            <a:endParaRPr b="0" lang="pt-BR" sz="3200" spc="-1" strike="noStrike">
+              <a:latin typeface="Arial"/>
             </a:endParaRPr>
           </a:p>
         </p:txBody>
@@ -661,10 +627,8 @@
         <p:txBody>
           <a:bodyPr lIns="0" rIns="0" tIns="0" bIns="0" anchor="ctr"/>
           <a:p>
-            <a:endParaRPr b="0" lang="pt-BR" sz="3200" spc="-1" strike="noStrike">
-              <a:solidFill>
-                <a:srgbClr val="000000"/>
-              </a:solidFill>
+            <a:pPr algn="ctr"/>
+            <a:endParaRPr b="0" lang="pt-BR" sz="4400" spc="-1" strike="noStrike">
               <a:latin typeface="Arial"/>
             </a:endParaRPr>
           </a:p>
@@ -743,10 +707,8 @@
         <p:txBody>
           <a:bodyPr lIns="0" rIns="0" tIns="0" bIns="0" anchor="ctr"/>
           <a:p>
-            <a:endParaRPr b="0" lang="pt-BR" sz="3200" spc="-1" strike="noStrike">
-              <a:solidFill>
-                <a:srgbClr val="000000"/>
-              </a:solidFill>
+            <a:pPr algn="ctr"/>
+            <a:endParaRPr b="0" lang="pt-BR" sz="4400" spc="-1" strike="noStrike">
               <a:latin typeface="Arial"/>
             </a:endParaRPr>
           </a:p>
@@ -776,11 +738,8 @@
             <a:normAutofit/>
           </a:bodyPr>
           <a:p>
-            <a:endParaRPr b="0" lang="pt-BR" sz="2200" spc="-1" strike="noStrike">
-              <a:solidFill>
-                <a:srgbClr val="000000"/>
-              </a:solidFill>
-              <a:latin typeface="Trebuchet MS"/>
+            <a:endParaRPr b="0" lang="pt-BR" sz="3200" spc="-1" strike="noStrike">
+              <a:latin typeface="Arial"/>
             </a:endParaRPr>
           </a:p>
         </p:txBody>
@@ -829,10 +788,8 @@
         <p:txBody>
           <a:bodyPr lIns="0" rIns="0" tIns="0" bIns="0" anchor="ctr"/>
           <a:p>
-            <a:endParaRPr b="0" lang="pt-BR" sz="3200" spc="-1" strike="noStrike">
-              <a:solidFill>
-                <a:srgbClr val="000000"/>
-              </a:solidFill>
+            <a:pPr algn="ctr"/>
+            <a:endParaRPr b="0" lang="pt-BR" sz="4400" spc="-1" strike="noStrike">
               <a:latin typeface="Arial"/>
             </a:endParaRPr>
           </a:p>
@@ -862,11 +819,8 @@
             <a:normAutofit/>
           </a:bodyPr>
           <a:p>
-            <a:endParaRPr b="0" lang="pt-BR" sz="2200" spc="-1" strike="noStrike">
-              <a:solidFill>
-                <a:srgbClr val="000000"/>
-              </a:solidFill>
-              <a:latin typeface="Trebuchet MS"/>
+            <a:endParaRPr b="0" lang="pt-BR" sz="3200" spc="-1" strike="noStrike">
+              <a:latin typeface="Arial"/>
             </a:endParaRPr>
           </a:p>
         </p:txBody>
@@ -895,11 +849,8 @@
             <a:normAutofit/>
           </a:bodyPr>
           <a:p>
-            <a:endParaRPr b="0" lang="pt-BR" sz="2200" spc="-1" strike="noStrike">
-              <a:solidFill>
-                <a:srgbClr val="000000"/>
-              </a:solidFill>
-              <a:latin typeface="Trebuchet MS"/>
+            <a:endParaRPr b="0" lang="pt-BR" sz="3200" spc="-1" strike="noStrike">
+              <a:latin typeface="Arial"/>
             </a:endParaRPr>
           </a:p>
         </p:txBody>
@@ -948,10 +899,8 @@
         <p:txBody>
           <a:bodyPr lIns="0" rIns="0" tIns="0" bIns="0" anchor="ctr"/>
           <a:p>
-            <a:endParaRPr b="0" lang="pt-BR" sz="3200" spc="-1" strike="noStrike">
-              <a:solidFill>
-                <a:srgbClr val="000000"/>
-              </a:solidFill>
+            <a:pPr algn="ctr"/>
+            <a:endParaRPr b="0" lang="pt-BR" sz="4400" spc="-1" strike="noStrike">
               <a:latin typeface="Arial"/>
             </a:endParaRPr>
           </a:p>
@@ -1052,10 +1001,8 @@
         <p:txBody>
           <a:bodyPr lIns="0" rIns="0" tIns="0" bIns="0" anchor="ctr"/>
           <a:p>
-            <a:endParaRPr b="0" lang="pt-BR" sz="3200" spc="-1" strike="noStrike">
-              <a:solidFill>
-                <a:srgbClr val="000000"/>
-              </a:solidFill>
+            <a:pPr algn="ctr"/>
+            <a:endParaRPr b="0" lang="pt-BR" sz="4400" spc="-1" strike="noStrike">
               <a:latin typeface="Arial"/>
             </a:endParaRPr>
           </a:p>
@@ -1085,11 +1032,8 @@
             <a:normAutofit/>
           </a:bodyPr>
           <a:p>
-            <a:endParaRPr b="0" lang="pt-BR" sz="2200" spc="-1" strike="noStrike">
-              <a:solidFill>
-                <a:srgbClr val="000000"/>
-              </a:solidFill>
-              <a:latin typeface="Trebuchet MS"/>
+            <a:endParaRPr b="0" lang="pt-BR" sz="3200" spc="-1" strike="noStrike">
+              <a:latin typeface="Arial"/>
             </a:endParaRPr>
           </a:p>
         </p:txBody>
@@ -1118,11 +1062,8 @@
             <a:normAutofit/>
           </a:bodyPr>
           <a:p>
-            <a:endParaRPr b="0" lang="pt-BR" sz="2200" spc="-1" strike="noStrike">
-              <a:solidFill>
-                <a:srgbClr val="000000"/>
-              </a:solidFill>
-              <a:latin typeface="Trebuchet MS"/>
+            <a:endParaRPr b="0" lang="pt-BR" sz="3200" spc="-1" strike="noStrike">
+              <a:latin typeface="Arial"/>
             </a:endParaRPr>
           </a:p>
         </p:txBody>
@@ -1151,11 +1092,8 @@
             <a:normAutofit/>
           </a:bodyPr>
           <a:p>
-            <a:endParaRPr b="0" lang="pt-BR" sz="2200" spc="-1" strike="noStrike">
-              <a:solidFill>
-                <a:srgbClr val="000000"/>
-              </a:solidFill>
-              <a:latin typeface="Trebuchet MS"/>
+            <a:endParaRPr b="0" lang="pt-BR" sz="3200" spc="-1" strike="noStrike">
+              <a:latin typeface="Arial"/>
             </a:endParaRPr>
           </a:p>
         </p:txBody>
@@ -1204,10 +1142,8 @@
         <p:txBody>
           <a:bodyPr lIns="0" rIns="0" tIns="0" bIns="0" anchor="ctr"/>
           <a:p>
-            <a:endParaRPr b="0" lang="pt-BR" sz="3200" spc="-1" strike="noStrike">
-              <a:solidFill>
-                <a:srgbClr val="000000"/>
-              </a:solidFill>
+            <a:pPr algn="ctr"/>
+            <a:endParaRPr b="0" lang="pt-BR" sz="4400" spc="-1" strike="noStrike">
               <a:latin typeface="Arial"/>
             </a:endParaRPr>
           </a:p>
@@ -1286,10 +1222,8 @@
         <p:txBody>
           <a:bodyPr lIns="0" rIns="0" tIns="0" bIns="0" anchor="ctr"/>
           <a:p>
-            <a:endParaRPr b="0" lang="pt-BR" sz="3200" spc="-1" strike="noStrike">
-              <a:solidFill>
-                <a:srgbClr val="000000"/>
-              </a:solidFill>
+            <a:pPr algn="ctr"/>
+            <a:endParaRPr b="0" lang="pt-BR" sz="4400" spc="-1" strike="noStrike">
               <a:latin typeface="Arial"/>
             </a:endParaRPr>
           </a:p>
@@ -1319,11 +1253,8 @@
             <a:normAutofit/>
           </a:bodyPr>
           <a:p>
-            <a:endParaRPr b="0" lang="pt-BR" sz="2200" spc="-1" strike="noStrike">
-              <a:solidFill>
-                <a:srgbClr val="000000"/>
-              </a:solidFill>
-              <a:latin typeface="Trebuchet MS"/>
+            <a:endParaRPr b="0" lang="pt-BR" sz="3200" spc="-1" strike="noStrike">
+              <a:latin typeface="Arial"/>
             </a:endParaRPr>
           </a:p>
         </p:txBody>
@@ -1352,11 +1283,8 @@
             <a:normAutofit/>
           </a:bodyPr>
           <a:p>
-            <a:endParaRPr b="0" lang="pt-BR" sz="2200" spc="-1" strike="noStrike">
-              <a:solidFill>
-                <a:srgbClr val="000000"/>
-              </a:solidFill>
-              <a:latin typeface="Trebuchet MS"/>
+            <a:endParaRPr b="0" lang="pt-BR" sz="3200" spc="-1" strike="noStrike">
+              <a:latin typeface="Arial"/>
             </a:endParaRPr>
           </a:p>
         </p:txBody>
@@ -1385,11 +1313,8 @@
             <a:normAutofit/>
           </a:bodyPr>
           <a:p>
-            <a:endParaRPr b="0" lang="pt-BR" sz="2200" spc="-1" strike="noStrike">
-              <a:solidFill>
-                <a:srgbClr val="000000"/>
-              </a:solidFill>
-              <a:latin typeface="Trebuchet MS"/>
+            <a:endParaRPr b="0" lang="pt-BR" sz="3200" spc="-1" strike="noStrike">
+              <a:latin typeface="Arial"/>
             </a:endParaRPr>
           </a:p>
         </p:txBody>
@@ -1438,10 +1363,8 @@
         <p:txBody>
           <a:bodyPr lIns="0" rIns="0" tIns="0" bIns="0" anchor="ctr"/>
           <a:p>
-            <a:endParaRPr b="0" lang="pt-BR" sz="3200" spc="-1" strike="noStrike">
-              <a:solidFill>
-                <a:srgbClr val="000000"/>
-              </a:solidFill>
+            <a:pPr algn="ctr"/>
+            <a:endParaRPr b="0" lang="pt-BR" sz="4400" spc="-1" strike="noStrike">
               <a:latin typeface="Arial"/>
             </a:endParaRPr>
           </a:p>
@@ -1471,11 +1394,8 @@
             <a:normAutofit/>
           </a:bodyPr>
           <a:p>
-            <a:endParaRPr b="0" lang="pt-BR" sz="2200" spc="-1" strike="noStrike">
-              <a:solidFill>
-                <a:srgbClr val="000000"/>
-              </a:solidFill>
-              <a:latin typeface="Trebuchet MS"/>
+            <a:endParaRPr b="0" lang="pt-BR" sz="3200" spc="-1" strike="noStrike">
+              <a:latin typeface="Arial"/>
             </a:endParaRPr>
           </a:p>
         </p:txBody>
@@ -1504,11 +1424,8 @@
             <a:normAutofit/>
           </a:bodyPr>
           <a:p>
-            <a:endParaRPr b="0" lang="pt-BR" sz="2200" spc="-1" strike="noStrike">
-              <a:solidFill>
-                <a:srgbClr val="000000"/>
-              </a:solidFill>
-              <a:latin typeface="Trebuchet MS"/>
+            <a:endParaRPr b="0" lang="pt-BR" sz="3200" spc="-1" strike="noStrike">
+              <a:latin typeface="Arial"/>
             </a:endParaRPr>
           </a:p>
         </p:txBody>
@@ -1537,11 +1454,8 @@
             <a:normAutofit/>
           </a:bodyPr>
           <a:p>
-            <a:endParaRPr b="0" lang="pt-BR" sz="2200" spc="-1" strike="noStrike">
-              <a:solidFill>
-                <a:srgbClr val="000000"/>
-              </a:solidFill>
-              <a:latin typeface="Trebuchet MS"/>
+            <a:endParaRPr b="0" lang="pt-BR" sz="3200" spc="-1" strike="noStrike">
+              <a:latin typeface="Arial"/>
             </a:endParaRPr>
           </a:p>
         </p:txBody>
@@ -1590,10 +1504,8 @@
         <p:txBody>
           <a:bodyPr lIns="0" rIns="0" tIns="0" bIns="0" anchor="ctr"/>
           <a:p>
-            <a:endParaRPr b="0" lang="pt-BR" sz="3200" spc="-1" strike="noStrike">
-              <a:solidFill>
-                <a:srgbClr val="000000"/>
-              </a:solidFill>
+            <a:pPr algn="ctr"/>
+            <a:endParaRPr b="0" lang="pt-BR" sz="4400" spc="-1" strike="noStrike">
               <a:latin typeface="Arial"/>
             </a:endParaRPr>
           </a:p>
@@ -1623,11 +1535,8 @@
             <a:normAutofit/>
           </a:bodyPr>
           <a:p>
-            <a:endParaRPr b="0" lang="pt-BR" sz="2200" spc="-1" strike="noStrike">
-              <a:solidFill>
-                <a:srgbClr val="000000"/>
-              </a:solidFill>
-              <a:latin typeface="Trebuchet MS"/>
+            <a:endParaRPr b="0" lang="pt-BR" sz="3200" spc="-1" strike="noStrike">
+              <a:latin typeface="Arial"/>
             </a:endParaRPr>
           </a:p>
         </p:txBody>
@@ -1656,11 +1565,8 @@
             <a:normAutofit/>
           </a:bodyPr>
           <a:p>
-            <a:endParaRPr b="0" lang="pt-BR" sz="2200" spc="-1" strike="noStrike">
-              <a:solidFill>
-                <a:srgbClr val="000000"/>
-              </a:solidFill>
-              <a:latin typeface="Trebuchet MS"/>
+            <a:endParaRPr b="0" lang="pt-BR" sz="3200" spc="-1" strike="noStrike">
+              <a:latin typeface="Arial"/>
             </a:endParaRPr>
           </a:p>
         </p:txBody>
@@ -1709,10 +1615,8 @@
         <p:txBody>
           <a:bodyPr lIns="0" rIns="0" tIns="0" bIns="0" anchor="ctr"/>
           <a:p>
-            <a:endParaRPr b="0" lang="pt-BR" sz="3200" spc="-1" strike="noStrike">
-              <a:solidFill>
-                <a:srgbClr val="000000"/>
-              </a:solidFill>
+            <a:pPr algn="ctr"/>
+            <a:endParaRPr b="0" lang="pt-BR" sz="4400" spc="-1" strike="noStrike">
               <a:latin typeface="Arial"/>
             </a:endParaRPr>
           </a:p>
@@ -1742,11 +1646,8 @@
             <a:normAutofit/>
           </a:bodyPr>
           <a:p>
-            <a:endParaRPr b="0" lang="pt-BR" sz="2200" spc="-1" strike="noStrike">
-              <a:solidFill>
-                <a:srgbClr val="000000"/>
-              </a:solidFill>
-              <a:latin typeface="Trebuchet MS"/>
+            <a:endParaRPr b="0" lang="pt-BR" sz="3200" spc="-1" strike="noStrike">
+              <a:latin typeface="Arial"/>
             </a:endParaRPr>
           </a:p>
         </p:txBody>
@@ -1775,11 +1676,8 @@
             <a:normAutofit/>
           </a:bodyPr>
           <a:p>
-            <a:endParaRPr b="0" lang="pt-BR" sz="2200" spc="-1" strike="noStrike">
-              <a:solidFill>
-                <a:srgbClr val="000000"/>
-              </a:solidFill>
-              <a:latin typeface="Trebuchet MS"/>
+            <a:endParaRPr b="0" lang="pt-BR" sz="3200" spc="-1" strike="noStrike">
+              <a:latin typeface="Arial"/>
             </a:endParaRPr>
           </a:p>
         </p:txBody>
@@ -1808,11 +1706,8 @@
             <a:normAutofit/>
           </a:bodyPr>
           <a:p>
-            <a:endParaRPr b="0" lang="pt-BR" sz="2200" spc="-1" strike="noStrike">
-              <a:solidFill>
-                <a:srgbClr val="000000"/>
-              </a:solidFill>
-              <a:latin typeface="Trebuchet MS"/>
+            <a:endParaRPr b="0" lang="pt-BR" sz="3200" spc="-1" strike="noStrike">
+              <a:latin typeface="Arial"/>
             </a:endParaRPr>
           </a:p>
         </p:txBody>
@@ -1841,11 +1736,8 @@
             <a:normAutofit/>
           </a:bodyPr>
           <a:p>
-            <a:endParaRPr b="0" lang="pt-BR" sz="2200" spc="-1" strike="noStrike">
-              <a:solidFill>
-                <a:srgbClr val="000000"/>
-              </a:solidFill>
-              <a:latin typeface="Trebuchet MS"/>
+            <a:endParaRPr b="0" lang="pt-BR" sz="3200" spc="-1" strike="noStrike">
+              <a:latin typeface="Arial"/>
             </a:endParaRPr>
           </a:p>
         </p:txBody>
@@ -1894,10 +1786,8 @@
         <p:txBody>
           <a:bodyPr lIns="0" rIns="0" tIns="0" bIns="0" anchor="ctr"/>
           <a:p>
-            <a:endParaRPr b="0" lang="pt-BR" sz="3200" spc="-1" strike="noStrike">
-              <a:solidFill>
-                <a:srgbClr val="000000"/>
-              </a:solidFill>
+            <a:pPr algn="ctr"/>
+            <a:endParaRPr b="0" lang="pt-BR" sz="4400" spc="-1" strike="noStrike">
               <a:latin typeface="Arial"/>
             </a:endParaRPr>
           </a:p>
@@ -1927,11 +1817,8 @@
             <a:normAutofit/>
           </a:bodyPr>
           <a:p>
-            <a:endParaRPr b="0" lang="pt-BR" sz="2200" spc="-1" strike="noStrike">
-              <a:solidFill>
-                <a:srgbClr val="000000"/>
-              </a:solidFill>
-              <a:latin typeface="Trebuchet MS"/>
+            <a:endParaRPr b="0" lang="pt-BR" sz="3200" spc="-1" strike="noStrike">
+              <a:latin typeface="Arial"/>
             </a:endParaRPr>
           </a:p>
         </p:txBody>
@@ -1960,11 +1847,8 @@
             <a:normAutofit/>
           </a:bodyPr>
           <a:p>
-            <a:endParaRPr b="0" lang="pt-BR" sz="2200" spc="-1" strike="noStrike">
-              <a:solidFill>
-                <a:srgbClr val="000000"/>
-              </a:solidFill>
-              <a:latin typeface="Trebuchet MS"/>
+            <a:endParaRPr b="0" lang="pt-BR" sz="3200" spc="-1" strike="noStrike">
+              <a:latin typeface="Arial"/>
             </a:endParaRPr>
           </a:p>
         </p:txBody>
@@ -1993,11 +1877,8 @@
             <a:normAutofit/>
           </a:bodyPr>
           <a:p>
-            <a:endParaRPr b="0" lang="pt-BR" sz="2200" spc="-1" strike="noStrike">
-              <a:solidFill>
-                <a:srgbClr val="000000"/>
-              </a:solidFill>
-              <a:latin typeface="Trebuchet MS"/>
+            <a:endParaRPr b="0" lang="pt-BR" sz="3200" spc="-1" strike="noStrike">
+              <a:latin typeface="Arial"/>
             </a:endParaRPr>
           </a:p>
         </p:txBody>
@@ -2026,11 +1907,8 @@
             <a:normAutofit/>
           </a:bodyPr>
           <a:p>
-            <a:endParaRPr b="0" lang="pt-BR" sz="2200" spc="-1" strike="noStrike">
-              <a:solidFill>
-                <a:srgbClr val="000000"/>
-              </a:solidFill>
-              <a:latin typeface="Trebuchet MS"/>
+            <a:endParaRPr b="0" lang="pt-BR" sz="3200" spc="-1" strike="noStrike">
+              <a:latin typeface="Arial"/>
             </a:endParaRPr>
           </a:p>
         </p:txBody>
@@ -2059,11 +1937,8 @@
             <a:normAutofit/>
           </a:bodyPr>
           <a:p>
-            <a:endParaRPr b="0" lang="pt-BR" sz="2200" spc="-1" strike="noStrike">
-              <a:solidFill>
-                <a:srgbClr val="000000"/>
-              </a:solidFill>
-              <a:latin typeface="Trebuchet MS"/>
+            <a:endParaRPr b="0" lang="pt-BR" sz="3200" spc="-1" strike="noStrike">
+              <a:latin typeface="Arial"/>
             </a:endParaRPr>
           </a:p>
         </p:txBody>
@@ -2092,11 +1967,8 @@
             <a:normAutofit/>
           </a:bodyPr>
           <a:p>
-            <a:endParaRPr b="0" lang="pt-BR" sz="2200" spc="-1" strike="noStrike">
-              <a:solidFill>
-                <a:srgbClr val="000000"/>
-              </a:solidFill>
-              <a:latin typeface="Trebuchet MS"/>
+            <a:endParaRPr b="0" lang="pt-BR" sz="3200" spc="-1" strike="noStrike">
+              <a:latin typeface="Arial"/>
             </a:endParaRPr>
           </a:p>
         </p:txBody>
@@ -2145,10 +2017,8 @@
         <p:txBody>
           <a:bodyPr lIns="0" rIns="0" tIns="0" bIns="0" anchor="ctr"/>
           <a:p>
-            <a:endParaRPr b="0" lang="pt-BR" sz="3200" spc="-1" strike="noStrike">
-              <a:solidFill>
-                <a:srgbClr val="000000"/>
-              </a:solidFill>
+            <a:pPr algn="ctr"/>
+            <a:endParaRPr b="0" lang="pt-BR" sz="4400" spc="-1" strike="noStrike">
               <a:latin typeface="Arial"/>
             </a:endParaRPr>
           </a:p>
@@ -2178,11 +2048,8 @@
             <a:normAutofit/>
           </a:bodyPr>
           <a:p>
-            <a:endParaRPr b="0" lang="pt-BR" sz="2200" spc="-1" strike="noStrike">
-              <a:solidFill>
-                <a:srgbClr val="000000"/>
-              </a:solidFill>
-              <a:latin typeface="Trebuchet MS"/>
+            <a:endParaRPr b="0" lang="pt-BR" sz="3200" spc="-1" strike="noStrike">
+              <a:latin typeface="Arial"/>
             </a:endParaRPr>
           </a:p>
         </p:txBody>
@@ -2231,10 +2098,8 @@
         <p:txBody>
           <a:bodyPr lIns="0" rIns="0" tIns="0" bIns="0" anchor="ctr"/>
           <a:p>
-            <a:endParaRPr b="0" lang="pt-BR" sz="3200" spc="-1" strike="noStrike">
-              <a:solidFill>
-                <a:srgbClr val="000000"/>
-              </a:solidFill>
+            <a:pPr algn="ctr"/>
+            <a:endParaRPr b="0" lang="pt-BR" sz="4400" spc="-1" strike="noStrike">
               <a:latin typeface="Arial"/>
             </a:endParaRPr>
           </a:p>
@@ -2264,11 +2129,8 @@
             <a:normAutofit/>
           </a:bodyPr>
           <a:p>
-            <a:endParaRPr b="0" lang="pt-BR" sz="2200" spc="-1" strike="noStrike">
-              <a:solidFill>
-                <a:srgbClr val="000000"/>
-              </a:solidFill>
-              <a:latin typeface="Trebuchet MS"/>
+            <a:endParaRPr b="0" lang="pt-BR" sz="3200" spc="-1" strike="noStrike">
+              <a:latin typeface="Arial"/>
             </a:endParaRPr>
           </a:p>
         </p:txBody>
@@ -2297,11 +2159,8 @@
             <a:normAutofit/>
           </a:bodyPr>
           <a:p>
-            <a:endParaRPr b="0" lang="pt-BR" sz="2200" spc="-1" strike="noStrike">
-              <a:solidFill>
-                <a:srgbClr val="000000"/>
-              </a:solidFill>
-              <a:latin typeface="Trebuchet MS"/>
+            <a:endParaRPr b="0" lang="pt-BR" sz="3200" spc="-1" strike="noStrike">
+              <a:latin typeface="Arial"/>
             </a:endParaRPr>
           </a:p>
         </p:txBody>
@@ -2350,10 +2209,8 @@
         <p:txBody>
           <a:bodyPr lIns="0" rIns="0" tIns="0" bIns="0" anchor="ctr"/>
           <a:p>
-            <a:endParaRPr b="0" lang="pt-BR" sz="3200" spc="-1" strike="noStrike">
-              <a:solidFill>
-                <a:srgbClr val="000000"/>
-              </a:solidFill>
+            <a:pPr algn="ctr"/>
+            <a:endParaRPr b="0" lang="pt-BR" sz="4400" spc="-1" strike="noStrike">
               <a:latin typeface="Arial"/>
             </a:endParaRPr>
           </a:p>
@@ -2454,10 +2311,8 @@
         <p:txBody>
           <a:bodyPr lIns="0" rIns="0" tIns="0" bIns="0" anchor="ctr"/>
           <a:p>
-            <a:endParaRPr b="0" lang="pt-BR" sz="3200" spc="-1" strike="noStrike">
-              <a:solidFill>
-                <a:srgbClr val="000000"/>
-              </a:solidFill>
+            <a:pPr algn="ctr"/>
+            <a:endParaRPr b="0" lang="pt-BR" sz="4400" spc="-1" strike="noStrike">
               <a:latin typeface="Arial"/>
             </a:endParaRPr>
           </a:p>
@@ -2487,11 +2342,8 @@
             <a:normAutofit/>
           </a:bodyPr>
           <a:p>
-            <a:endParaRPr b="0" lang="pt-BR" sz="2200" spc="-1" strike="noStrike">
-              <a:solidFill>
-                <a:srgbClr val="000000"/>
-              </a:solidFill>
-              <a:latin typeface="Trebuchet MS"/>
+            <a:endParaRPr b="0" lang="pt-BR" sz="3200" spc="-1" strike="noStrike">
+              <a:latin typeface="Arial"/>
             </a:endParaRPr>
           </a:p>
         </p:txBody>
@@ -2520,11 +2372,8 @@
             <a:normAutofit/>
           </a:bodyPr>
           <a:p>
-            <a:endParaRPr b="0" lang="pt-BR" sz="2200" spc="-1" strike="noStrike">
-              <a:solidFill>
-                <a:srgbClr val="000000"/>
-              </a:solidFill>
-              <a:latin typeface="Trebuchet MS"/>
+            <a:endParaRPr b="0" lang="pt-BR" sz="3200" spc="-1" strike="noStrike">
+              <a:latin typeface="Arial"/>
             </a:endParaRPr>
           </a:p>
         </p:txBody>
@@ -2553,11 +2402,8 @@
             <a:normAutofit/>
           </a:bodyPr>
           <a:p>
-            <a:endParaRPr b="0" lang="pt-BR" sz="2200" spc="-1" strike="noStrike">
-              <a:solidFill>
-                <a:srgbClr val="000000"/>
-              </a:solidFill>
-              <a:latin typeface="Trebuchet MS"/>
+            <a:endParaRPr b="0" lang="pt-BR" sz="3200" spc="-1" strike="noStrike">
+              <a:latin typeface="Arial"/>
             </a:endParaRPr>
           </a:p>
         </p:txBody>
@@ -2606,10 +2452,8 @@
         <p:txBody>
           <a:bodyPr lIns="0" rIns="0" tIns="0" bIns="0" anchor="ctr"/>
           <a:p>
-            <a:endParaRPr b="0" lang="pt-BR" sz="3200" spc="-1" strike="noStrike">
-              <a:solidFill>
-                <a:srgbClr val="000000"/>
-              </a:solidFill>
+            <a:pPr algn="ctr"/>
+            <a:endParaRPr b="0" lang="pt-BR" sz="4400" spc="-1" strike="noStrike">
               <a:latin typeface="Arial"/>
             </a:endParaRPr>
           </a:p>
@@ -2639,11 +2483,8 @@
             <a:normAutofit/>
           </a:bodyPr>
           <a:p>
-            <a:endParaRPr b="0" lang="pt-BR" sz="2200" spc="-1" strike="noStrike">
-              <a:solidFill>
-                <a:srgbClr val="000000"/>
-              </a:solidFill>
-              <a:latin typeface="Trebuchet MS"/>
+            <a:endParaRPr b="0" lang="pt-BR" sz="3200" spc="-1" strike="noStrike">
+              <a:latin typeface="Arial"/>
             </a:endParaRPr>
           </a:p>
         </p:txBody>
@@ -2672,11 +2513,8 @@
             <a:normAutofit/>
           </a:bodyPr>
           <a:p>
-            <a:endParaRPr b="0" lang="pt-BR" sz="2200" spc="-1" strike="noStrike">
-              <a:solidFill>
-                <a:srgbClr val="000000"/>
-              </a:solidFill>
-              <a:latin typeface="Trebuchet MS"/>
+            <a:endParaRPr b="0" lang="pt-BR" sz="3200" spc="-1" strike="noStrike">
+              <a:latin typeface="Arial"/>
             </a:endParaRPr>
           </a:p>
         </p:txBody>
@@ -2705,11 +2543,8 @@
             <a:normAutofit/>
           </a:bodyPr>
           <a:p>
-            <a:endParaRPr b="0" lang="pt-BR" sz="2200" spc="-1" strike="noStrike">
-              <a:solidFill>
-                <a:srgbClr val="000000"/>
-              </a:solidFill>
-              <a:latin typeface="Trebuchet MS"/>
+            <a:endParaRPr b="0" lang="pt-BR" sz="3200" spc="-1" strike="noStrike">
+              <a:latin typeface="Arial"/>
             </a:endParaRPr>
           </a:p>
         </p:txBody>
@@ -2758,10 +2593,8 @@
         <p:txBody>
           <a:bodyPr lIns="0" rIns="0" tIns="0" bIns="0" anchor="ctr"/>
           <a:p>
-            <a:endParaRPr b="0" lang="pt-BR" sz="3200" spc="-1" strike="noStrike">
-              <a:solidFill>
-                <a:srgbClr val="000000"/>
-              </a:solidFill>
+            <a:pPr algn="ctr"/>
+            <a:endParaRPr b="0" lang="pt-BR" sz="4400" spc="-1" strike="noStrike">
               <a:latin typeface="Arial"/>
             </a:endParaRPr>
           </a:p>
@@ -2791,11 +2624,8 @@
             <a:normAutofit/>
           </a:bodyPr>
           <a:p>
-            <a:endParaRPr b="0" lang="pt-BR" sz="2200" spc="-1" strike="noStrike">
-              <a:solidFill>
-                <a:srgbClr val="000000"/>
-              </a:solidFill>
-              <a:latin typeface="Trebuchet MS"/>
+            <a:endParaRPr b="0" lang="pt-BR" sz="3200" spc="-1" strike="noStrike">
+              <a:latin typeface="Arial"/>
             </a:endParaRPr>
           </a:p>
         </p:txBody>
@@ -2824,11 +2654,8 @@
             <a:normAutofit/>
           </a:bodyPr>
           <a:p>
-            <a:endParaRPr b="0" lang="pt-BR" sz="2200" spc="-1" strike="noStrike">
-              <a:solidFill>
-                <a:srgbClr val="000000"/>
-              </a:solidFill>
-              <a:latin typeface="Trebuchet MS"/>
+            <a:endParaRPr b="0" lang="pt-BR" sz="3200" spc="-1" strike="noStrike">
+              <a:latin typeface="Arial"/>
             </a:endParaRPr>
           </a:p>
         </p:txBody>
@@ -2857,11 +2684,8 @@
             <a:normAutofit/>
           </a:bodyPr>
           <a:p>
-            <a:endParaRPr b="0" lang="pt-BR" sz="2200" spc="-1" strike="noStrike">
-              <a:solidFill>
-                <a:srgbClr val="000000"/>
-              </a:solidFill>
-              <a:latin typeface="Trebuchet MS"/>
+            <a:endParaRPr b="0" lang="pt-BR" sz="3200" spc="-1" strike="noStrike">
+              <a:latin typeface="Arial"/>
             </a:endParaRPr>
           </a:p>
         </p:txBody>
@@ -2920,19 +2744,14 @@
         <p:txBody>
           <a:bodyPr lIns="0" rIns="0" tIns="0" bIns="0" anchor="ctr"/>
           <a:p>
-            <a:r>
-              <a:rPr b="0" lang="pt-BR" sz="3200" spc="-1" strike="noStrike">
-                <a:solidFill>
-                  <a:srgbClr val="000000"/>
-                </a:solidFill>
+            <a:pPr algn="ctr"/>
+            <a:r>
+              <a:rPr b="0" lang="pt-BR" sz="4400" spc="-1" strike="noStrike">
                 <a:latin typeface="Arial"/>
               </a:rPr>
               <a:t>Clique para editar o formato do texto do título</a:t>
             </a:r>
-            <a:endParaRPr b="0" lang="pt-BR" sz="3200" spc="-1" strike="noStrike">
-              <a:solidFill>
-                <a:srgbClr val="000000"/>
-              </a:solidFill>
+            <a:endParaRPr b="0" lang="pt-BR" sz="4400" spc="-1" strike="noStrike">
               <a:latin typeface="Arial"/>
             </a:endParaRPr>
           </a:p>
@@ -2974,19 +2793,13 @@
               <a:buChar char=""/>
             </a:pPr>
             <a:r>
-              <a:rPr b="0" lang="pt-BR" sz="2200" spc="-1" strike="noStrike">
-                <a:solidFill>
-                  <a:srgbClr val="000000"/>
-                </a:solidFill>
-                <a:latin typeface="Trebuchet MS"/>
+              <a:rPr b="0" lang="pt-BR" sz="3200" spc="-1" strike="noStrike">
+                <a:latin typeface="Arial"/>
               </a:rPr>
               <a:t>Clique para editar o formato do texto da estrutura de tópicos</a:t>
             </a:r>
-            <a:endParaRPr b="0" lang="pt-BR" sz="2200" spc="-1" strike="noStrike">
-              <a:solidFill>
-                <a:srgbClr val="000000"/>
-              </a:solidFill>
-              <a:latin typeface="Trebuchet MS"/>
+            <a:endParaRPr b="0" lang="pt-BR" sz="3200" spc="-1" strike="noStrike">
+              <a:latin typeface="Arial"/>
             </a:endParaRPr>
           </a:p>
           <a:p>
@@ -3002,19 +2815,13 @@
               <a:buChar char=""/>
             </a:pPr>
             <a:r>
-              <a:rPr b="0" lang="pt-BR" sz="1800" spc="-1" strike="noStrike">
-                <a:solidFill>
-                  <a:srgbClr val="000000"/>
-                </a:solidFill>
-                <a:latin typeface="Trebuchet MS"/>
+              <a:rPr b="0" lang="pt-BR" sz="2800" spc="-1" strike="noStrike">
+                <a:latin typeface="Arial"/>
               </a:rPr>
               <a:t>2.º nível da estrutura de tópicos</a:t>
             </a:r>
-            <a:endParaRPr b="0" lang="pt-BR" sz="1800" spc="-1" strike="noStrike">
-              <a:solidFill>
-                <a:srgbClr val="000000"/>
-              </a:solidFill>
-              <a:latin typeface="Trebuchet MS"/>
+            <a:endParaRPr b="0" lang="pt-BR" sz="2800" spc="-1" strike="noStrike">
+              <a:latin typeface="Arial"/>
             </a:endParaRPr>
           </a:p>
           <a:p>
@@ -3030,19 +2837,13 @@
               <a:buChar char=""/>
             </a:pPr>
             <a:r>
-              <a:rPr b="0" lang="pt-BR" sz="1600" spc="-1" strike="noStrike">
-                <a:solidFill>
-                  <a:srgbClr val="000000"/>
-                </a:solidFill>
-                <a:latin typeface="Trebuchet MS"/>
+              <a:rPr b="0" lang="pt-BR" sz="2400" spc="-1" strike="noStrike">
+                <a:latin typeface="Arial"/>
               </a:rPr>
               <a:t>3.º nível da estrutura de tópicos</a:t>
             </a:r>
-            <a:endParaRPr b="0" lang="pt-BR" sz="1600" spc="-1" strike="noStrike">
-              <a:solidFill>
-                <a:srgbClr val="000000"/>
-              </a:solidFill>
-              <a:latin typeface="Trebuchet MS"/>
+            <a:endParaRPr b="0" lang="pt-BR" sz="2400" spc="-1" strike="noStrike">
+              <a:latin typeface="Arial"/>
             </a:endParaRPr>
           </a:p>
           <a:p>
@@ -3059,18 +2860,12 @@
             </a:pPr>
             <a:r>
               <a:rPr b="0" lang="pt-BR" sz="2000" spc="-1" strike="noStrike">
-                <a:solidFill>
-                  <a:srgbClr val="000000"/>
-                </a:solidFill>
-                <a:latin typeface="EurostileT"/>
+                <a:latin typeface="Arial"/>
               </a:rPr>
               <a:t>4.º nível da estrutura de tópicos</a:t>
             </a:r>
             <a:endParaRPr b="0" lang="pt-BR" sz="2000" spc="-1" strike="noStrike">
-              <a:solidFill>
-                <a:srgbClr val="000000"/>
-              </a:solidFill>
-              <a:latin typeface="EurostileT"/>
+              <a:latin typeface="Arial"/>
             </a:endParaRPr>
           </a:p>
           <a:p>
@@ -3087,18 +2882,12 @@
             </a:pPr>
             <a:r>
               <a:rPr b="0" lang="pt-BR" sz="2000" spc="-1" strike="noStrike">
-                <a:solidFill>
-                  <a:srgbClr val="000000"/>
-                </a:solidFill>
-                <a:latin typeface="EurostileT"/>
+                <a:latin typeface="Arial"/>
               </a:rPr>
               <a:t>5.º nível da estrutura de tópicos</a:t>
             </a:r>
             <a:endParaRPr b="0" lang="pt-BR" sz="2000" spc="-1" strike="noStrike">
-              <a:solidFill>
-                <a:srgbClr val="000000"/>
-              </a:solidFill>
-              <a:latin typeface="EurostileT"/>
+              <a:latin typeface="Arial"/>
             </a:endParaRPr>
           </a:p>
           <a:p>
@@ -3115,18 +2904,12 @@
             </a:pPr>
             <a:r>
               <a:rPr b="0" lang="pt-BR" sz="2000" spc="-1" strike="noStrike">
-                <a:solidFill>
-                  <a:srgbClr val="000000"/>
-                </a:solidFill>
-                <a:latin typeface="EurostileT"/>
+                <a:latin typeface="Arial"/>
               </a:rPr>
               <a:t>6.º nível da estrutura de tópicos</a:t>
             </a:r>
             <a:endParaRPr b="0" lang="pt-BR" sz="2000" spc="-1" strike="noStrike">
-              <a:solidFill>
-                <a:srgbClr val="000000"/>
-              </a:solidFill>
-              <a:latin typeface="EurostileT"/>
+              <a:latin typeface="Arial"/>
             </a:endParaRPr>
           </a:p>
           <a:p>
@@ -3143,18 +2926,12 @@
             </a:pPr>
             <a:r>
               <a:rPr b="0" lang="pt-BR" sz="2000" spc="-1" strike="noStrike">
-                <a:solidFill>
-                  <a:srgbClr val="000000"/>
-                </a:solidFill>
-                <a:latin typeface="EurostileT"/>
+                <a:latin typeface="Arial"/>
               </a:rPr>
               <a:t>7.º nível da estrutura de tópicos</a:t>
             </a:r>
             <a:endParaRPr b="0" lang="pt-BR" sz="2000" spc="-1" strike="noStrike">
-              <a:solidFill>
-                <a:srgbClr val="000000"/>
-              </a:solidFill>
-              <a:latin typeface="EurostileT"/>
+              <a:latin typeface="Arial"/>
             </a:endParaRPr>
           </a:p>
         </p:txBody>
@@ -3228,19 +3005,14 @@
         <p:txBody>
           <a:bodyPr lIns="0" rIns="0" tIns="0" bIns="0" anchor="ctr"/>
           <a:p>
-            <a:r>
-              <a:rPr b="0" lang="pt-BR" sz="3200" spc="-1" strike="noStrike">
-                <a:solidFill>
-                  <a:srgbClr val="000000"/>
-                </a:solidFill>
+            <a:pPr algn="ctr"/>
+            <a:r>
+              <a:rPr b="0" lang="pt-BR" sz="4400" spc="-1" strike="noStrike">
                 <a:latin typeface="Arial"/>
               </a:rPr>
               <a:t>Clique para editar o formato do texto do título</a:t>
             </a:r>
-            <a:endParaRPr b="0" lang="pt-BR" sz="3200" spc="-1" strike="noStrike">
-              <a:solidFill>
-                <a:srgbClr val="000000"/>
-              </a:solidFill>
+            <a:endParaRPr b="0" lang="pt-BR" sz="4400" spc="-1" strike="noStrike">
               <a:latin typeface="Arial"/>
             </a:endParaRPr>
           </a:p>
@@ -3282,19 +3054,13 @@
               <a:buChar char=""/>
             </a:pPr>
             <a:r>
-              <a:rPr b="0" lang="pt-BR" sz="2200" spc="-1" strike="noStrike">
-                <a:solidFill>
-                  <a:srgbClr val="000000"/>
-                </a:solidFill>
-                <a:latin typeface="Trebuchet MS"/>
+              <a:rPr b="0" lang="pt-BR" sz="3200" spc="-1" strike="noStrike">
+                <a:latin typeface="Arial"/>
               </a:rPr>
               <a:t>Clique para editar o formato do texto da estrutura de tópicos</a:t>
             </a:r>
-            <a:endParaRPr b="0" lang="pt-BR" sz="2200" spc="-1" strike="noStrike">
-              <a:solidFill>
-                <a:srgbClr val="000000"/>
-              </a:solidFill>
-              <a:latin typeface="Trebuchet MS"/>
+            <a:endParaRPr b="0" lang="pt-BR" sz="3200" spc="-1" strike="noStrike">
+              <a:latin typeface="Arial"/>
             </a:endParaRPr>
           </a:p>
           <a:p>
@@ -3310,19 +3076,13 @@
               <a:buChar char=""/>
             </a:pPr>
             <a:r>
-              <a:rPr b="0" lang="pt-BR" sz="1800" spc="-1" strike="noStrike">
-                <a:solidFill>
-                  <a:srgbClr val="000000"/>
-                </a:solidFill>
-                <a:latin typeface="Trebuchet MS"/>
+              <a:rPr b="0" lang="pt-BR" sz="2800" spc="-1" strike="noStrike">
+                <a:latin typeface="Arial"/>
               </a:rPr>
               <a:t>2.º nível da estrutura de tópicos</a:t>
             </a:r>
-            <a:endParaRPr b="0" lang="pt-BR" sz="1800" spc="-1" strike="noStrike">
-              <a:solidFill>
-                <a:srgbClr val="000000"/>
-              </a:solidFill>
-              <a:latin typeface="Trebuchet MS"/>
+            <a:endParaRPr b="0" lang="pt-BR" sz="2800" spc="-1" strike="noStrike">
+              <a:latin typeface="Arial"/>
             </a:endParaRPr>
           </a:p>
           <a:p>
@@ -3338,19 +3098,13 @@
               <a:buChar char=""/>
             </a:pPr>
             <a:r>
-              <a:rPr b="0" lang="pt-BR" sz="1600" spc="-1" strike="noStrike">
-                <a:solidFill>
-                  <a:srgbClr val="000000"/>
-                </a:solidFill>
-                <a:latin typeface="Trebuchet MS"/>
+              <a:rPr b="0" lang="pt-BR" sz="2400" spc="-1" strike="noStrike">
+                <a:latin typeface="Arial"/>
               </a:rPr>
               <a:t>3.º nível da estrutura de tópicos</a:t>
             </a:r>
-            <a:endParaRPr b="0" lang="pt-BR" sz="1600" spc="-1" strike="noStrike">
-              <a:solidFill>
-                <a:srgbClr val="000000"/>
-              </a:solidFill>
-              <a:latin typeface="Trebuchet MS"/>
+            <a:endParaRPr b="0" lang="pt-BR" sz="2400" spc="-1" strike="noStrike">
+              <a:latin typeface="Arial"/>
             </a:endParaRPr>
           </a:p>
           <a:p>
@@ -3367,18 +3121,12 @@
             </a:pPr>
             <a:r>
               <a:rPr b="0" lang="pt-BR" sz="2000" spc="-1" strike="noStrike">
-                <a:solidFill>
-                  <a:srgbClr val="000000"/>
-                </a:solidFill>
-                <a:latin typeface="EurostileT"/>
+                <a:latin typeface="Arial"/>
               </a:rPr>
               <a:t>4.º nível da estrutura de tópicos</a:t>
             </a:r>
             <a:endParaRPr b="0" lang="pt-BR" sz="2000" spc="-1" strike="noStrike">
-              <a:solidFill>
-                <a:srgbClr val="000000"/>
-              </a:solidFill>
-              <a:latin typeface="EurostileT"/>
+              <a:latin typeface="Arial"/>
             </a:endParaRPr>
           </a:p>
           <a:p>
@@ -3395,18 +3143,12 @@
             </a:pPr>
             <a:r>
               <a:rPr b="0" lang="pt-BR" sz="2000" spc="-1" strike="noStrike">
-                <a:solidFill>
-                  <a:srgbClr val="000000"/>
-                </a:solidFill>
-                <a:latin typeface="EurostileT"/>
+                <a:latin typeface="Arial"/>
               </a:rPr>
               <a:t>5.º nível da estrutura de tópicos</a:t>
             </a:r>
             <a:endParaRPr b="0" lang="pt-BR" sz="2000" spc="-1" strike="noStrike">
-              <a:solidFill>
-                <a:srgbClr val="000000"/>
-              </a:solidFill>
-              <a:latin typeface="EurostileT"/>
+              <a:latin typeface="Arial"/>
             </a:endParaRPr>
           </a:p>
           <a:p>
@@ -3423,18 +3165,12 @@
             </a:pPr>
             <a:r>
               <a:rPr b="0" lang="pt-BR" sz="2000" spc="-1" strike="noStrike">
-                <a:solidFill>
-                  <a:srgbClr val="000000"/>
-                </a:solidFill>
-                <a:latin typeface="EurostileT"/>
+                <a:latin typeface="Arial"/>
               </a:rPr>
               <a:t>6.º nível da estrutura de tópicos</a:t>
             </a:r>
             <a:endParaRPr b="0" lang="pt-BR" sz="2000" spc="-1" strike="noStrike">
-              <a:solidFill>
-                <a:srgbClr val="000000"/>
-              </a:solidFill>
-              <a:latin typeface="EurostileT"/>
+              <a:latin typeface="Arial"/>
             </a:endParaRPr>
           </a:p>
           <a:p>
@@ -3451,18 +3187,12 @@
             </a:pPr>
             <a:r>
               <a:rPr b="0" lang="pt-BR" sz="2000" spc="-1" strike="noStrike">
-                <a:solidFill>
-                  <a:srgbClr val="000000"/>
-                </a:solidFill>
-                <a:latin typeface="EurostileT"/>
+                <a:latin typeface="Arial"/>
               </a:rPr>
               <a:t>7.º nível da estrutura de tópicos</a:t>
             </a:r>
             <a:endParaRPr b="0" lang="pt-BR" sz="2000" spc="-1" strike="noStrike">
-              <a:solidFill>
-                <a:srgbClr val="000000"/>
-              </a:solidFill>
-              <a:latin typeface="EurostileT"/>
+              <a:latin typeface="Arial"/>
             </a:endParaRPr>
           </a:p>
         </p:txBody>
@@ -3513,7 +3243,7 @@
         <p:spPr>
           <a:xfrm>
             <a:off x="0" y="4599000"/>
-            <a:ext cx="9143640" cy="471240"/>
+            <a:ext cx="9142560" cy="470160"/>
           </a:xfrm>
           <a:prstGeom prst="rect">
             <a:avLst/>
@@ -3562,7 +3292,7 @@
         <p:spPr>
           <a:xfrm>
             <a:off x="997560" y="1805040"/>
-            <a:ext cx="7065360" cy="2588400"/>
+            <a:ext cx="7064280" cy="2587320"/>
           </a:xfrm>
           <a:prstGeom prst="roundRect">
             <a:avLst>
@@ -3642,6 +3372,7 @@
                   <a:srgbClr val="314b4d"/>
                 </a:solidFill>
                 <a:latin typeface="Calibri"/>
+                <a:ea typeface="DejaVu Sans"/>
               </a:rPr>
               <a:t>Sistema de Controle de Logística</a:t>
             </a:r>
@@ -3702,14 +3433,14 @@
       </p:grpSpPr>
       <p:sp>
         <p:nvSpPr>
-          <p:cNvPr id="110" name="CustomShape 1"/>
+          <p:cNvPr id="117" name="CustomShape 1"/>
           <p:cNvSpPr/>
           <p:nvPr/>
         </p:nvSpPr>
         <p:spPr>
           <a:xfrm>
             <a:off x="0" y="1001880"/>
-            <a:ext cx="9143640" cy="664920"/>
+            <a:ext cx="9142560" cy="663840"/>
           </a:xfrm>
           <a:prstGeom prst="rect">
             <a:avLst/>
@@ -3746,14 +3477,14 @@
       </p:sp>
       <p:sp>
         <p:nvSpPr>
-          <p:cNvPr id="111" name="CustomShape 2"/>
+          <p:cNvPr id="118" name="CustomShape 2"/>
           <p:cNvSpPr/>
           <p:nvPr/>
         </p:nvSpPr>
         <p:spPr>
           <a:xfrm>
             <a:off x="206280" y="1100160"/>
-            <a:ext cx="8735760" cy="471240"/>
+            <a:ext cx="8734680" cy="470160"/>
           </a:xfrm>
           <a:prstGeom prst="rect">
             <a:avLst/>
@@ -3785,7 +3516,7 @@
                 <a:latin typeface="Calibri"/>
                 <a:ea typeface="Calibri"/>
               </a:rPr>
-              <a:t>Avaliação da Arquitetura</a:t>
+              <a:t>Requisitos Funcionais - Diagrama de casos de uso</a:t>
             </a:r>
             <a:endParaRPr b="0" lang="pt-BR" sz="2500" spc="-1" strike="noStrike">
               <a:latin typeface="Arial"/>
@@ -3795,14 +3526,14 @@
       </p:sp>
       <p:sp>
         <p:nvSpPr>
-          <p:cNvPr id="112" name="CustomShape 3"/>
+          <p:cNvPr id="119" name="CustomShape 3"/>
           <p:cNvSpPr/>
           <p:nvPr/>
         </p:nvSpPr>
         <p:spPr>
           <a:xfrm>
             <a:off x="179280" y="1770120"/>
-            <a:ext cx="8827560" cy="4119120"/>
+            <a:ext cx="8826480" cy="4118040"/>
           </a:xfrm>
           <a:prstGeom prst="rect">
             <a:avLst/>
@@ -3838,44 +3569,11 @@
                   <a:srgbClr val="404040"/>
                 </a:solidFill>
                 <a:latin typeface="Calibri"/>
-              </a:rPr>
-              <a:t>Apresentação dos cenários de avaliação e limitações ou riscos da arquitetura (fonte Calibri, tamanho 23)</a:t>
+                <a:ea typeface="DejaVu Sans"/>
+              </a:rPr>
+              <a:t> </a:t>
             </a:r>
             <a:endParaRPr b="0" lang="pt-BR" sz="2300" spc="-1" strike="noStrike">
-              <a:latin typeface="Arial"/>
-            </a:endParaRPr>
-          </a:p>
-          <a:p>
-            <a:pPr>
-              <a:lnSpc>
-                <a:spcPts val="2801"/>
-              </a:lnSpc>
-              <a:spcBef>
-                <a:spcPts val="400"/>
-              </a:spcBef>
-              <a:spcAft>
-                <a:spcPts val="400"/>
-              </a:spcAft>
-            </a:pPr>
-            <a:r>
-              <a:rPr b="1" lang="pt-BR" sz="2300" spc="-1" strike="noStrike">
-                <a:solidFill>
-                  <a:srgbClr val="404040"/>
-                </a:solidFill>
-                <a:latin typeface="Calibri"/>
-              </a:rPr>
-              <a:t>Duração: 1’00”</a:t>
-            </a:r>
-            <a:r>
-              <a:rPr b="1" lang="pt-BR" sz="2000" spc="-1" strike="noStrike">
-                <a:solidFill>
-                  <a:srgbClr val="404040"/>
-                </a:solidFill>
-                <a:latin typeface="Calibri"/>
-              </a:rPr>
-              <a:t> </a:t>
-            </a:r>
-            <a:endParaRPr b="0" lang="pt-BR" sz="2000" spc="-1" strike="noStrike">
               <a:latin typeface="Arial"/>
             </a:endParaRPr>
           </a:p>
@@ -3897,6 +3595,7 @@
                   <a:srgbClr val="404040"/>
                 </a:solidFill>
                 <a:latin typeface="Calibri"/>
+                <a:ea typeface="DejaVu Sans"/>
               </a:rPr>
               <a:t> </a:t>
             </a:r>
@@ -3904,34 +3603,18 @@
               <a:latin typeface="Arial"/>
             </a:endParaRPr>
           </a:p>
-          <a:p>
-            <a:pPr>
-              <a:lnSpc>
-                <a:spcPts val="2401"/>
-              </a:lnSpc>
-              <a:spcBef>
-                <a:spcPts val="400"/>
-              </a:spcBef>
-              <a:spcAft>
-                <a:spcPts val="1199"/>
-              </a:spcAft>
-            </a:pPr>
-            <a:endParaRPr b="0" lang="pt-BR" sz="2000" spc="-1" strike="noStrike">
-              <a:latin typeface="Arial"/>
-            </a:endParaRPr>
-          </a:p>
-        </p:txBody>
-      </p:sp>
-      <p:sp>
-        <p:nvSpPr>
-          <p:cNvPr id="113" name="CustomShape 4"/>
+        </p:txBody>
+      </p:sp>
+      <p:sp>
+        <p:nvSpPr>
+          <p:cNvPr id="120" name="CustomShape 4"/>
           <p:cNvSpPr/>
           <p:nvPr/>
         </p:nvSpPr>
         <p:spPr>
           <a:xfrm>
             <a:off x="228600" y="461880"/>
-            <a:ext cx="8826120" cy="446040"/>
+            <a:ext cx="8825040" cy="444960"/>
           </a:xfrm>
           <a:prstGeom prst="rect">
             <a:avLst/>
@@ -3963,7 +3646,7 @@
                 <a:latin typeface="Calibri"/>
                 <a:ea typeface="Calibri"/>
               </a:rPr>
-              <a:t>Título do trabalho (fonte Calibri, tamanho 28)</a:t>
+              <a:t>Sistema de Controle de Logística</a:t>
             </a:r>
             <a:endParaRPr b="0" lang="pt-BR" sz="2800" spc="-1" strike="noStrike">
               <a:latin typeface="Arial"/>
@@ -3971,8 +3654,58 @@
           </a:p>
         </p:txBody>
       </p:sp>
+      <p:pic>
+        <p:nvPicPr>
+          <p:cNvPr id="121" name="" descr=""/>
+          <p:cNvPicPr/>
+          <p:nvPr/>
+        </p:nvPicPr>
+        <p:blipFill>
+          <a:blip r:embed="rId1"/>
+          <a:stretch/>
+        </p:blipFill>
+        <p:spPr>
+          <a:xfrm>
+            <a:off x="1058760" y="1770120"/>
+            <a:ext cx="7292520" cy="4212720"/>
+          </a:xfrm>
+          <a:prstGeom prst="rect">
+            <a:avLst/>
+          </a:prstGeom>
+          <a:ln>
+            <a:noFill/>
+          </a:ln>
+        </p:spPr>
+      </p:pic>
     </p:spTree>
   </p:cSld>
+  <p:timing>
+    <p:tnLst>
+      <p:par>
+        <p:cTn id="19" dur="indefinite" restart="never" nodeType="tmRoot">
+          <p:childTnLst>
+            <p:seq>
+              <p:cTn id="20" nodeType="mainSeq"/>
+              <p:prevCondLst>
+                <p:cond delay="0" evt="onPrev">
+                  <p:tgtEl>
+                    <p:sldTgt/>
+                  </p:tgtEl>
+                </p:cond>
+              </p:prevCondLst>
+              <p:nextCondLst>
+                <p:cond delay="0" evt="onNext">
+                  <p:tgtEl>
+                    <p:sldTgt/>
+                  </p:tgtEl>
+                </p:cond>
+              </p:nextCondLst>
+            </p:seq>
+          </p:childTnLst>
+        </p:cTn>
+      </p:par>
+    </p:tnLst>
+  </p:timing>
 </p:sld>
 </file>
 
@@ -3995,14 +3728,14 @@
       </p:grpSpPr>
       <p:sp>
         <p:nvSpPr>
-          <p:cNvPr id="114" name="CustomShape 1"/>
+          <p:cNvPr id="122" name="CustomShape 1"/>
           <p:cNvSpPr/>
           <p:nvPr/>
         </p:nvSpPr>
         <p:spPr>
           <a:xfrm>
             <a:off x="0" y="1001880"/>
-            <a:ext cx="9143640" cy="664920"/>
+            <a:ext cx="9142560" cy="663840"/>
           </a:xfrm>
           <a:prstGeom prst="rect">
             <a:avLst/>
@@ -4039,14 +3772,14 @@
       </p:sp>
       <p:sp>
         <p:nvSpPr>
-          <p:cNvPr id="115" name="CustomShape 2"/>
+          <p:cNvPr id="123" name="CustomShape 2"/>
           <p:cNvSpPr/>
           <p:nvPr/>
         </p:nvSpPr>
         <p:spPr>
           <a:xfrm>
             <a:off x="206280" y="1100160"/>
-            <a:ext cx="8735760" cy="471240"/>
+            <a:ext cx="8734680" cy="470160"/>
           </a:xfrm>
           <a:prstGeom prst="rect">
             <a:avLst/>
@@ -4078,7 +3811,7 @@
                 <a:latin typeface="Calibri"/>
                 <a:ea typeface="Calibri"/>
               </a:rPr>
-              <a:t>Conclusões</a:t>
+              <a:t>Requisitos Funcionais - Diagrama de casos de uso</a:t>
             </a:r>
             <a:endParaRPr b="0" lang="pt-BR" sz="2500" spc="-1" strike="noStrike">
               <a:latin typeface="Arial"/>
@@ -4088,14 +3821,14 @@
       </p:sp>
       <p:sp>
         <p:nvSpPr>
-          <p:cNvPr id="116" name="CustomShape 3"/>
+          <p:cNvPr id="124" name="CustomShape 3"/>
           <p:cNvSpPr/>
           <p:nvPr/>
         </p:nvSpPr>
         <p:spPr>
           <a:xfrm>
             <a:off x="179280" y="1770120"/>
-            <a:ext cx="8827560" cy="4119120"/>
+            <a:ext cx="8826480" cy="4118040"/>
           </a:xfrm>
           <a:prstGeom prst="rect">
             <a:avLst/>
@@ -4131,13 +3864,1181 @@
                   <a:srgbClr val="404040"/>
                 </a:solidFill>
                 <a:latin typeface="Calibri"/>
-              </a:rPr>
-              <a:t>Apresentação das conclusões (fonte Calibri, tamanho 23)</a:t>
+                <a:ea typeface="DejaVu Sans"/>
+              </a:rPr>
+              <a:t> </a:t>
             </a:r>
             <a:endParaRPr b="0" lang="pt-BR" sz="2300" spc="-1" strike="noStrike">
               <a:latin typeface="Arial"/>
             </a:endParaRPr>
           </a:p>
+          <a:p>
+            <a:pPr>
+              <a:lnSpc>
+                <a:spcPts val="2401"/>
+              </a:lnSpc>
+              <a:spcBef>
+                <a:spcPts val="400"/>
+              </a:spcBef>
+              <a:spcAft>
+                <a:spcPts val="1199"/>
+              </a:spcAft>
+            </a:pPr>
+            <a:r>
+              <a:rPr b="1" lang="pt-BR" sz="2000" spc="-1" strike="noStrike">
+                <a:solidFill>
+                  <a:srgbClr val="404040"/>
+                </a:solidFill>
+                <a:latin typeface="Calibri"/>
+                <a:ea typeface="DejaVu Sans"/>
+              </a:rPr>
+              <a:t> </a:t>
+            </a:r>
+            <a:endParaRPr b="0" lang="pt-BR" sz="2000" spc="-1" strike="noStrike">
+              <a:latin typeface="Arial"/>
+            </a:endParaRPr>
+          </a:p>
+        </p:txBody>
+      </p:sp>
+      <p:sp>
+        <p:nvSpPr>
+          <p:cNvPr id="125" name="CustomShape 4"/>
+          <p:cNvSpPr/>
+          <p:nvPr/>
+        </p:nvSpPr>
+        <p:spPr>
+          <a:xfrm>
+            <a:off x="228600" y="461880"/>
+            <a:ext cx="8825040" cy="444960"/>
+          </a:xfrm>
+          <a:prstGeom prst="rect">
+            <a:avLst/>
+          </a:prstGeom>
+          <a:noFill/>
+          <a:ln>
+            <a:noFill/>
+          </a:ln>
+        </p:spPr>
+        <p:style>
+          <a:lnRef idx="0"/>
+          <a:fillRef idx="0"/>
+          <a:effectRef idx="0"/>
+          <a:fontRef idx="minor"/>
+        </p:style>
+        <p:txBody>
+          <a:bodyPr lIns="90000" rIns="90000" tIns="45000" bIns="45000"/>
+          <a:p>
+            <a:pPr>
+              <a:lnSpc>
+                <a:spcPts val="2801"/>
+              </a:lnSpc>
+            </a:pPr>
+            <a:r>
+              <a:rPr b="1" lang="pt-BR" sz="2800" spc="-1" strike="noStrike">
+                <a:solidFill>
+                  <a:srgbClr val="000000"/>
+                </a:solidFill>
+                <a:latin typeface="Calibri"/>
+                <a:ea typeface="Calibri"/>
+              </a:rPr>
+              <a:t>Sistema de Controle de Logística</a:t>
+            </a:r>
+            <a:endParaRPr b="0" lang="pt-BR" sz="2800" spc="-1" strike="noStrike">
+              <a:latin typeface="Arial"/>
+            </a:endParaRPr>
+          </a:p>
+        </p:txBody>
+      </p:sp>
+      <p:pic>
+        <p:nvPicPr>
+          <p:cNvPr id="126" name="" descr=""/>
+          <p:cNvPicPr/>
+          <p:nvPr/>
+        </p:nvPicPr>
+        <p:blipFill>
+          <a:blip r:embed="rId1"/>
+          <a:stretch/>
+        </p:blipFill>
+        <p:spPr>
+          <a:xfrm>
+            <a:off x="598320" y="1783800"/>
+            <a:ext cx="8256960" cy="4104360"/>
+          </a:xfrm>
+          <a:prstGeom prst="rect">
+            <a:avLst/>
+          </a:prstGeom>
+          <a:ln>
+            <a:noFill/>
+          </a:ln>
+        </p:spPr>
+      </p:pic>
+    </p:spTree>
+  </p:cSld>
+  <p:timing>
+    <p:tnLst>
+      <p:par>
+        <p:cTn id="21" dur="indefinite" restart="never" nodeType="tmRoot">
+          <p:childTnLst>
+            <p:seq>
+              <p:cTn id="22" nodeType="mainSeq"/>
+              <p:prevCondLst>
+                <p:cond delay="0" evt="onPrev">
+                  <p:tgtEl>
+                    <p:sldTgt/>
+                  </p:tgtEl>
+                </p:cond>
+              </p:prevCondLst>
+              <p:nextCondLst>
+                <p:cond delay="0" evt="onNext">
+                  <p:tgtEl>
+                    <p:sldTgt/>
+                  </p:tgtEl>
+                </p:cond>
+              </p:nextCondLst>
+            </p:seq>
+          </p:childTnLst>
+        </p:cTn>
+      </p:par>
+    </p:tnLst>
+  </p:timing>
+</p:sld>
+</file>
+
+<file path=ppt/slides/slide12.xml><?xml version="1.0" encoding="utf-8"?>
+<p:sld xmlns:a="http://schemas.openxmlformats.org/drawingml/2006/main" xmlns:p="http://schemas.openxmlformats.org/presentationml/2006/main" xmlns:r="http://schemas.openxmlformats.org/officeDocument/2006/relationships" xmlns:p14="http://schemas.microsoft.com/office/powerpoint/2010/main" xmlns:p15="http://schemas.microsoft.com/office/powerpoint/2012/main" xmlns:mc="http://schemas.openxmlformats.org/markup-compatibility/2006">
+  <p:cSld>
+    <p:spTree>
+      <p:nvGrpSpPr>
+        <p:cNvPr id="1" name=""/>
+        <p:cNvGrpSpPr/>
+        <p:nvPr/>
+      </p:nvGrpSpPr>
+      <p:grpSpPr>
+        <a:xfrm>
+          <a:off x="0" y="0"/>
+          <a:ext cx="0" cy="0"/>
+          <a:chOff x="0" y="0"/>
+          <a:chExt cx="0" cy="0"/>
+        </a:xfrm>
+      </p:grpSpPr>
+      <p:sp>
+        <p:nvSpPr>
+          <p:cNvPr id="127" name="CustomShape 1"/>
+          <p:cNvSpPr/>
+          <p:nvPr/>
+        </p:nvSpPr>
+        <p:spPr>
+          <a:xfrm>
+            <a:off x="0" y="1001880"/>
+            <a:ext cx="9142560" cy="663840"/>
+          </a:xfrm>
+          <a:prstGeom prst="rect">
+            <a:avLst/>
+          </a:prstGeom>
+          <a:gradFill>
+            <a:gsLst>
+              <a:gs pos="0">
+                <a:srgbClr val="95b8bb"/>
+              </a:gs>
+              <a:gs pos="100000">
+                <a:srgbClr val="5d8d91"/>
+              </a:gs>
+            </a:gsLst>
+            <a:lin ang="16200000"/>
+          </a:gradFill>
+          <a:ln>
+            <a:noFill/>
+          </a:ln>
+        </p:spPr>
+        <p:style>
+          <a:lnRef idx="2">
+            <a:schemeClr val="accent1">
+              <a:shade val="50000"/>
+            </a:schemeClr>
+          </a:lnRef>
+          <a:fillRef idx="1">
+            <a:schemeClr val="accent1"/>
+          </a:fillRef>
+          <a:effectRef idx="0">
+            <a:schemeClr val="accent1"/>
+          </a:effectRef>
+          <a:fontRef idx="minor"/>
+        </p:style>
+      </p:sp>
+      <p:sp>
+        <p:nvSpPr>
+          <p:cNvPr id="128" name="CustomShape 2"/>
+          <p:cNvSpPr/>
+          <p:nvPr/>
+        </p:nvSpPr>
+        <p:spPr>
+          <a:xfrm>
+            <a:off x="206280" y="1100160"/>
+            <a:ext cx="8734680" cy="470160"/>
+          </a:xfrm>
+          <a:prstGeom prst="rect">
+            <a:avLst/>
+          </a:prstGeom>
+          <a:noFill/>
+          <a:ln>
+            <a:noFill/>
+          </a:ln>
+        </p:spPr>
+        <p:style>
+          <a:lnRef idx="0"/>
+          <a:fillRef idx="0"/>
+          <a:effectRef idx="0"/>
+          <a:fontRef idx="minor"/>
+        </p:style>
+        <p:txBody>
+          <a:bodyPr lIns="90000" rIns="90000" tIns="45000" bIns="45000"/>
+          <a:p>
+            <a:pPr>
+              <a:lnSpc>
+                <a:spcPct val="100000"/>
+              </a:lnSpc>
+            </a:pPr>
+            <a:r>
+              <a:rPr b="1" lang="pt-BR" sz="2500" spc="-1" strike="noStrike">
+                <a:solidFill>
+                  <a:srgbClr val="000000"/>
+                </a:solidFill>
+                <a:latin typeface="Calibri"/>
+                <a:ea typeface="Calibri"/>
+              </a:rPr>
+              <a:t>Requisitos Não Funcionais </a:t>
+            </a:r>
+            <a:endParaRPr b="0" lang="pt-BR" sz="2500" spc="-1" strike="noStrike">
+              <a:latin typeface="Arial"/>
+            </a:endParaRPr>
+          </a:p>
+        </p:txBody>
+      </p:sp>
+      <p:sp>
+        <p:nvSpPr>
+          <p:cNvPr id="129" name="CustomShape 3"/>
+          <p:cNvSpPr/>
+          <p:nvPr/>
+        </p:nvSpPr>
+        <p:spPr>
+          <a:xfrm>
+            <a:off x="179280" y="1770120"/>
+            <a:ext cx="8826480" cy="4118040"/>
+          </a:xfrm>
+          <a:prstGeom prst="rect">
+            <a:avLst/>
+          </a:prstGeom>
+          <a:noFill/>
+          <a:ln>
+            <a:noFill/>
+          </a:ln>
+        </p:spPr>
+        <p:style>
+          <a:lnRef idx="0"/>
+          <a:fillRef idx="0"/>
+          <a:effectRef idx="0"/>
+          <a:fontRef idx="minor"/>
+        </p:style>
+        <p:txBody>
+          <a:bodyPr lIns="90000" rIns="90000" tIns="45000" bIns="45000"/>
+          <a:p>
+            <a:pPr marL="216000" indent="-215640">
+              <a:lnSpc>
+                <a:spcPts val="2801"/>
+              </a:lnSpc>
+              <a:spcBef>
+                <a:spcPts val="400"/>
+              </a:spcBef>
+              <a:spcAft>
+                <a:spcPts val="400"/>
+              </a:spcAft>
+              <a:buClr>
+                <a:srgbClr val="404040"/>
+              </a:buClr>
+              <a:buSzPct val="45000"/>
+              <a:buFont typeface="Wingdings" charset="2"/>
+              <a:buChar char=""/>
+            </a:pPr>
+            <a:r>
+              <a:rPr b="1" lang="pt-BR" sz="2300" spc="-1" strike="noStrike">
+                <a:solidFill>
+                  <a:srgbClr val="404040"/>
+                </a:solidFill>
+                <a:latin typeface="Calibri"/>
+                <a:ea typeface="DejaVu Sans"/>
+              </a:rPr>
+              <a:t>Usabilidade: O sistema deve prover boa usabilidade</a:t>
+            </a:r>
+            <a:endParaRPr b="0" lang="pt-BR" sz="2300" spc="-1" strike="noStrike">
+              <a:latin typeface="Arial"/>
+            </a:endParaRPr>
+          </a:p>
+          <a:p>
+            <a:pPr marL="216000" indent="-215640">
+              <a:lnSpc>
+                <a:spcPts val="2801"/>
+              </a:lnSpc>
+              <a:spcBef>
+                <a:spcPts val="400"/>
+              </a:spcBef>
+              <a:spcAft>
+                <a:spcPts val="400"/>
+              </a:spcAft>
+              <a:buClr>
+                <a:srgbClr val="404040"/>
+              </a:buClr>
+              <a:buSzPct val="45000"/>
+              <a:buFont typeface="Wingdings" charset="2"/>
+              <a:buChar char=""/>
+            </a:pPr>
+            <a:r>
+              <a:rPr b="1" lang="pt-BR" sz="2300" spc="-1" strike="noStrike">
+                <a:solidFill>
+                  <a:srgbClr val="404040"/>
+                </a:solidFill>
+                <a:latin typeface="Calibri"/>
+                <a:ea typeface="DejaVu Sans"/>
+              </a:rPr>
+              <a:t>Acessibilidade: O sistema deve suportar ambientes Web responsivos e ambientes móveis.</a:t>
+            </a:r>
+            <a:endParaRPr b="0" lang="pt-BR" sz="2300" spc="-1" strike="noStrike">
+              <a:latin typeface="Arial"/>
+            </a:endParaRPr>
+          </a:p>
+          <a:p>
+            <a:pPr marL="216000" indent="-215640">
+              <a:lnSpc>
+                <a:spcPts val="2801"/>
+              </a:lnSpc>
+              <a:spcBef>
+                <a:spcPts val="400"/>
+              </a:spcBef>
+              <a:spcAft>
+                <a:spcPts val="400"/>
+              </a:spcAft>
+              <a:buClr>
+                <a:srgbClr val="404040"/>
+              </a:buClr>
+              <a:buSzPct val="45000"/>
+              <a:buFont typeface="Wingdings" charset="2"/>
+              <a:buChar char=""/>
+            </a:pPr>
+            <a:r>
+              <a:rPr b="1" lang="pt-BR" sz="2300" spc="-1" strike="noStrike">
+                <a:solidFill>
+                  <a:srgbClr val="404040"/>
+                </a:solidFill>
+                <a:latin typeface="Calibri"/>
+                <a:ea typeface="DejaVu Sans"/>
+              </a:rPr>
+              <a:t>Desempenho: O sistema dever ser rápido.</a:t>
+            </a:r>
+            <a:endParaRPr b="0" lang="pt-BR" sz="2300" spc="-1" strike="noStrike">
+              <a:latin typeface="Arial"/>
+            </a:endParaRPr>
+          </a:p>
+          <a:p>
+            <a:pPr marL="216000" indent="-215640">
+              <a:lnSpc>
+                <a:spcPts val="2801"/>
+              </a:lnSpc>
+              <a:spcBef>
+                <a:spcPts val="400"/>
+              </a:spcBef>
+              <a:spcAft>
+                <a:spcPts val="400"/>
+              </a:spcAft>
+              <a:buClr>
+                <a:srgbClr val="404040"/>
+              </a:buClr>
+              <a:buSzPct val="45000"/>
+              <a:buFont typeface="Wingdings" charset="2"/>
+              <a:buChar char=""/>
+            </a:pPr>
+            <a:r>
+              <a:rPr b="1" lang="pt-BR" sz="2300" spc="-1" strike="noStrike">
+                <a:solidFill>
+                  <a:srgbClr val="404040"/>
+                </a:solidFill>
+                <a:latin typeface="Calibri"/>
+                <a:ea typeface="DejaVu Sans"/>
+              </a:rPr>
+              <a:t>Segurança:  O sistema deve apresentar altos padrões de segurança.</a:t>
+            </a:r>
+            <a:endParaRPr b="0" lang="pt-BR" sz="2300" spc="-1" strike="noStrike">
+              <a:latin typeface="Arial"/>
+            </a:endParaRPr>
+          </a:p>
+          <a:p>
+            <a:pPr marL="216000" indent="-215640">
+              <a:lnSpc>
+                <a:spcPts val="2801"/>
+              </a:lnSpc>
+              <a:spcBef>
+                <a:spcPts val="400"/>
+              </a:spcBef>
+              <a:spcAft>
+                <a:spcPts val="400"/>
+              </a:spcAft>
+              <a:buClr>
+                <a:srgbClr val="404040"/>
+              </a:buClr>
+              <a:buSzPct val="45000"/>
+              <a:buFont typeface="Wingdings" charset="2"/>
+              <a:buChar char=""/>
+            </a:pPr>
+            <a:r>
+              <a:rPr b="1" lang="pt-BR" sz="2300" spc="-1" strike="noStrike">
+                <a:solidFill>
+                  <a:srgbClr val="404040"/>
+                </a:solidFill>
+                <a:latin typeface="Calibri"/>
+                <a:ea typeface="DejaVu Sans"/>
+              </a:rPr>
+              <a:t>Interoperabilidade: O sistema deve se comunicar com os sistemas internos legado (frota e faturamento).</a:t>
+            </a:r>
+            <a:endParaRPr b="0" lang="pt-BR" sz="2300" spc="-1" strike="noStrike">
+              <a:latin typeface="Arial"/>
+            </a:endParaRPr>
+          </a:p>
+          <a:p>
+            <a:pPr marL="216000" indent="-215640">
+              <a:lnSpc>
+                <a:spcPts val="2801"/>
+              </a:lnSpc>
+              <a:spcBef>
+                <a:spcPts val="400"/>
+              </a:spcBef>
+              <a:spcAft>
+                <a:spcPts val="400"/>
+              </a:spcAft>
+              <a:buClr>
+                <a:srgbClr val="404040"/>
+              </a:buClr>
+              <a:buSzPct val="45000"/>
+              <a:buFont typeface="Wingdings" charset="2"/>
+              <a:buChar char=""/>
+            </a:pPr>
+            <a:r>
+              <a:rPr b="1" lang="pt-BR" sz="2300" spc="-1" strike="noStrike">
+                <a:solidFill>
+                  <a:srgbClr val="404040"/>
+                </a:solidFill>
+                <a:latin typeface="Calibri"/>
+                <a:ea typeface="DejaVu Sans"/>
+              </a:rPr>
+              <a:t>Testabilidade: O sistema deve permitir teste dos módulos individualmente</a:t>
+            </a:r>
+            <a:endParaRPr b="0" lang="pt-BR" sz="2300" spc="-1" strike="noStrike">
+              <a:latin typeface="Arial"/>
+            </a:endParaRPr>
+          </a:p>
+          <a:p>
+            <a:pPr marL="216000" indent="-215640">
+              <a:lnSpc>
+                <a:spcPts val="2801"/>
+              </a:lnSpc>
+              <a:spcBef>
+                <a:spcPts val="400"/>
+              </a:spcBef>
+              <a:spcAft>
+                <a:spcPts val="400"/>
+              </a:spcAft>
+              <a:buClr>
+                <a:srgbClr val="404040"/>
+              </a:buClr>
+              <a:buSzPct val="45000"/>
+              <a:buFont typeface="Wingdings" charset="2"/>
+              <a:buChar char=""/>
+            </a:pPr>
+            <a:r>
+              <a:rPr b="1" lang="pt-BR" sz="2300" spc="-1" strike="noStrike">
+                <a:solidFill>
+                  <a:srgbClr val="404040"/>
+                </a:solidFill>
+                <a:latin typeface="Calibri"/>
+                <a:ea typeface="DejaVu Sans"/>
+              </a:rPr>
+              <a:t> </a:t>
+            </a:r>
+            <a:endParaRPr b="0" lang="pt-BR" sz="2300" spc="-1" strike="noStrike">
+              <a:latin typeface="Arial"/>
+            </a:endParaRPr>
+          </a:p>
+          <a:p>
+            <a:pPr>
+              <a:lnSpc>
+                <a:spcPts val="2401"/>
+              </a:lnSpc>
+              <a:spcBef>
+                <a:spcPts val="400"/>
+              </a:spcBef>
+              <a:spcAft>
+                <a:spcPts val="1199"/>
+              </a:spcAft>
+            </a:pPr>
+            <a:r>
+              <a:rPr b="1" lang="pt-BR" sz="2000" spc="-1" strike="noStrike">
+                <a:solidFill>
+                  <a:srgbClr val="404040"/>
+                </a:solidFill>
+                <a:latin typeface="Calibri"/>
+                <a:ea typeface="DejaVu Sans"/>
+              </a:rPr>
+              <a:t> </a:t>
+            </a:r>
+            <a:endParaRPr b="0" lang="pt-BR" sz="2000" spc="-1" strike="noStrike">
+              <a:latin typeface="Arial"/>
+            </a:endParaRPr>
+          </a:p>
+        </p:txBody>
+      </p:sp>
+      <p:sp>
+        <p:nvSpPr>
+          <p:cNvPr id="130" name="CustomShape 4"/>
+          <p:cNvSpPr/>
+          <p:nvPr/>
+        </p:nvSpPr>
+        <p:spPr>
+          <a:xfrm>
+            <a:off x="228600" y="461880"/>
+            <a:ext cx="8825040" cy="444960"/>
+          </a:xfrm>
+          <a:prstGeom prst="rect">
+            <a:avLst/>
+          </a:prstGeom>
+          <a:noFill/>
+          <a:ln>
+            <a:noFill/>
+          </a:ln>
+        </p:spPr>
+        <p:style>
+          <a:lnRef idx="0"/>
+          <a:fillRef idx="0"/>
+          <a:effectRef idx="0"/>
+          <a:fontRef idx="minor"/>
+        </p:style>
+        <p:txBody>
+          <a:bodyPr lIns="90000" rIns="90000" tIns="45000" bIns="45000"/>
+          <a:p>
+            <a:pPr>
+              <a:lnSpc>
+                <a:spcPts val="2801"/>
+              </a:lnSpc>
+            </a:pPr>
+            <a:r>
+              <a:rPr b="1" lang="pt-BR" sz="2800" spc="-1" strike="noStrike">
+                <a:solidFill>
+                  <a:srgbClr val="000000"/>
+                </a:solidFill>
+                <a:latin typeface="Calibri"/>
+                <a:ea typeface="Calibri"/>
+              </a:rPr>
+              <a:t>Sistema de Controle de Logística</a:t>
+            </a:r>
+            <a:endParaRPr b="0" lang="pt-BR" sz="2800" spc="-1" strike="noStrike">
+              <a:latin typeface="Arial"/>
+            </a:endParaRPr>
+          </a:p>
+        </p:txBody>
+      </p:sp>
+    </p:spTree>
+  </p:cSld>
+  <p:timing>
+    <p:tnLst>
+      <p:par>
+        <p:cTn id="23" dur="indefinite" restart="never" nodeType="tmRoot">
+          <p:childTnLst>
+            <p:seq>
+              <p:cTn id="24" nodeType="mainSeq"/>
+              <p:prevCondLst>
+                <p:cond delay="0" evt="onPrev">
+                  <p:tgtEl>
+                    <p:sldTgt/>
+                  </p:tgtEl>
+                </p:cond>
+              </p:prevCondLst>
+              <p:nextCondLst>
+                <p:cond delay="0" evt="onNext">
+                  <p:tgtEl>
+                    <p:sldTgt/>
+                  </p:tgtEl>
+                </p:cond>
+              </p:nextCondLst>
+            </p:seq>
+          </p:childTnLst>
+        </p:cTn>
+      </p:par>
+    </p:tnLst>
+  </p:timing>
+</p:sld>
+</file>
+
+<file path=ppt/slides/slide13.xml><?xml version="1.0" encoding="utf-8"?>
+<p:sld xmlns:a="http://schemas.openxmlformats.org/drawingml/2006/main" xmlns:p="http://schemas.openxmlformats.org/presentationml/2006/main" xmlns:r="http://schemas.openxmlformats.org/officeDocument/2006/relationships" xmlns:p14="http://schemas.microsoft.com/office/powerpoint/2010/main" xmlns:p15="http://schemas.microsoft.com/office/powerpoint/2012/main" xmlns:mc="http://schemas.openxmlformats.org/markup-compatibility/2006">
+  <p:cSld>
+    <p:spTree>
+      <p:nvGrpSpPr>
+        <p:cNvPr id="1" name=""/>
+        <p:cNvGrpSpPr/>
+        <p:nvPr/>
+      </p:nvGrpSpPr>
+      <p:grpSpPr>
+        <a:xfrm>
+          <a:off x="0" y="0"/>
+          <a:ext cx="0" cy="0"/>
+          <a:chOff x="0" y="0"/>
+          <a:chExt cx="0" cy="0"/>
+        </a:xfrm>
+      </p:grpSpPr>
+      <p:sp>
+        <p:nvSpPr>
+          <p:cNvPr id="131" name="CustomShape 1"/>
+          <p:cNvSpPr/>
+          <p:nvPr/>
+        </p:nvSpPr>
+        <p:spPr>
+          <a:xfrm>
+            <a:off x="0" y="1001880"/>
+            <a:ext cx="9142560" cy="663840"/>
+          </a:xfrm>
+          <a:prstGeom prst="rect">
+            <a:avLst/>
+          </a:prstGeom>
+          <a:gradFill>
+            <a:gsLst>
+              <a:gs pos="0">
+                <a:srgbClr val="95b8bb"/>
+              </a:gs>
+              <a:gs pos="100000">
+                <a:srgbClr val="5d8d91"/>
+              </a:gs>
+            </a:gsLst>
+            <a:lin ang="16200000"/>
+          </a:gradFill>
+          <a:ln>
+            <a:noFill/>
+          </a:ln>
+        </p:spPr>
+        <p:style>
+          <a:lnRef idx="2">
+            <a:schemeClr val="accent1">
+              <a:shade val="50000"/>
+            </a:schemeClr>
+          </a:lnRef>
+          <a:fillRef idx="1">
+            <a:schemeClr val="accent1"/>
+          </a:fillRef>
+          <a:effectRef idx="0">
+            <a:schemeClr val="accent1"/>
+          </a:effectRef>
+          <a:fontRef idx="minor"/>
+        </p:style>
+      </p:sp>
+      <p:sp>
+        <p:nvSpPr>
+          <p:cNvPr id="132" name="CustomShape 2"/>
+          <p:cNvSpPr/>
+          <p:nvPr/>
+        </p:nvSpPr>
+        <p:spPr>
+          <a:xfrm>
+            <a:off x="206280" y="1100160"/>
+            <a:ext cx="8734680" cy="470160"/>
+          </a:xfrm>
+          <a:prstGeom prst="rect">
+            <a:avLst/>
+          </a:prstGeom>
+          <a:noFill/>
+          <a:ln>
+            <a:noFill/>
+          </a:ln>
+        </p:spPr>
+        <p:style>
+          <a:lnRef idx="0"/>
+          <a:fillRef idx="0"/>
+          <a:effectRef idx="0"/>
+          <a:fontRef idx="minor"/>
+        </p:style>
+        <p:txBody>
+          <a:bodyPr lIns="90000" rIns="90000" tIns="45000" bIns="45000"/>
+          <a:p>
+            <a:pPr>
+              <a:lnSpc>
+                <a:spcPct val="100000"/>
+              </a:lnSpc>
+            </a:pPr>
+            <a:r>
+              <a:rPr b="1" lang="pt-BR" sz="2500" spc="-1" strike="noStrike">
+                <a:solidFill>
+                  <a:srgbClr val="000000"/>
+                </a:solidFill>
+                <a:latin typeface="Calibri"/>
+                <a:ea typeface="Calibri"/>
+              </a:rPr>
+              <a:t>Restrições de projeto</a:t>
+            </a:r>
+            <a:endParaRPr b="0" lang="pt-BR" sz="2500" spc="-1" strike="noStrike">
+              <a:latin typeface="Arial"/>
+            </a:endParaRPr>
+          </a:p>
+        </p:txBody>
+      </p:sp>
+      <p:sp>
+        <p:nvSpPr>
+          <p:cNvPr id="133" name="CustomShape 3"/>
+          <p:cNvSpPr/>
+          <p:nvPr/>
+        </p:nvSpPr>
+        <p:spPr>
+          <a:xfrm>
+            <a:off x="179280" y="1770120"/>
+            <a:ext cx="8826480" cy="4118040"/>
+          </a:xfrm>
+          <a:prstGeom prst="rect">
+            <a:avLst/>
+          </a:prstGeom>
+          <a:noFill/>
+          <a:ln>
+            <a:noFill/>
+          </a:ln>
+        </p:spPr>
+        <p:style>
+          <a:lnRef idx="0"/>
+          <a:fillRef idx="0"/>
+          <a:effectRef idx="0"/>
+          <a:fontRef idx="minor"/>
+        </p:style>
+        <p:txBody>
+          <a:bodyPr lIns="90000" rIns="90000" tIns="45000" bIns="45000"/>
+          <a:p>
+            <a:pPr marL="216000" indent="-215640">
+              <a:lnSpc>
+                <a:spcPct val="100000"/>
+              </a:lnSpc>
+              <a:buClr>
+                <a:srgbClr val="000000"/>
+              </a:buClr>
+              <a:buSzPct val="45000"/>
+              <a:buFont typeface="Wingdings" charset="2"/>
+              <a:buChar char=""/>
+            </a:pPr>
+            <a:r>
+              <a:rPr b="1" lang="pt-BR" sz="2300" spc="-1" strike="noStrike">
+                <a:solidFill>
+                  <a:srgbClr val="404040"/>
+                </a:solidFill>
+                <a:latin typeface="Calibri"/>
+                <a:ea typeface="DejaVu Sans"/>
+              </a:rPr>
+              <a:t>O sistema deverá ser hospedado em nuvem; </a:t>
+            </a:r>
+            <a:endParaRPr b="0" lang="pt-BR" sz="2300" spc="-1" strike="noStrike">
+              <a:latin typeface="Arial"/>
+            </a:endParaRPr>
+          </a:p>
+          <a:p>
+            <a:pPr marL="216000" indent="-215640">
+              <a:lnSpc>
+                <a:spcPct val="100000"/>
+              </a:lnSpc>
+              <a:buClr>
+                <a:srgbClr val="000000"/>
+              </a:buClr>
+              <a:buSzPct val="45000"/>
+              <a:buFont typeface="Wingdings" charset="2"/>
+              <a:buChar char=""/>
+            </a:pPr>
+            <a:r>
+              <a:rPr b="1" lang="pt-BR" sz="2300" spc="-1" strike="noStrike">
+                <a:solidFill>
+                  <a:srgbClr val="404040"/>
+                </a:solidFill>
+                <a:latin typeface="Calibri"/>
+                <a:ea typeface="DejaVu Sans"/>
+              </a:rPr>
+              <a:t>O sistema deverá ser desenvolvido no padrão arquitetural API Gateway e utilizar backend em microsserviço.</a:t>
+            </a:r>
+            <a:endParaRPr b="0" lang="pt-BR" sz="2300" spc="-1" strike="noStrike">
+              <a:latin typeface="Arial"/>
+            </a:endParaRPr>
+          </a:p>
+          <a:p>
+            <a:pPr marL="216000" indent="-215640">
+              <a:lnSpc>
+                <a:spcPct val="100000"/>
+              </a:lnSpc>
+              <a:buClr>
+                <a:srgbClr val="000000"/>
+              </a:buClr>
+              <a:buSzPct val="45000"/>
+              <a:buFont typeface="Wingdings" charset="2"/>
+              <a:buChar char=""/>
+            </a:pPr>
+            <a:r>
+              <a:rPr b="1" lang="pt-BR" sz="2300" spc="-1" strike="noStrike">
+                <a:solidFill>
+                  <a:srgbClr val="404040"/>
+                </a:solidFill>
+                <a:latin typeface="Calibri"/>
+                <a:ea typeface="DejaVu Sans"/>
+              </a:rPr>
+              <a:t>O sistema deve abrir de forma responsiva em aparelhos menores, como celular e tablet; </a:t>
+            </a:r>
+            <a:endParaRPr b="0" lang="pt-BR" sz="2300" spc="-1" strike="noStrike">
+              <a:latin typeface="Arial"/>
+            </a:endParaRPr>
+          </a:p>
+          <a:p>
+            <a:pPr marL="216000" indent="-215640">
+              <a:lnSpc>
+                <a:spcPct val="100000"/>
+              </a:lnSpc>
+              <a:buClr>
+                <a:srgbClr val="000000"/>
+              </a:buClr>
+              <a:buSzPct val="45000"/>
+              <a:buFont typeface="Wingdings" charset="2"/>
+              <a:buChar char=""/>
+            </a:pPr>
+            <a:r>
+              <a:rPr b="1" lang="pt-BR" sz="2300" spc="-1" strike="noStrike">
+                <a:solidFill>
+                  <a:srgbClr val="404040"/>
+                </a:solidFill>
+                <a:latin typeface="Calibri"/>
+                <a:ea typeface="DejaVu Sans"/>
+              </a:rPr>
+              <a:t>A tecnologia empregada no front end será o Angular</a:t>
+            </a:r>
+            <a:endParaRPr b="0" lang="pt-BR" sz="2300" spc="-1" strike="noStrike">
+              <a:latin typeface="Arial"/>
+            </a:endParaRPr>
+          </a:p>
+          <a:p>
+            <a:pPr marL="216000" indent="-215640">
+              <a:lnSpc>
+                <a:spcPct val="100000"/>
+              </a:lnSpc>
+              <a:buClr>
+                <a:srgbClr val="000000"/>
+              </a:buClr>
+              <a:buSzPct val="45000"/>
+              <a:buFont typeface="Wingdings" charset="2"/>
+              <a:buChar char=""/>
+            </a:pPr>
+            <a:r>
+              <a:rPr b="1" lang="pt-BR" sz="2300" spc="-1" strike="noStrike">
+                <a:solidFill>
+                  <a:srgbClr val="404040"/>
+                </a:solidFill>
+                <a:latin typeface="Calibri"/>
+                <a:ea typeface="DejaVu Sans"/>
+              </a:rPr>
+              <a:t>O sistema deve ser modular para facilitar a implantação; </a:t>
+            </a:r>
+            <a:endParaRPr b="0" lang="pt-BR" sz="2300" spc="-1" strike="noStrike">
+              <a:latin typeface="Arial"/>
+            </a:endParaRPr>
+          </a:p>
+          <a:p>
+            <a:pPr marL="216000" indent="-215640">
+              <a:lnSpc>
+                <a:spcPct val="100000"/>
+              </a:lnSpc>
+              <a:buClr>
+                <a:srgbClr val="000000"/>
+              </a:buClr>
+              <a:buSzPct val="45000"/>
+              <a:buFont typeface="Wingdings" charset="2"/>
+              <a:buChar char=""/>
+            </a:pPr>
+            <a:r>
+              <a:rPr b="1" lang="pt-BR" sz="2300" spc="-1" strike="noStrike">
+                <a:solidFill>
+                  <a:srgbClr val="404040"/>
+                </a:solidFill>
+                <a:latin typeface="Calibri"/>
+                <a:ea typeface="DejaVu Sans"/>
+              </a:rPr>
+              <a:t>As integrações entre os sistemas interno (frota e faturamento) devem ser feita através de barramento de serviço (ESB), utilizando protocolo SOAP. </a:t>
+            </a:r>
+            <a:endParaRPr b="0" lang="pt-BR" sz="2300" spc="-1" strike="noStrike">
+              <a:latin typeface="Arial"/>
+            </a:endParaRPr>
+          </a:p>
+          <a:p>
+            <a:pPr marL="216000" indent="-215640">
+              <a:lnSpc>
+                <a:spcPct val="100000"/>
+              </a:lnSpc>
+              <a:buClr>
+                <a:srgbClr val="000000"/>
+              </a:buClr>
+              <a:buSzPct val="45000"/>
+              <a:buFont typeface="Wingdings" charset="2"/>
+              <a:buChar char=""/>
+            </a:pPr>
+            <a:r>
+              <a:rPr b="1" lang="pt-BR" sz="2300" spc="-1" strike="noStrike">
+                <a:solidFill>
+                  <a:srgbClr val="404040"/>
+                </a:solidFill>
+                <a:latin typeface="Calibri"/>
+                <a:ea typeface="DejaVu Sans"/>
+              </a:rPr>
+              <a:t>O sistema deverá ter altos padrões de segurança. </a:t>
+            </a:r>
+            <a:endParaRPr b="0" lang="pt-BR" sz="2300" spc="-1" strike="noStrike">
+              <a:latin typeface="Arial"/>
+            </a:endParaRPr>
+          </a:p>
+          <a:p>
+            <a:pPr>
+              <a:lnSpc>
+                <a:spcPts val="2401"/>
+              </a:lnSpc>
+              <a:spcBef>
+                <a:spcPts val="400"/>
+              </a:spcBef>
+              <a:spcAft>
+                <a:spcPts val="1199"/>
+              </a:spcAft>
+            </a:pPr>
+            <a:r>
+              <a:rPr b="1" lang="pt-BR" sz="2000" spc="-1" strike="noStrike">
+                <a:solidFill>
+                  <a:srgbClr val="404040"/>
+                </a:solidFill>
+                <a:latin typeface="Calibri"/>
+                <a:ea typeface="DejaVu Sans"/>
+              </a:rPr>
+              <a:t> </a:t>
+            </a:r>
+            <a:endParaRPr b="0" lang="pt-BR" sz="2000" spc="-1" strike="noStrike">
+              <a:latin typeface="Arial"/>
+            </a:endParaRPr>
+          </a:p>
+        </p:txBody>
+      </p:sp>
+      <p:sp>
+        <p:nvSpPr>
+          <p:cNvPr id="134" name="CustomShape 4"/>
+          <p:cNvSpPr/>
+          <p:nvPr/>
+        </p:nvSpPr>
+        <p:spPr>
+          <a:xfrm>
+            <a:off x="228600" y="461880"/>
+            <a:ext cx="8825040" cy="444960"/>
+          </a:xfrm>
+          <a:prstGeom prst="rect">
+            <a:avLst/>
+          </a:prstGeom>
+          <a:noFill/>
+          <a:ln>
+            <a:noFill/>
+          </a:ln>
+        </p:spPr>
+        <p:style>
+          <a:lnRef idx="0"/>
+          <a:fillRef idx="0"/>
+          <a:effectRef idx="0"/>
+          <a:fontRef idx="minor"/>
+        </p:style>
+        <p:txBody>
+          <a:bodyPr lIns="90000" rIns="90000" tIns="45000" bIns="45000"/>
+          <a:p>
+            <a:pPr>
+              <a:lnSpc>
+                <a:spcPts val="2801"/>
+              </a:lnSpc>
+            </a:pPr>
+            <a:r>
+              <a:rPr b="1" lang="pt-BR" sz="2800" spc="-1" strike="noStrike">
+                <a:solidFill>
+                  <a:srgbClr val="000000"/>
+                </a:solidFill>
+                <a:latin typeface="Calibri"/>
+                <a:ea typeface="Calibri"/>
+              </a:rPr>
+              <a:t>Sistema de Controle de Logística</a:t>
+            </a:r>
+            <a:endParaRPr b="0" lang="pt-BR" sz="2800" spc="-1" strike="noStrike">
+              <a:latin typeface="Arial"/>
+            </a:endParaRPr>
+          </a:p>
+        </p:txBody>
+      </p:sp>
+    </p:spTree>
+  </p:cSld>
+  <p:timing>
+    <p:tnLst>
+      <p:par>
+        <p:cTn id="25" dur="indefinite" restart="never" nodeType="tmRoot">
+          <p:childTnLst>
+            <p:seq>
+              <p:cTn id="26" nodeType="mainSeq"/>
+              <p:prevCondLst>
+                <p:cond delay="0" evt="onPrev">
+                  <p:tgtEl>
+                    <p:sldTgt/>
+                  </p:tgtEl>
+                </p:cond>
+              </p:prevCondLst>
+              <p:nextCondLst>
+                <p:cond delay="0" evt="onNext">
+                  <p:tgtEl>
+                    <p:sldTgt/>
+                  </p:tgtEl>
+                </p:cond>
+              </p:nextCondLst>
+            </p:seq>
+          </p:childTnLst>
+        </p:cTn>
+      </p:par>
+    </p:tnLst>
+  </p:timing>
+</p:sld>
+</file>
+
+<file path=ppt/slides/slide14.xml><?xml version="1.0" encoding="utf-8"?>
+<p:sld xmlns:a="http://schemas.openxmlformats.org/drawingml/2006/main" xmlns:p="http://schemas.openxmlformats.org/presentationml/2006/main" xmlns:r="http://schemas.openxmlformats.org/officeDocument/2006/relationships" xmlns:p14="http://schemas.microsoft.com/office/powerpoint/2010/main" xmlns:p15="http://schemas.microsoft.com/office/powerpoint/2012/main" xmlns:mc="http://schemas.openxmlformats.org/markup-compatibility/2006">
+  <p:cSld>
+    <p:spTree>
+      <p:nvGrpSpPr>
+        <p:cNvPr id="1" name=""/>
+        <p:cNvGrpSpPr/>
+        <p:nvPr/>
+      </p:nvGrpSpPr>
+      <p:grpSpPr>
+        <a:xfrm>
+          <a:off x="0" y="0"/>
+          <a:ext cx="0" cy="0"/>
+          <a:chOff x="0" y="0"/>
+          <a:chExt cx="0" cy="0"/>
+        </a:xfrm>
+      </p:grpSpPr>
+      <p:sp>
+        <p:nvSpPr>
+          <p:cNvPr id="135" name="CustomShape 1"/>
+          <p:cNvSpPr/>
+          <p:nvPr/>
+        </p:nvSpPr>
+        <p:spPr>
+          <a:xfrm>
+            <a:off x="0" y="1001880"/>
+            <a:ext cx="9142560" cy="663840"/>
+          </a:xfrm>
+          <a:prstGeom prst="rect">
+            <a:avLst/>
+          </a:prstGeom>
+          <a:gradFill>
+            <a:gsLst>
+              <a:gs pos="0">
+                <a:srgbClr val="95b8bb"/>
+              </a:gs>
+              <a:gs pos="100000">
+                <a:srgbClr val="5d8d91"/>
+              </a:gs>
+            </a:gsLst>
+            <a:lin ang="16200000"/>
+          </a:gradFill>
+          <a:ln>
+            <a:noFill/>
+          </a:ln>
+        </p:spPr>
+        <p:style>
+          <a:lnRef idx="2">
+            <a:schemeClr val="accent1">
+              <a:shade val="50000"/>
+            </a:schemeClr>
+          </a:lnRef>
+          <a:fillRef idx="1">
+            <a:schemeClr val="accent1"/>
+          </a:fillRef>
+          <a:effectRef idx="0">
+            <a:schemeClr val="accent1"/>
+          </a:effectRef>
+          <a:fontRef idx="minor"/>
+        </p:style>
+      </p:sp>
+      <p:sp>
+        <p:nvSpPr>
+          <p:cNvPr id="136" name="CustomShape 2"/>
+          <p:cNvSpPr/>
+          <p:nvPr/>
+        </p:nvSpPr>
+        <p:spPr>
+          <a:xfrm>
+            <a:off x="206280" y="1100160"/>
+            <a:ext cx="8734680" cy="470160"/>
+          </a:xfrm>
+          <a:prstGeom prst="rect">
+            <a:avLst/>
+          </a:prstGeom>
+          <a:noFill/>
+          <a:ln>
+            <a:noFill/>
+          </a:ln>
+        </p:spPr>
+        <p:style>
+          <a:lnRef idx="0"/>
+          <a:fillRef idx="0"/>
+          <a:effectRef idx="0"/>
+          <a:fontRef idx="minor"/>
+        </p:style>
+        <p:txBody>
+          <a:bodyPr lIns="90000" rIns="90000" tIns="45000" bIns="45000"/>
+          <a:p>
+            <a:pPr>
+              <a:lnSpc>
+                <a:spcPct val="100000"/>
+              </a:lnSpc>
+            </a:pPr>
+            <a:r>
+              <a:rPr b="1" lang="pt-BR" sz="2500" spc="-1" strike="noStrike">
+                <a:solidFill>
+                  <a:srgbClr val="000000"/>
+                </a:solidFill>
+                <a:latin typeface="Calibri"/>
+                <a:ea typeface="Calibri"/>
+              </a:rPr>
+              <a:t>Mecanismos arquiteturais</a:t>
+            </a:r>
+            <a:endParaRPr b="0" lang="pt-BR" sz="2500" spc="-1" strike="noStrike">
+              <a:latin typeface="Arial"/>
+            </a:endParaRPr>
+          </a:p>
+        </p:txBody>
+      </p:sp>
+      <p:sp>
+        <p:nvSpPr>
+          <p:cNvPr id="137" name="CustomShape 3"/>
+          <p:cNvSpPr/>
+          <p:nvPr/>
+        </p:nvSpPr>
+        <p:spPr>
+          <a:xfrm>
+            <a:off x="179280" y="1770120"/>
+            <a:ext cx="8826480" cy="4118040"/>
+          </a:xfrm>
+          <a:prstGeom prst="rect">
+            <a:avLst/>
+          </a:prstGeom>
+          <a:noFill/>
+          <a:ln>
+            <a:noFill/>
+          </a:ln>
+        </p:spPr>
+        <p:style>
+          <a:lnRef idx="0"/>
+          <a:fillRef idx="0"/>
+          <a:effectRef idx="0"/>
+          <a:fontRef idx="minor"/>
+        </p:style>
+        <p:txBody>
+          <a:bodyPr lIns="90000" rIns="90000" tIns="45000" bIns="45000"/>
           <a:p>
             <a:pPr>
               <a:lnSpc>
@@ -4151,20 +5052,12 @@
               </a:spcAft>
             </a:pPr>
             <a:r>
-              <a:rPr b="1" lang="pt-BR" sz="2300" spc="-1" strike="noStrike">
-                <a:solidFill>
-                  <a:srgbClr val="404040"/>
-                </a:solidFill>
-                <a:latin typeface="Calibri"/>
-              </a:rPr>
-              <a:t>Duração: 1’00”</a:t>
-            </a:r>
-            <a:r>
               <a:rPr b="1" lang="pt-BR" sz="2000" spc="-1" strike="noStrike">
                 <a:solidFill>
                   <a:srgbClr val="404040"/>
                 </a:solidFill>
                 <a:latin typeface="Calibri"/>
+                <a:ea typeface="DejaVu Sans"/>
               </a:rPr>
               <a:t> </a:t>
             </a:r>
@@ -4190,10 +5083,718 @@
                   <a:srgbClr val="404040"/>
                 </a:solidFill>
                 <a:latin typeface="Calibri"/>
+                <a:ea typeface="DejaVu Sans"/>
               </a:rPr>
               <a:t> </a:t>
             </a:r>
             <a:endParaRPr b="0" lang="pt-BR" sz="2000" spc="-1" strike="noStrike">
+              <a:latin typeface="Arial"/>
+            </a:endParaRPr>
+          </a:p>
+        </p:txBody>
+      </p:sp>
+      <p:sp>
+        <p:nvSpPr>
+          <p:cNvPr id="138" name="CustomShape 4"/>
+          <p:cNvSpPr/>
+          <p:nvPr/>
+        </p:nvSpPr>
+        <p:spPr>
+          <a:xfrm>
+            <a:off x="228600" y="461880"/>
+            <a:ext cx="8825040" cy="444960"/>
+          </a:xfrm>
+          <a:prstGeom prst="rect">
+            <a:avLst/>
+          </a:prstGeom>
+          <a:noFill/>
+          <a:ln>
+            <a:noFill/>
+          </a:ln>
+        </p:spPr>
+        <p:style>
+          <a:lnRef idx="0"/>
+          <a:fillRef idx="0"/>
+          <a:effectRef idx="0"/>
+          <a:fontRef idx="minor"/>
+        </p:style>
+        <p:txBody>
+          <a:bodyPr lIns="90000" rIns="90000" tIns="45000" bIns="45000"/>
+          <a:p>
+            <a:pPr>
+              <a:lnSpc>
+                <a:spcPts val="2801"/>
+              </a:lnSpc>
+            </a:pPr>
+            <a:r>
+              <a:rPr b="1" lang="pt-BR" sz="2800" spc="-1" strike="noStrike">
+                <a:solidFill>
+                  <a:srgbClr val="000000"/>
+                </a:solidFill>
+                <a:latin typeface="Calibri"/>
+                <a:ea typeface="Calibri"/>
+              </a:rPr>
+              <a:t>Sistema de Controle de Logística</a:t>
+            </a:r>
+            <a:endParaRPr b="0" lang="pt-BR" sz="2800" spc="-1" strike="noStrike">
+              <a:latin typeface="Arial"/>
+            </a:endParaRPr>
+          </a:p>
+        </p:txBody>
+      </p:sp>
+      <p:graphicFrame>
+        <p:nvGraphicFramePr>
+          <p:cNvPr id="139" name="Table 5"/>
+          <p:cNvGraphicFramePr/>
+          <p:nvPr/>
+        </p:nvGraphicFramePr>
+        <p:xfrm>
+          <a:off x="94320" y="1792800"/>
+          <a:ext cx="9049320" cy="4182840"/>
+        </p:xfrm>
+        <a:graphic>
+          <a:graphicData uri="http://schemas.openxmlformats.org/drawingml/2006/table">
+            <a:tbl>
+              <a:tblPr/>
+              <a:tblGrid>
+                <a:gridCol w="3016080"/>
+                <a:gridCol w="3016080"/>
+                <a:gridCol w="3017520"/>
+              </a:tblGrid>
+              <a:tr h="832680">
+                <a:tc>
+                  <a:tcPr marL="90000" marR="90000">
+                    <a:lnL w="720">
+                      <a:solidFill>
+                        <a:srgbClr val="ffffff"/>
+                      </a:solidFill>
+                    </a:lnL>
+                    <a:lnR w="720">
+                      <a:solidFill>
+                        <a:srgbClr val="ffffff"/>
+                      </a:solidFill>
+                    </a:lnR>
+                    <a:lnT w="720">
+                      <a:solidFill>
+                        <a:srgbClr val="ffffff"/>
+                      </a:solidFill>
+                    </a:lnT>
+                    <a:lnB w="720">
+                      <a:solidFill>
+                        <a:srgbClr val="ffffff"/>
+                      </a:solidFill>
+                    </a:lnB>
+                    <a:solidFill>
+                      <a:srgbClr val="b3b3b3"/>
+                    </a:solidFill>
+                  </a:tcPr>
+                </a:tc>
+                <a:tc>
+                  <a:txBody>
+                    <a:bodyPr lIns="90000" rIns="90000"/>
+                    <a:p>
+                      <a:r>
+                        <a:rPr b="0" lang="pt-BR" sz="1800" spc="-1" strike="noStrike">
+                          <a:latin typeface="Arial"/>
+                        </a:rPr>
+                        <a:t>Mecanismo de Design </a:t>
+                      </a:r>
+                      <a:endParaRPr b="0" lang="pt-BR" sz="1800" spc="-1" strike="noStrike">
+                        <a:latin typeface="Arial"/>
+                      </a:endParaRPr>
+                    </a:p>
+                    <a:p>
+                      <a:endParaRPr b="0" lang="pt-BR" sz="1800" spc="-1" strike="noStrike">
+                        <a:latin typeface="Arial"/>
+                      </a:endParaRPr>
+                    </a:p>
+                  </a:txBody>
+                  <a:tcPr marL="90000" marR="90000">
+                    <a:lnL w="720">
+                      <a:solidFill>
+                        <a:srgbClr val="ffffff"/>
+                      </a:solidFill>
+                    </a:lnL>
+                    <a:lnR w="720">
+                      <a:solidFill>
+                        <a:srgbClr val="ffffff"/>
+                      </a:solidFill>
+                    </a:lnR>
+                    <a:lnT w="720">
+                      <a:solidFill>
+                        <a:srgbClr val="ffffff"/>
+                      </a:solidFill>
+                    </a:lnT>
+                    <a:lnB w="720">
+                      <a:solidFill>
+                        <a:srgbClr val="ffffff"/>
+                      </a:solidFill>
+                    </a:lnB>
+                    <a:solidFill>
+                      <a:srgbClr val="b3b3b3"/>
+                    </a:solidFill>
+                  </a:tcPr>
+                </a:tc>
+                <a:tc>
+                  <a:txBody>
+                    <a:bodyPr lIns="90000" rIns="90000"/>
+                    <a:p>
+                      <a:r>
+                        <a:rPr b="0" lang="pt-BR" sz="2400" spc="-1" strike="noStrike">
+                          <a:latin typeface="Times New Roman"/>
+                        </a:rPr>
+                        <a:t>Mecanismo de Implementação</a:t>
+                      </a:r>
+                      <a:endParaRPr b="0" lang="pt-BR" sz="2400" spc="-1" strike="noStrike">
+                        <a:latin typeface="Times New Roman"/>
+                      </a:endParaRPr>
+                    </a:p>
+                  </a:txBody>
+                  <a:tcPr marL="90000" marR="90000">
+                    <a:lnL w="720">
+                      <a:solidFill>
+                        <a:srgbClr val="ffffff"/>
+                      </a:solidFill>
+                    </a:lnL>
+                    <a:lnR w="720">
+                      <a:solidFill>
+                        <a:srgbClr val="ffffff"/>
+                      </a:solidFill>
+                    </a:lnR>
+                    <a:lnT w="720">
+                      <a:solidFill>
+                        <a:srgbClr val="ffffff"/>
+                      </a:solidFill>
+                    </a:lnT>
+                    <a:lnB w="720">
+                      <a:solidFill>
+                        <a:srgbClr val="ffffff"/>
+                      </a:solidFill>
+                    </a:lnB>
+                    <a:solidFill>
+                      <a:srgbClr val="b3b3b3"/>
+                    </a:solidFill>
+                  </a:tcPr>
+                </a:tc>
+              </a:tr>
+              <a:tr h="836280">
+                <a:tc>
+                  <a:tcPr marL="90000" marR="90000">
+                    <a:lnL w="720">
+                      <a:solidFill>
+                        <a:srgbClr val="ffffff"/>
+                      </a:solidFill>
+                    </a:lnL>
+                    <a:lnR w="720">
+                      <a:solidFill>
+                        <a:srgbClr val="ffffff"/>
+                      </a:solidFill>
+                    </a:lnR>
+                    <a:lnT w="720">
+                      <a:solidFill>
+                        <a:srgbClr val="ffffff"/>
+                      </a:solidFill>
+                    </a:lnT>
+                    <a:lnB w="720">
+                      <a:solidFill>
+                        <a:srgbClr val="ffffff"/>
+                      </a:solidFill>
+                    </a:lnB>
+                    <a:solidFill>
+                      <a:srgbClr val="cccccc"/>
+                    </a:solidFill>
+                  </a:tcPr>
+                </a:tc>
+                <a:tc>
+                  <a:tcPr marL="90000" marR="90000">
+                    <a:lnL w="720">
+                      <a:solidFill>
+                        <a:srgbClr val="ffffff"/>
+                      </a:solidFill>
+                    </a:lnL>
+                    <a:lnR w="720">
+                      <a:solidFill>
+                        <a:srgbClr val="ffffff"/>
+                      </a:solidFill>
+                    </a:lnR>
+                    <a:lnT w="720">
+                      <a:solidFill>
+                        <a:srgbClr val="ffffff"/>
+                      </a:solidFill>
+                    </a:lnT>
+                    <a:lnB w="720">
+                      <a:solidFill>
+                        <a:srgbClr val="ffffff"/>
+                      </a:solidFill>
+                    </a:lnB>
+                    <a:solidFill>
+                      <a:srgbClr val="cccccc"/>
+                    </a:solidFill>
+                  </a:tcPr>
+                </a:tc>
+                <a:tc>
+                  <a:tcPr marL="90000" marR="90000">
+                    <a:lnL w="720">
+                      <a:solidFill>
+                        <a:srgbClr val="ffffff"/>
+                      </a:solidFill>
+                    </a:lnL>
+                    <a:lnR w="720">
+                      <a:solidFill>
+                        <a:srgbClr val="ffffff"/>
+                      </a:solidFill>
+                    </a:lnR>
+                    <a:lnT w="720">
+                      <a:solidFill>
+                        <a:srgbClr val="ffffff"/>
+                      </a:solidFill>
+                    </a:lnT>
+                    <a:lnB w="720">
+                      <a:solidFill>
+                        <a:srgbClr val="ffffff"/>
+                      </a:solidFill>
+                    </a:lnB>
+                    <a:solidFill>
+                      <a:srgbClr val="cccccc"/>
+                    </a:solidFill>
+                  </a:tcPr>
+                </a:tc>
+              </a:tr>
+              <a:tr h="836280">
+                <a:tc>
+                  <a:tcPr marL="90000" marR="90000">
+                    <a:lnL w="720">
+                      <a:solidFill>
+                        <a:srgbClr val="ffffff"/>
+                      </a:solidFill>
+                    </a:lnL>
+                    <a:lnR w="720">
+                      <a:solidFill>
+                        <a:srgbClr val="ffffff"/>
+                      </a:solidFill>
+                    </a:lnR>
+                    <a:lnT w="720">
+                      <a:solidFill>
+                        <a:srgbClr val="ffffff"/>
+                      </a:solidFill>
+                    </a:lnT>
+                    <a:lnB w="720">
+                      <a:solidFill>
+                        <a:srgbClr val="ffffff"/>
+                      </a:solidFill>
+                    </a:lnB>
+                    <a:solidFill>
+                      <a:srgbClr val="e6e6e6"/>
+                    </a:solidFill>
+                  </a:tcPr>
+                </a:tc>
+                <a:tc>
+                  <a:tcPr marL="90000" marR="90000">
+                    <a:lnL w="720">
+                      <a:solidFill>
+                        <a:srgbClr val="ffffff"/>
+                      </a:solidFill>
+                    </a:lnL>
+                    <a:lnR w="720">
+                      <a:solidFill>
+                        <a:srgbClr val="ffffff"/>
+                      </a:solidFill>
+                    </a:lnR>
+                    <a:lnT w="720">
+                      <a:solidFill>
+                        <a:srgbClr val="ffffff"/>
+                      </a:solidFill>
+                    </a:lnT>
+                    <a:lnB w="720">
+                      <a:solidFill>
+                        <a:srgbClr val="ffffff"/>
+                      </a:solidFill>
+                    </a:lnB>
+                    <a:solidFill>
+                      <a:srgbClr val="e6e6e6"/>
+                    </a:solidFill>
+                  </a:tcPr>
+                </a:tc>
+                <a:tc>
+                  <a:tcPr marL="90000" marR="90000">
+                    <a:lnL w="720">
+                      <a:solidFill>
+                        <a:srgbClr val="ffffff"/>
+                      </a:solidFill>
+                    </a:lnL>
+                    <a:lnR w="720">
+                      <a:solidFill>
+                        <a:srgbClr val="ffffff"/>
+                      </a:solidFill>
+                    </a:lnR>
+                    <a:lnT w="720">
+                      <a:solidFill>
+                        <a:srgbClr val="ffffff"/>
+                      </a:solidFill>
+                    </a:lnT>
+                    <a:lnB w="720">
+                      <a:solidFill>
+                        <a:srgbClr val="ffffff"/>
+                      </a:solidFill>
+                    </a:lnB>
+                    <a:solidFill>
+                      <a:srgbClr val="e6e6e6"/>
+                    </a:solidFill>
+                  </a:tcPr>
+                </a:tc>
+              </a:tr>
+              <a:tr h="836280">
+                <a:tc>
+                  <a:tcPr marL="90000" marR="90000">
+                    <a:lnL w="720">
+                      <a:solidFill>
+                        <a:srgbClr val="ffffff"/>
+                      </a:solidFill>
+                    </a:lnL>
+                    <a:lnR w="720">
+                      <a:solidFill>
+                        <a:srgbClr val="ffffff"/>
+                      </a:solidFill>
+                    </a:lnR>
+                    <a:lnT w="720">
+                      <a:solidFill>
+                        <a:srgbClr val="ffffff"/>
+                      </a:solidFill>
+                    </a:lnT>
+                    <a:lnB w="720">
+                      <a:solidFill>
+                        <a:srgbClr val="ffffff"/>
+                      </a:solidFill>
+                    </a:lnB>
+                    <a:solidFill>
+                      <a:srgbClr val="cccccc"/>
+                    </a:solidFill>
+                  </a:tcPr>
+                </a:tc>
+                <a:tc>
+                  <a:tcPr marL="90000" marR="90000">
+                    <a:lnL w="720">
+                      <a:solidFill>
+                        <a:srgbClr val="ffffff"/>
+                      </a:solidFill>
+                    </a:lnL>
+                    <a:lnR w="720">
+                      <a:solidFill>
+                        <a:srgbClr val="ffffff"/>
+                      </a:solidFill>
+                    </a:lnR>
+                    <a:lnT w="720">
+                      <a:solidFill>
+                        <a:srgbClr val="ffffff"/>
+                      </a:solidFill>
+                    </a:lnT>
+                    <a:lnB w="720">
+                      <a:solidFill>
+                        <a:srgbClr val="ffffff"/>
+                      </a:solidFill>
+                    </a:lnB>
+                    <a:solidFill>
+                      <a:srgbClr val="cccccc"/>
+                    </a:solidFill>
+                  </a:tcPr>
+                </a:tc>
+                <a:tc>
+                  <a:tcPr marL="90000" marR="90000">
+                    <a:lnL w="720">
+                      <a:solidFill>
+                        <a:srgbClr val="ffffff"/>
+                      </a:solidFill>
+                    </a:lnL>
+                    <a:lnR w="720">
+                      <a:solidFill>
+                        <a:srgbClr val="ffffff"/>
+                      </a:solidFill>
+                    </a:lnR>
+                    <a:lnT w="720">
+                      <a:solidFill>
+                        <a:srgbClr val="ffffff"/>
+                      </a:solidFill>
+                    </a:lnT>
+                    <a:lnB w="720">
+                      <a:solidFill>
+                        <a:srgbClr val="ffffff"/>
+                      </a:solidFill>
+                    </a:lnB>
+                    <a:solidFill>
+                      <a:srgbClr val="cccccc"/>
+                    </a:solidFill>
+                  </a:tcPr>
+                </a:tc>
+              </a:tr>
+              <a:tr h="838080">
+                <a:tc>
+                  <a:tcPr marL="90000" marR="90000">
+                    <a:lnL w="720">
+                      <a:solidFill>
+                        <a:srgbClr val="ffffff"/>
+                      </a:solidFill>
+                    </a:lnL>
+                    <a:lnR w="720">
+                      <a:solidFill>
+                        <a:srgbClr val="ffffff"/>
+                      </a:solidFill>
+                    </a:lnR>
+                    <a:lnT w="720">
+                      <a:solidFill>
+                        <a:srgbClr val="ffffff"/>
+                      </a:solidFill>
+                    </a:lnT>
+                    <a:lnB w="720">
+                      <a:solidFill>
+                        <a:srgbClr val="ffffff"/>
+                      </a:solidFill>
+                    </a:lnB>
+                    <a:solidFill>
+                      <a:srgbClr val="e6e6e6"/>
+                    </a:solidFill>
+                  </a:tcPr>
+                </a:tc>
+                <a:tc>
+                  <a:tcPr marL="90000" marR="90000">
+                    <a:lnL w="720">
+                      <a:solidFill>
+                        <a:srgbClr val="ffffff"/>
+                      </a:solidFill>
+                    </a:lnL>
+                    <a:lnR w="720">
+                      <a:solidFill>
+                        <a:srgbClr val="ffffff"/>
+                      </a:solidFill>
+                    </a:lnR>
+                    <a:lnT w="720">
+                      <a:solidFill>
+                        <a:srgbClr val="ffffff"/>
+                      </a:solidFill>
+                    </a:lnT>
+                    <a:lnB w="720">
+                      <a:solidFill>
+                        <a:srgbClr val="ffffff"/>
+                      </a:solidFill>
+                    </a:lnB>
+                    <a:solidFill>
+                      <a:srgbClr val="e6e6e6"/>
+                    </a:solidFill>
+                  </a:tcPr>
+                </a:tc>
+                <a:tc>
+                  <a:tcPr marL="90000" marR="90000">
+                    <a:lnL w="720">
+                      <a:solidFill>
+                        <a:srgbClr val="ffffff"/>
+                      </a:solidFill>
+                    </a:lnL>
+                    <a:lnR w="720">
+                      <a:solidFill>
+                        <a:srgbClr val="ffffff"/>
+                      </a:solidFill>
+                    </a:lnR>
+                    <a:lnT w="720">
+                      <a:solidFill>
+                        <a:srgbClr val="ffffff"/>
+                      </a:solidFill>
+                    </a:lnT>
+                    <a:lnB w="720">
+                      <a:solidFill>
+                        <a:srgbClr val="ffffff"/>
+                      </a:solidFill>
+                    </a:lnB>
+                    <a:solidFill>
+                      <a:srgbClr val="e6e6e6"/>
+                    </a:solidFill>
+                  </a:tcPr>
+                </a:tc>
+              </a:tr>
+            </a:tbl>
+          </a:graphicData>
+        </a:graphic>
+      </p:graphicFrame>
+    </p:spTree>
+  </p:cSld>
+  <p:timing>
+    <p:tnLst>
+      <p:par>
+        <p:cTn id="27" dur="indefinite" restart="never" nodeType="tmRoot">
+          <p:childTnLst>
+            <p:seq>
+              <p:cTn id="28" nodeType="mainSeq"/>
+              <p:prevCondLst>
+                <p:cond delay="0" evt="onPrev">
+                  <p:tgtEl>
+                    <p:sldTgt/>
+                  </p:tgtEl>
+                </p:cond>
+              </p:prevCondLst>
+              <p:nextCondLst>
+                <p:cond delay="0" evt="onNext">
+                  <p:tgtEl>
+                    <p:sldTgt/>
+                  </p:tgtEl>
+                </p:cond>
+              </p:nextCondLst>
+            </p:seq>
+          </p:childTnLst>
+        </p:cTn>
+      </p:par>
+    </p:tnLst>
+  </p:timing>
+</p:sld>
+</file>
+
+<file path=ppt/slides/slide15.xml><?xml version="1.0" encoding="utf-8"?>
+<p:sld xmlns:a="http://schemas.openxmlformats.org/drawingml/2006/main" xmlns:p="http://schemas.openxmlformats.org/presentationml/2006/main" xmlns:r="http://schemas.openxmlformats.org/officeDocument/2006/relationships" xmlns:p14="http://schemas.microsoft.com/office/powerpoint/2010/main" xmlns:p15="http://schemas.microsoft.com/office/powerpoint/2012/main" xmlns:mc="http://schemas.openxmlformats.org/markup-compatibility/2006">
+  <p:cSld>
+    <p:spTree>
+      <p:nvGrpSpPr>
+        <p:cNvPr id="1" name=""/>
+        <p:cNvGrpSpPr/>
+        <p:nvPr/>
+      </p:nvGrpSpPr>
+      <p:grpSpPr>
+        <a:xfrm>
+          <a:off x="0" y="0"/>
+          <a:ext cx="0" cy="0"/>
+          <a:chOff x="0" y="0"/>
+          <a:chExt cx="0" cy="0"/>
+        </a:xfrm>
+      </p:grpSpPr>
+      <p:sp>
+        <p:nvSpPr>
+          <p:cNvPr id="140" name="CustomShape 1"/>
+          <p:cNvSpPr/>
+          <p:nvPr/>
+        </p:nvSpPr>
+        <p:spPr>
+          <a:xfrm>
+            <a:off x="0" y="1001880"/>
+            <a:ext cx="9142560" cy="663840"/>
+          </a:xfrm>
+          <a:prstGeom prst="rect">
+            <a:avLst/>
+          </a:prstGeom>
+          <a:gradFill>
+            <a:gsLst>
+              <a:gs pos="0">
+                <a:srgbClr val="95b8bb"/>
+              </a:gs>
+              <a:gs pos="100000">
+                <a:srgbClr val="5d8d91"/>
+              </a:gs>
+            </a:gsLst>
+            <a:lin ang="16200000"/>
+          </a:gradFill>
+          <a:ln>
+            <a:noFill/>
+          </a:ln>
+        </p:spPr>
+        <p:style>
+          <a:lnRef idx="2">
+            <a:schemeClr val="accent1">
+              <a:shade val="50000"/>
+            </a:schemeClr>
+          </a:lnRef>
+          <a:fillRef idx="1">
+            <a:schemeClr val="accent1"/>
+          </a:fillRef>
+          <a:effectRef idx="0">
+            <a:schemeClr val="accent1"/>
+          </a:effectRef>
+          <a:fontRef idx="minor"/>
+        </p:style>
+      </p:sp>
+      <p:sp>
+        <p:nvSpPr>
+          <p:cNvPr id="141" name="CustomShape 2"/>
+          <p:cNvSpPr/>
+          <p:nvPr/>
+        </p:nvSpPr>
+        <p:spPr>
+          <a:xfrm>
+            <a:off x="206280" y="1100160"/>
+            <a:ext cx="8734680" cy="470160"/>
+          </a:xfrm>
+          <a:prstGeom prst="rect">
+            <a:avLst/>
+          </a:prstGeom>
+          <a:noFill/>
+          <a:ln>
+            <a:noFill/>
+          </a:ln>
+        </p:spPr>
+        <p:style>
+          <a:lnRef idx="0"/>
+          <a:fillRef idx="0"/>
+          <a:effectRef idx="0"/>
+          <a:fontRef idx="minor"/>
+        </p:style>
+        <p:txBody>
+          <a:bodyPr lIns="90000" rIns="90000" tIns="45000" bIns="45000"/>
+          <a:p>
+            <a:pPr>
+              <a:lnSpc>
+                <a:spcPct val="100000"/>
+              </a:lnSpc>
+            </a:pPr>
+            <a:r>
+              <a:rPr b="1" lang="pt-BR" sz="2500" spc="-1" strike="noStrike">
+                <a:solidFill>
+                  <a:srgbClr val="000000"/>
+                </a:solidFill>
+                <a:latin typeface="Calibri"/>
+                <a:ea typeface="Calibri"/>
+              </a:rPr>
+              <a:t>Diagrama de Componentes</a:t>
+            </a:r>
+            <a:endParaRPr b="0" lang="pt-BR" sz="2500" spc="-1" strike="noStrike">
+              <a:latin typeface="Arial"/>
+            </a:endParaRPr>
+          </a:p>
+        </p:txBody>
+      </p:sp>
+      <p:sp>
+        <p:nvSpPr>
+          <p:cNvPr id="142" name="CustomShape 3"/>
+          <p:cNvSpPr/>
+          <p:nvPr/>
+        </p:nvSpPr>
+        <p:spPr>
+          <a:xfrm>
+            <a:off x="179280" y="1770120"/>
+            <a:ext cx="8826480" cy="4118040"/>
+          </a:xfrm>
+          <a:prstGeom prst="rect">
+            <a:avLst/>
+          </a:prstGeom>
+          <a:noFill/>
+          <a:ln>
+            <a:noFill/>
+          </a:ln>
+        </p:spPr>
+        <p:style>
+          <a:lnRef idx="0"/>
+          <a:fillRef idx="0"/>
+          <a:effectRef idx="0"/>
+          <a:fontRef idx="minor"/>
+        </p:style>
+        <p:txBody>
+          <a:bodyPr lIns="90000" rIns="90000" tIns="45000" bIns="45000"/>
+          <a:p>
+            <a:pPr>
+              <a:lnSpc>
+                <a:spcPts val="2801"/>
+              </a:lnSpc>
+              <a:spcBef>
+                <a:spcPts val="400"/>
+              </a:spcBef>
+              <a:spcAft>
+                <a:spcPts val="400"/>
+              </a:spcAft>
+            </a:pPr>
+            <a:endParaRPr b="0" lang="pt-BR" sz="1800" spc="-1" strike="noStrike">
               <a:latin typeface="Arial"/>
             </a:endParaRPr>
           </a:p>
@@ -4209,22 +5810,48 @@
                 <a:spcPts val="1199"/>
               </a:spcAft>
             </a:pPr>
+            <a:r>
+              <a:rPr b="1" lang="pt-BR" sz="2000" spc="-1" strike="noStrike">
+                <a:solidFill>
+                  <a:srgbClr val="404040"/>
+                </a:solidFill>
+                <a:latin typeface="Calibri"/>
+                <a:ea typeface="DejaVu Sans"/>
+              </a:rPr>
+              <a:t> </a:t>
+            </a:r>
             <a:endParaRPr b="0" lang="pt-BR" sz="2000" spc="-1" strike="noStrike">
               <a:latin typeface="Arial"/>
             </a:endParaRPr>
           </a:p>
-        </p:txBody>
-      </p:sp>
-      <p:sp>
-        <p:nvSpPr>
-          <p:cNvPr id="117" name="CustomShape 4"/>
+          <a:p>
+            <a:pPr>
+              <a:lnSpc>
+                <a:spcPts val="2401"/>
+              </a:lnSpc>
+              <a:spcBef>
+                <a:spcPts val="400"/>
+              </a:spcBef>
+              <a:spcAft>
+                <a:spcPts val="1199"/>
+              </a:spcAft>
+            </a:pPr>
+            <a:endParaRPr b="0" lang="pt-BR" sz="2000" spc="-1" strike="noStrike">
+              <a:latin typeface="Arial"/>
+            </a:endParaRPr>
+          </a:p>
+        </p:txBody>
+      </p:sp>
+      <p:sp>
+        <p:nvSpPr>
+          <p:cNvPr id="143" name="CustomShape 4"/>
           <p:cNvSpPr/>
           <p:nvPr/>
         </p:nvSpPr>
         <p:spPr>
           <a:xfrm>
             <a:off x="228600" y="461880"/>
-            <a:ext cx="8826120" cy="446040"/>
+            <a:ext cx="8825040" cy="444960"/>
           </a:xfrm>
           <a:prstGeom prst="rect">
             <a:avLst/>
@@ -4256,7 +5883,7 @@
                 <a:latin typeface="Calibri"/>
                 <a:ea typeface="Calibri"/>
               </a:rPr>
-              <a:t>Título do trabalho (fonte Calibri, tamanho 28)</a:t>
+              <a:t>Sistema de Controle de Logística</a:t>
             </a:r>
             <a:endParaRPr b="0" lang="pt-BR" sz="2800" spc="-1" strike="noStrike">
               <a:latin typeface="Arial"/>
@@ -4264,8 +5891,1395 @@
           </a:p>
         </p:txBody>
       </p:sp>
+      <p:pic>
+        <p:nvPicPr>
+          <p:cNvPr id="144" name="" descr=""/>
+          <p:cNvPicPr/>
+          <p:nvPr/>
+        </p:nvPicPr>
+        <p:blipFill>
+          <a:blip r:embed="rId1"/>
+          <a:stretch/>
+        </p:blipFill>
+        <p:spPr>
+          <a:xfrm>
+            <a:off x="144000" y="1666440"/>
+            <a:ext cx="8969760" cy="4304160"/>
+          </a:xfrm>
+          <a:prstGeom prst="rect">
+            <a:avLst/>
+          </a:prstGeom>
+          <a:ln>
+            <a:noFill/>
+          </a:ln>
+        </p:spPr>
+      </p:pic>
     </p:spTree>
   </p:cSld>
+  <p:timing>
+    <p:tnLst>
+      <p:par>
+        <p:cTn id="29" dur="indefinite" restart="never" nodeType="tmRoot">
+          <p:childTnLst>
+            <p:seq>
+              <p:cTn id="30" nodeType="mainSeq"/>
+              <p:prevCondLst>
+                <p:cond delay="0" evt="onPrev">
+                  <p:tgtEl>
+                    <p:sldTgt/>
+                  </p:tgtEl>
+                </p:cond>
+              </p:prevCondLst>
+              <p:nextCondLst>
+                <p:cond delay="0" evt="onNext">
+                  <p:tgtEl>
+                    <p:sldTgt/>
+                  </p:tgtEl>
+                </p:cond>
+              </p:nextCondLst>
+            </p:seq>
+          </p:childTnLst>
+        </p:cTn>
+      </p:par>
+    </p:tnLst>
+  </p:timing>
+</p:sld>
+</file>
+
+<file path=ppt/slides/slide16.xml><?xml version="1.0" encoding="utf-8"?>
+<p:sld xmlns:a="http://schemas.openxmlformats.org/drawingml/2006/main" xmlns:p="http://schemas.openxmlformats.org/presentationml/2006/main" xmlns:r="http://schemas.openxmlformats.org/officeDocument/2006/relationships" xmlns:p14="http://schemas.microsoft.com/office/powerpoint/2010/main" xmlns:p15="http://schemas.microsoft.com/office/powerpoint/2012/main" xmlns:mc="http://schemas.openxmlformats.org/markup-compatibility/2006">
+  <p:cSld>
+    <p:spTree>
+      <p:nvGrpSpPr>
+        <p:cNvPr id="1" name=""/>
+        <p:cNvGrpSpPr/>
+        <p:nvPr/>
+      </p:nvGrpSpPr>
+      <p:grpSpPr>
+        <a:xfrm>
+          <a:off x="0" y="0"/>
+          <a:ext cx="0" cy="0"/>
+          <a:chOff x="0" y="0"/>
+          <a:chExt cx="0" cy="0"/>
+        </a:xfrm>
+      </p:grpSpPr>
+      <p:sp>
+        <p:nvSpPr>
+          <p:cNvPr id="145" name="CustomShape 1"/>
+          <p:cNvSpPr/>
+          <p:nvPr/>
+        </p:nvSpPr>
+        <p:spPr>
+          <a:xfrm>
+            <a:off x="0" y="1001880"/>
+            <a:ext cx="9142560" cy="663840"/>
+          </a:xfrm>
+          <a:prstGeom prst="rect">
+            <a:avLst/>
+          </a:prstGeom>
+          <a:gradFill>
+            <a:gsLst>
+              <a:gs pos="0">
+                <a:srgbClr val="95b8bb"/>
+              </a:gs>
+              <a:gs pos="100000">
+                <a:srgbClr val="5d8d91"/>
+              </a:gs>
+            </a:gsLst>
+            <a:lin ang="16200000"/>
+          </a:gradFill>
+          <a:ln>
+            <a:noFill/>
+          </a:ln>
+        </p:spPr>
+        <p:style>
+          <a:lnRef idx="2">
+            <a:schemeClr val="accent1">
+              <a:shade val="50000"/>
+            </a:schemeClr>
+          </a:lnRef>
+          <a:fillRef idx="1">
+            <a:schemeClr val="accent1"/>
+          </a:fillRef>
+          <a:effectRef idx="0">
+            <a:schemeClr val="accent1"/>
+          </a:effectRef>
+          <a:fontRef idx="minor"/>
+        </p:style>
+      </p:sp>
+      <p:sp>
+        <p:nvSpPr>
+          <p:cNvPr id="146" name="CustomShape 2"/>
+          <p:cNvSpPr/>
+          <p:nvPr/>
+        </p:nvSpPr>
+        <p:spPr>
+          <a:xfrm>
+            <a:off x="206280" y="1100160"/>
+            <a:ext cx="8734680" cy="470160"/>
+          </a:xfrm>
+          <a:prstGeom prst="rect">
+            <a:avLst/>
+          </a:prstGeom>
+          <a:noFill/>
+          <a:ln>
+            <a:noFill/>
+          </a:ln>
+        </p:spPr>
+        <p:style>
+          <a:lnRef idx="0"/>
+          <a:fillRef idx="0"/>
+          <a:effectRef idx="0"/>
+          <a:fontRef idx="minor"/>
+        </p:style>
+        <p:txBody>
+          <a:bodyPr lIns="90000" rIns="90000" tIns="45000" bIns="45000"/>
+          <a:p>
+            <a:pPr>
+              <a:lnSpc>
+                <a:spcPct val="100000"/>
+              </a:lnSpc>
+            </a:pPr>
+            <a:r>
+              <a:rPr b="1" lang="pt-BR" sz="2500" spc="-1" strike="noStrike">
+                <a:solidFill>
+                  <a:srgbClr val="000000"/>
+                </a:solidFill>
+                <a:latin typeface="Calibri"/>
+                <a:ea typeface="Calibri"/>
+              </a:rPr>
+              <a:t>Diagrama de Implantação</a:t>
+            </a:r>
+            <a:endParaRPr b="0" lang="pt-BR" sz="2500" spc="-1" strike="noStrike">
+              <a:latin typeface="Arial"/>
+            </a:endParaRPr>
+          </a:p>
+        </p:txBody>
+      </p:sp>
+      <p:sp>
+        <p:nvSpPr>
+          <p:cNvPr id="147" name="CustomShape 3"/>
+          <p:cNvSpPr/>
+          <p:nvPr/>
+        </p:nvSpPr>
+        <p:spPr>
+          <a:xfrm>
+            <a:off x="72000" y="1713240"/>
+            <a:ext cx="8826480" cy="4118040"/>
+          </a:xfrm>
+          <a:prstGeom prst="rect">
+            <a:avLst/>
+          </a:prstGeom>
+          <a:noFill/>
+          <a:ln>
+            <a:noFill/>
+          </a:ln>
+        </p:spPr>
+        <p:style>
+          <a:lnRef idx="0"/>
+          <a:fillRef idx="0"/>
+          <a:effectRef idx="0"/>
+          <a:fontRef idx="minor"/>
+        </p:style>
+        <p:txBody>
+          <a:bodyPr lIns="90000" rIns="90000" tIns="45000" bIns="45000"/>
+          <a:p>
+            <a:pPr>
+              <a:lnSpc>
+                <a:spcPts val="2801"/>
+              </a:lnSpc>
+              <a:spcBef>
+                <a:spcPts val="400"/>
+              </a:spcBef>
+              <a:spcAft>
+                <a:spcPts val="400"/>
+              </a:spcAft>
+            </a:pPr>
+            <a:endParaRPr b="0" lang="pt-BR" sz="1800" spc="-1" strike="noStrike">
+              <a:latin typeface="Arial"/>
+            </a:endParaRPr>
+          </a:p>
+          <a:p>
+            <a:pPr>
+              <a:lnSpc>
+                <a:spcPts val="2401"/>
+              </a:lnSpc>
+              <a:spcBef>
+                <a:spcPts val="400"/>
+              </a:spcBef>
+              <a:spcAft>
+                <a:spcPts val="1199"/>
+              </a:spcAft>
+            </a:pPr>
+            <a:r>
+              <a:rPr b="1" lang="pt-BR" sz="2000" spc="-1" strike="noStrike">
+                <a:solidFill>
+                  <a:srgbClr val="404040"/>
+                </a:solidFill>
+                <a:latin typeface="Calibri"/>
+                <a:ea typeface="DejaVu Sans"/>
+              </a:rPr>
+              <a:t> </a:t>
+            </a:r>
+            <a:endParaRPr b="0" lang="pt-BR" sz="2000" spc="-1" strike="noStrike">
+              <a:latin typeface="Arial"/>
+            </a:endParaRPr>
+          </a:p>
+          <a:p>
+            <a:pPr>
+              <a:lnSpc>
+                <a:spcPts val="2401"/>
+              </a:lnSpc>
+              <a:spcBef>
+                <a:spcPts val="400"/>
+              </a:spcBef>
+              <a:spcAft>
+                <a:spcPts val="1199"/>
+              </a:spcAft>
+            </a:pPr>
+            <a:endParaRPr b="0" lang="pt-BR" sz="2000" spc="-1" strike="noStrike">
+              <a:latin typeface="Arial"/>
+            </a:endParaRPr>
+          </a:p>
+        </p:txBody>
+      </p:sp>
+      <p:sp>
+        <p:nvSpPr>
+          <p:cNvPr id="148" name="CustomShape 4"/>
+          <p:cNvSpPr/>
+          <p:nvPr/>
+        </p:nvSpPr>
+        <p:spPr>
+          <a:xfrm>
+            <a:off x="228600" y="461880"/>
+            <a:ext cx="8825040" cy="444960"/>
+          </a:xfrm>
+          <a:prstGeom prst="rect">
+            <a:avLst/>
+          </a:prstGeom>
+          <a:noFill/>
+          <a:ln>
+            <a:noFill/>
+          </a:ln>
+        </p:spPr>
+        <p:style>
+          <a:lnRef idx="0"/>
+          <a:fillRef idx="0"/>
+          <a:effectRef idx="0"/>
+          <a:fontRef idx="minor"/>
+        </p:style>
+        <p:txBody>
+          <a:bodyPr lIns="90000" rIns="90000" tIns="45000" bIns="45000"/>
+          <a:p>
+            <a:pPr>
+              <a:lnSpc>
+                <a:spcPts val="2801"/>
+              </a:lnSpc>
+            </a:pPr>
+            <a:r>
+              <a:rPr b="1" lang="pt-BR" sz="2800" spc="-1" strike="noStrike">
+                <a:solidFill>
+                  <a:srgbClr val="000000"/>
+                </a:solidFill>
+                <a:latin typeface="Calibri"/>
+                <a:ea typeface="Calibri"/>
+              </a:rPr>
+              <a:t>Sistema de Controle de Logística</a:t>
+            </a:r>
+            <a:endParaRPr b="0" lang="pt-BR" sz="2800" spc="-1" strike="noStrike">
+              <a:latin typeface="Arial"/>
+            </a:endParaRPr>
+          </a:p>
+        </p:txBody>
+      </p:sp>
+      <p:pic>
+        <p:nvPicPr>
+          <p:cNvPr id="149" name="" descr=""/>
+          <p:cNvPicPr/>
+          <p:nvPr/>
+        </p:nvPicPr>
+        <p:blipFill>
+          <a:blip r:embed="rId1"/>
+          <a:stretch/>
+        </p:blipFill>
+        <p:spPr>
+          <a:xfrm>
+            <a:off x="432000" y="1724040"/>
+            <a:ext cx="8279280" cy="4301280"/>
+          </a:xfrm>
+          <a:prstGeom prst="rect">
+            <a:avLst/>
+          </a:prstGeom>
+          <a:ln>
+            <a:noFill/>
+          </a:ln>
+        </p:spPr>
+      </p:pic>
+    </p:spTree>
+  </p:cSld>
+  <p:timing>
+    <p:tnLst>
+      <p:par>
+        <p:cTn id="31" dur="indefinite" restart="never" nodeType="tmRoot">
+          <p:childTnLst>
+            <p:seq>
+              <p:cTn id="32" nodeType="mainSeq"/>
+              <p:prevCondLst>
+                <p:cond delay="0" evt="onPrev">
+                  <p:tgtEl>
+                    <p:sldTgt/>
+                  </p:tgtEl>
+                </p:cond>
+              </p:prevCondLst>
+              <p:nextCondLst>
+                <p:cond delay="0" evt="onNext">
+                  <p:tgtEl>
+                    <p:sldTgt/>
+                  </p:tgtEl>
+                </p:cond>
+              </p:nextCondLst>
+            </p:seq>
+          </p:childTnLst>
+        </p:cTn>
+      </p:par>
+    </p:tnLst>
+  </p:timing>
+</p:sld>
+</file>
+
+<file path=ppt/slides/slide17.xml><?xml version="1.0" encoding="utf-8"?>
+<p:sld xmlns:a="http://schemas.openxmlformats.org/drawingml/2006/main" xmlns:p="http://schemas.openxmlformats.org/presentationml/2006/main" xmlns:r="http://schemas.openxmlformats.org/officeDocument/2006/relationships" xmlns:p14="http://schemas.microsoft.com/office/powerpoint/2010/main" xmlns:p15="http://schemas.microsoft.com/office/powerpoint/2012/main" xmlns:mc="http://schemas.openxmlformats.org/markup-compatibility/2006">
+  <p:cSld>
+    <p:spTree>
+      <p:nvGrpSpPr>
+        <p:cNvPr id="1" name=""/>
+        <p:cNvGrpSpPr/>
+        <p:nvPr/>
+      </p:nvGrpSpPr>
+      <p:grpSpPr>
+        <a:xfrm>
+          <a:off x="0" y="0"/>
+          <a:ext cx="0" cy="0"/>
+          <a:chOff x="0" y="0"/>
+          <a:chExt cx="0" cy="0"/>
+        </a:xfrm>
+      </p:grpSpPr>
+      <p:sp>
+        <p:nvSpPr>
+          <p:cNvPr id="150" name="CustomShape 1"/>
+          <p:cNvSpPr/>
+          <p:nvPr/>
+        </p:nvSpPr>
+        <p:spPr>
+          <a:xfrm>
+            <a:off x="0" y="1001880"/>
+            <a:ext cx="9142560" cy="663840"/>
+          </a:xfrm>
+          <a:prstGeom prst="rect">
+            <a:avLst/>
+          </a:prstGeom>
+          <a:gradFill>
+            <a:gsLst>
+              <a:gs pos="0">
+                <a:srgbClr val="95b8bb"/>
+              </a:gs>
+              <a:gs pos="100000">
+                <a:srgbClr val="5d8d91"/>
+              </a:gs>
+            </a:gsLst>
+            <a:lin ang="16200000"/>
+          </a:gradFill>
+          <a:ln>
+            <a:noFill/>
+          </a:ln>
+        </p:spPr>
+        <p:style>
+          <a:lnRef idx="2">
+            <a:schemeClr val="accent1">
+              <a:shade val="50000"/>
+            </a:schemeClr>
+          </a:lnRef>
+          <a:fillRef idx="1">
+            <a:schemeClr val="accent1"/>
+          </a:fillRef>
+          <a:effectRef idx="0">
+            <a:schemeClr val="accent1"/>
+          </a:effectRef>
+          <a:fontRef idx="minor"/>
+        </p:style>
+      </p:sp>
+      <p:sp>
+        <p:nvSpPr>
+          <p:cNvPr id="151" name="CustomShape 2"/>
+          <p:cNvSpPr/>
+          <p:nvPr/>
+        </p:nvSpPr>
+        <p:spPr>
+          <a:xfrm>
+            <a:off x="206280" y="1100160"/>
+            <a:ext cx="8734680" cy="470160"/>
+          </a:xfrm>
+          <a:prstGeom prst="rect">
+            <a:avLst/>
+          </a:prstGeom>
+          <a:noFill/>
+          <a:ln>
+            <a:noFill/>
+          </a:ln>
+        </p:spPr>
+        <p:style>
+          <a:lnRef idx="0"/>
+          <a:fillRef idx="0"/>
+          <a:effectRef idx="0"/>
+          <a:fontRef idx="minor"/>
+        </p:style>
+        <p:txBody>
+          <a:bodyPr lIns="90000" rIns="90000" tIns="45000" bIns="45000"/>
+          <a:p>
+            <a:pPr>
+              <a:lnSpc>
+                <a:spcPct val="100000"/>
+              </a:lnSpc>
+            </a:pPr>
+            <a:r>
+              <a:rPr b="1" lang="pt-BR" sz="2500" spc="-1" strike="noStrike">
+                <a:solidFill>
+                  <a:srgbClr val="000000"/>
+                </a:solidFill>
+                <a:latin typeface="Calibri"/>
+                <a:ea typeface="Calibri"/>
+              </a:rPr>
+              <a:t>Apresentação do Protótipo Arquitetural</a:t>
+            </a:r>
+            <a:endParaRPr b="0" lang="pt-BR" sz="2500" spc="-1" strike="noStrike">
+              <a:latin typeface="Arial"/>
+            </a:endParaRPr>
+          </a:p>
+        </p:txBody>
+      </p:sp>
+      <p:sp>
+        <p:nvSpPr>
+          <p:cNvPr id="152" name="CustomShape 3"/>
+          <p:cNvSpPr/>
+          <p:nvPr/>
+        </p:nvSpPr>
+        <p:spPr>
+          <a:xfrm>
+            <a:off x="179280" y="1770120"/>
+            <a:ext cx="8826480" cy="4118040"/>
+          </a:xfrm>
+          <a:prstGeom prst="rect">
+            <a:avLst/>
+          </a:prstGeom>
+          <a:noFill/>
+          <a:ln>
+            <a:noFill/>
+          </a:ln>
+        </p:spPr>
+        <p:style>
+          <a:lnRef idx="0"/>
+          <a:fillRef idx="0"/>
+          <a:effectRef idx="0"/>
+          <a:fontRef idx="minor"/>
+        </p:style>
+        <p:txBody>
+          <a:bodyPr lIns="90000" rIns="90000" tIns="45000" bIns="45000"/>
+          <a:p>
+            <a:pPr>
+              <a:lnSpc>
+                <a:spcPts val="2801"/>
+              </a:lnSpc>
+              <a:spcBef>
+                <a:spcPts val="400"/>
+              </a:spcBef>
+              <a:spcAft>
+                <a:spcPts val="400"/>
+              </a:spcAft>
+            </a:pPr>
+            <a:r>
+              <a:rPr b="1" lang="pt-BR" sz="2300" spc="-1" strike="noStrike">
+                <a:solidFill>
+                  <a:srgbClr val="404040"/>
+                </a:solidFill>
+                <a:latin typeface="Calibri"/>
+                <a:ea typeface="DejaVu Sans"/>
+              </a:rPr>
+              <a:t>Pode ser dividido em mais de um slide</a:t>
+            </a:r>
+            <a:endParaRPr b="0" lang="pt-BR" sz="2300" spc="-1" strike="noStrike">
+              <a:latin typeface="Arial"/>
+            </a:endParaRPr>
+          </a:p>
+          <a:p>
+            <a:pPr>
+              <a:lnSpc>
+                <a:spcPts val="2801"/>
+              </a:lnSpc>
+              <a:spcBef>
+                <a:spcPts val="400"/>
+              </a:spcBef>
+              <a:spcAft>
+                <a:spcPts val="400"/>
+              </a:spcAft>
+            </a:pPr>
+            <a:r>
+              <a:rPr b="1" lang="pt-BR" sz="2300" spc="-1" strike="noStrike">
+                <a:solidFill>
+                  <a:srgbClr val="404040"/>
+                </a:solidFill>
+                <a:latin typeface="Calibri"/>
+                <a:ea typeface="DejaVu Sans"/>
+              </a:rPr>
+              <a:t>Vídeo (</a:t>
+            </a:r>
+            <a:r>
+              <a:rPr b="1" i="1" lang="pt-BR" sz="2300" spc="-1" strike="noStrike">
+                <a:solidFill>
+                  <a:srgbClr val="404040"/>
+                </a:solidFill>
+                <a:latin typeface="Calibri"/>
+                <a:ea typeface="DejaVu Sans"/>
+              </a:rPr>
+              <a:t>screencast</a:t>
+            </a:r>
+            <a:r>
+              <a:rPr b="1" lang="pt-BR" sz="2300" spc="-1" strike="noStrike">
+                <a:solidFill>
+                  <a:srgbClr val="404040"/>
+                </a:solidFill>
+                <a:latin typeface="Calibri"/>
+                <a:ea typeface="DejaVu Sans"/>
+              </a:rPr>
+              <a:t>) de apresentação da aplicação web.</a:t>
+            </a:r>
+            <a:endParaRPr b="0" lang="pt-BR" sz="2300" spc="-1" strike="noStrike">
+              <a:latin typeface="Arial"/>
+            </a:endParaRPr>
+          </a:p>
+          <a:p>
+            <a:pPr>
+              <a:lnSpc>
+                <a:spcPts val="2801"/>
+              </a:lnSpc>
+              <a:spcBef>
+                <a:spcPts val="400"/>
+              </a:spcBef>
+              <a:spcAft>
+                <a:spcPts val="400"/>
+              </a:spcAft>
+            </a:pPr>
+            <a:r>
+              <a:rPr b="1" lang="pt-BR" sz="2300" spc="-1" strike="noStrike">
+                <a:solidFill>
+                  <a:srgbClr val="404040"/>
+                </a:solidFill>
+                <a:latin typeface="Calibri"/>
+                <a:ea typeface="DejaVu Sans"/>
+              </a:rPr>
+              <a:t>Sugestão de gravador de tela: </a:t>
+            </a:r>
+            <a:r>
+              <a:rPr b="1" lang="pt-BR" sz="2300" spc="-1" strike="noStrike" u="sng">
+                <a:solidFill>
+                  <a:srgbClr val="009999"/>
+                </a:solidFill>
+                <a:uFillTx/>
+                <a:latin typeface="Calibri"/>
+                <a:ea typeface="DejaVu Sans"/>
+                <a:hlinkClick r:id="rId1"/>
+              </a:rPr>
+              <a:t>http://www.screenr.com</a:t>
+            </a:r>
+            <a:endParaRPr b="0" lang="pt-BR" sz="2300" spc="-1" strike="noStrike">
+              <a:latin typeface="Arial"/>
+            </a:endParaRPr>
+          </a:p>
+          <a:p>
+            <a:pPr>
+              <a:lnSpc>
+                <a:spcPts val="2801"/>
+              </a:lnSpc>
+              <a:spcBef>
+                <a:spcPts val="400"/>
+              </a:spcBef>
+              <a:spcAft>
+                <a:spcPts val="400"/>
+              </a:spcAft>
+            </a:pPr>
+            <a:r>
+              <a:rPr b="1" lang="pt-BR" sz="2300" spc="-1" strike="noStrike">
+                <a:solidFill>
+                  <a:srgbClr val="404040"/>
+                </a:solidFill>
+                <a:latin typeface="Calibri"/>
+                <a:ea typeface="DejaVu Sans"/>
+              </a:rPr>
+              <a:t>Duração: 2’30” </a:t>
+            </a:r>
+            <a:endParaRPr b="0" lang="pt-BR" sz="2300" spc="-1" strike="noStrike">
+              <a:latin typeface="Arial"/>
+            </a:endParaRPr>
+          </a:p>
+          <a:p>
+            <a:pPr>
+              <a:lnSpc>
+                <a:spcPts val="2401"/>
+              </a:lnSpc>
+              <a:spcBef>
+                <a:spcPts val="400"/>
+              </a:spcBef>
+              <a:spcAft>
+                <a:spcPts val="1199"/>
+              </a:spcAft>
+            </a:pPr>
+            <a:endParaRPr b="0" lang="pt-BR" sz="2300" spc="-1" strike="noStrike">
+              <a:latin typeface="Arial"/>
+            </a:endParaRPr>
+          </a:p>
+          <a:p>
+            <a:pPr>
+              <a:lnSpc>
+                <a:spcPts val="2401"/>
+              </a:lnSpc>
+              <a:spcBef>
+                <a:spcPts val="400"/>
+              </a:spcBef>
+              <a:spcAft>
+                <a:spcPts val="1199"/>
+              </a:spcAft>
+            </a:pPr>
+            <a:endParaRPr b="0" lang="pt-BR" sz="2300" spc="-1" strike="noStrike">
+              <a:latin typeface="Arial"/>
+            </a:endParaRPr>
+          </a:p>
+        </p:txBody>
+      </p:sp>
+      <p:sp>
+        <p:nvSpPr>
+          <p:cNvPr id="153" name="CustomShape 4"/>
+          <p:cNvSpPr/>
+          <p:nvPr/>
+        </p:nvSpPr>
+        <p:spPr>
+          <a:xfrm>
+            <a:off x="228600" y="461880"/>
+            <a:ext cx="8825040" cy="444960"/>
+          </a:xfrm>
+          <a:prstGeom prst="rect">
+            <a:avLst/>
+          </a:prstGeom>
+          <a:noFill/>
+          <a:ln>
+            <a:noFill/>
+          </a:ln>
+        </p:spPr>
+        <p:style>
+          <a:lnRef idx="0"/>
+          <a:fillRef idx="0"/>
+          <a:effectRef idx="0"/>
+          <a:fontRef idx="minor"/>
+        </p:style>
+        <p:txBody>
+          <a:bodyPr lIns="90000" rIns="90000" tIns="45000" bIns="45000"/>
+          <a:p>
+            <a:pPr>
+              <a:lnSpc>
+                <a:spcPts val="2801"/>
+              </a:lnSpc>
+            </a:pPr>
+            <a:r>
+              <a:rPr b="1" lang="pt-BR" sz="2800" spc="-1" strike="noStrike">
+                <a:solidFill>
+                  <a:srgbClr val="000000"/>
+                </a:solidFill>
+                <a:latin typeface="Calibri"/>
+                <a:ea typeface="Calibri"/>
+              </a:rPr>
+              <a:t>Sistema de Controle de Logística</a:t>
+            </a:r>
+            <a:endParaRPr b="0" lang="pt-BR" sz="2800" spc="-1" strike="noStrike">
+              <a:latin typeface="Arial"/>
+            </a:endParaRPr>
+          </a:p>
+        </p:txBody>
+      </p:sp>
+    </p:spTree>
+  </p:cSld>
+  <p:timing>
+    <p:tnLst>
+      <p:par>
+        <p:cTn id="33" dur="indefinite" restart="never" nodeType="tmRoot">
+          <p:childTnLst>
+            <p:seq>
+              <p:cTn id="34" nodeType="mainSeq"/>
+              <p:prevCondLst>
+                <p:cond delay="0" evt="onPrev">
+                  <p:tgtEl>
+                    <p:sldTgt/>
+                  </p:tgtEl>
+                </p:cond>
+              </p:prevCondLst>
+              <p:nextCondLst>
+                <p:cond delay="0" evt="onNext">
+                  <p:tgtEl>
+                    <p:sldTgt/>
+                  </p:tgtEl>
+                </p:cond>
+              </p:nextCondLst>
+            </p:seq>
+          </p:childTnLst>
+        </p:cTn>
+      </p:par>
+    </p:tnLst>
+  </p:timing>
+</p:sld>
+</file>
+
+<file path=ppt/slides/slide18.xml><?xml version="1.0" encoding="utf-8"?>
+<p:sld xmlns:a="http://schemas.openxmlformats.org/drawingml/2006/main" xmlns:p="http://schemas.openxmlformats.org/presentationml/2006/main" xmlns:r="http://schemas.openxmlformats.org/officeDocument/2006/relationships" xmlns:p14="http://schemas.microsoft.com/office/powerpoint/2010/main" xmlns:p15="http://schemas.microsoft.com/office/powerpoint/2012/main" xmlns:mc="http://schemas.openxmlformats.org/markup-compatibility/2006">
+  <p:cSld>
+    <p:spTree>
+      <p:nvGrpSpPr>
+        <p:cNvPr id="1" name=""/>
+        <p:cNvGrpSpPr/>
+        <p:nvPr/>
+      </p:nvGrpSpPr>
+      <p:grpSpPr>
+        <a:xfrm>
+          <a:off x="0" y="0"/>
+          <a:ext cx="0" cy="0"/>
+          <a:chOff x="0" y="0"/>
+          <a:chExt cx="0" cy="0"/>
+        </a:xfrm>
+      </p:grpSpPr>
+      <p:sp>
+        <p:nvSpPr>
+          <p:cNvPr id="154" name="CustomShape 1"/>
+          <p:cNvSpPr/>
+          <p:nvPr/>
+        </p:nvSpPr>
+        <p:spPr>
+          <a:xfrm>
+            <a:off x="0" y="1001880"/>
+            <a:ext cx="9142560" cy="663840"/>
+          </a:xfrm>
+          <a:prstGeom prst="rect">
+            <a:avLst/>
+          </a:prstGeom>
+          <a:gradFill>
+            <a:gsLst>
+              <a:gs pos="0">
+                <a:srgbClr val="95b8bb"/>
+              </a:gs>
+              <a:gs pos="100000">
+                <a:srgbClr val="5d8d91"/>
+              </a:gs>
+            </a:gsLst>
+            <a:lin ang="16200000"/>
+          </a:gradFill>
+          <a:ln>
+            <a:noFill/>
+          </a:ln>
+        </p:spPr>
+        <p:style>
+          <a:lnRef idx="2">
+            <a:schemeClr val="accent1">
+              <a:shade val="50000"/>
+            </a:schemeClr>
+          </a:lnRef>
+          <a:fillRef idx="1">
+            <a:schemeClr val="accent1"/>
+          </a:fillRef>
+          <a:effectRef idx="0">
+            <a:schemeClr val="accent1"/>
+          </a:effectRef>
+          <a:fontRef idx="minor"/>
+        </p:style>
+      </p:sp>
+      <p:sp>
+        <p:nvSpPr>
+          <p:cNvPr id="155" name="CustomShape 2"/>
+          <p:cNvSpPr/>
+          <p:nvPr/>
+        </p:nvSpPr>
+        <p:spPr>
+          <a:xfrm>
+            <a:off x="206280" y="1100160"/>
+            <a:ext cx="8734680" cy="470160"/>
+          </a:xfrm>
+          <a:prstGeom prst="rect">
+            <a:avLst/>
+          </a:prstGeom>
+          <a:noFill/>
+          <a:ln>
+            <a:noFill/>
+          </a:ln>
+        </p:spPr>
+        <p:style>
+          <a:lnRef idx="0"/>
+          <a:fillRef idx="0"/>
+          <a:effectRef idx="0"/>
+          <a:fontRef idx="minor"/>
+        </p:style>
+        <p:txBody>
+          <a:bodyPr lIns="90000" rIns="90000" tIns="45000" bIns="45000"/>
+          <a:p>
+            <a:pPr>
+              <a:lnSpc>
+                <a:spcPct val="100000"/>
+              </a:lnSpc>
+            </a:pPr>
+            <a:r>
+              <a:rPr b="1" lang="pt-BR" sz="2500" spc="-1" strike="noStrike">
+                <a:solidFill>
+                  <a:srgbClr val="000000"/>
+                </a:solidFill>
+                <a:latin typeface="Calibri"/>
+                <a:ea typeface="Calibri"/>
+              </a:rPr>
+              <a:t>Avaliação da Arquitetura</a:t>
+            </a:r>
+            <a:endParaRPr b="0" lang="pt-BR" sz="2500" spc="-1" strike="noStrike">
+              <a:latin typeface="Arial"/>
+            </a:endParaRPr>
+          </a:p>
+        </p:txBody>
+      </p:sp>
+      <p:sp>
+        <p:nvSpPr>
+          <p:cNvPr id="156" name="CustomShape 3"/>
+          <p:cNvSpPr/>
+          <p:nvPr/>
+        </p:nvSpPr>
+        <p:spPr>
+          <a:xfrm>
+            <a:off x="179280" y="1770120"/>
+            <a:ext cx="8826480" cy="4118040"/>
+          </a:xfrm>
+          <a:prstGeom prst="rect">
+            <a:avLst/>
+          </a:prstGeom>
+          <a:noFill/>
+          <a:ln>
+            <a:noFill/>
+          </a:ln>
+        </p:spPr>
+        <p:style>
+          <a:lnRef idx="0"/>
+          <a:fillRef idx="0"/>
+          <a:effectRef idx="0"/>
+          <a:fontRef idx="minor"/>
+        </p:style>
+        <p:txBody>
+          <a:bodyPr lIns="90000" rIns="90000" tIns="45000" bIns="45000"/>
+          <a:p>
+            <a:pPr>
+              <a:lnSpc>
+                <a:spcPts val="2801"/>
+              </a:lnSpc>
+              <a:spcBef>
+                <a:spcPts val="400"/>
+              </a:spcBef>
+              <a:spcAft>
+                <a:spcPts val="400"/>
+              </a:spcAft>
+            </a:pPr>
+            <a:r>
+              <a:rPr b="1" lang="pt-BR" sz="2300" spc="-1" strike="noStrike">
+                <a:solidFill>
+                  <a:srgbClr val="404040"/>
+                </a:solidFill>
+                <a:latin typeface="Calibri"/>
+                <a:ea typeface="DejaVu Sans"/>
+              </a:rPr>
+              <a:t>Apresentação dos cenários de avaliação e limitações ou riscos da arquitetura (fonte Calibri, tamanho 23)</a:t>
+            </a:r>
+            <a:endParaRPr b="0" lang="pt-BR" sz="2300" spc="-1" strike="noStrike">
+              <a:latin typeface="Arial"/>
+            </a:endParaRPr>
+          </a:p>
+          <a:p>
+            <a:pPr>
+              <a:lnSpc>
+                <a:spcPts val="2801"/>
+              </a:lnSpc>
+              <a:spcBef>
+                <a:spcPts val="400"/>
+              </a:spcBef>
+              <a:spcAft>
+                <a:spcPts val="400"/>
+              </a:spcAft>
+            </a:pPr>
+            <a:r>
+              <a:rPr b="1" lang="pt-BR" sz="2300" spc="-1" strike="noStrike">
+                <a:solidFill>
+                  <a:srgbClr val="404040"/>
+                </a:solidFill>
+                <a:latin typeface="Calibri"/>
+                <a:ea typeface="DejaVu Sans"/>
+              </a:rPr>
+              <a:t>Duração: 1’00”</a:t>
+            </a:r>
+            <a:r>
+              <a:rPr b="1" lang="pt-BR" sz="2000" spc="-1" strike="noStrike">
+                <a:solidFill>
+                  <a:srgbClr val="404040"/>
+                </a:solidFill>
+                <a:latin typeface="Calibri"/>
+                <a:ea typeface="DejaVu Sans"/>
+              </a:rPr>
+              <a:t> </a:t>
+            </a:r>
+            <a:endParaRPr b="0" lang="pt-BR" sz="2000" spc="-1" strike="noStrike">
+              <a:latin typeface="Arial"/>
+            </a:endParaRPr>
+          </a:p>
+          <a:p>
+            <a:pPr>
+              <a:lnSpc>
+                <a:spcPts val="2401"/>
+              </a:lnSpc>
+              <a:spcBef>
+                <a:spcPts val="400"/>
+              </a:spcBef>
+              <a:spcAft>
+                <a:spcPts val="1199"/>
+              </a:spcAft>
+            </a:pPr>
+            <a:r>
+              <a:rPr b="1" lang="pt-BR" sz="2000" spc="-1" strike="noStrike">
+                <a:solidFill>
+                  <a:srgbClr val="404040"/>
+                </a:solidFill>
+                <a:latin typeface="Calibri"/>
+                <a:ea typeface="DejaVu Sans"/>
+              </a:rPr>
+              <a:t> </a:t>
+            </a:r>
+            <a:endParaRPr b="0" lang="pt-BR" sz="2000" spc="-1" strike="noStrike">
+              <a:latin typeface="Arial"/>
+            </a:endParaRPr>
+          </a:p>
+          <a:p>
+            <a:pPr>
+              <a:lnSpc>
+                <a:spcPts val="2401"/>
+              </a:lnSpc>
+              <a:spcBef>
+                <a:spcPts val="400"/>
+              </a:spcBef>
+              <a:spcAft>
+                <a:spcPts val="1199"/>
+              </a:spcAft>
+            </a:pPr>
+            <a:endParaRPr b="0" lang="pt-BR" sz="2000" spc="-1" strike="noStrike">
+              <a:latin typeface="Arial"/>
+            </a:endParaRPr>
+          </a:p>
+        </p:txBody>
+      </p:sp>
+      <p:sp>
+        <p:nvSpPr>
+          <p:cNvPr id="157" name="CustomShape 4"/>
+          <p:cNvSpPr/>
+          <p:nvPr/>
+        </p:nvSpPr>
+        <p:spPr>
+          <a:xfrm>
+            <a:off x="228600" y="461880"/>
+            <a:ext cx="8825040" cy="444960"/>
+          </a:xfrm>
+          <a:prstGeom prst="rect">
+            <a:avLst/>
+          </a:prstGeom>
+          <a:noFill/>
+          <a:ln>
+            <a:noFill/>
+          </a:ln>
+        </p:spPr>
+        <p:style>
+          <a:lnRef idx="0"/>
+          <a:fillRef idx="0"/>
+          <a:effectRef idx="0"/>
+          <a:fontRef idx="minor"/>
+        </p:style>
+        <p:txBody>
+          <a:bodyPr lIns="90000" rIns="90000" tIns="45000" bIns="45000"/>
+          <a:p>
+            <a:pPr>
+              <a:lnSpc>
+                <a:spcPts val="2801"/>
+              </a:lnSpc>
+            </a:pPr>
+            <a:r>
+              <a:rPr b="1" lang="pt-BR" sz="2800" spc="-1" strike="noStrike">
+                <a:solidFill>
+                  <a:srgbClr val="000000"/>
+                </a:solidFill>
+                <a:latin typeface="Calibri"/>
+                <a:ea typeface="Calibri"/>
+              </a:rPr>
+              <a:t>Sistema de Controle de Logística</a:t>
+            </a:r>
+            <a:endParaRPr b="0" lang="pt-BR" sz="2800" spc="-1" strike="noStrike">
+              <a:latin typeface="Arial"/>
+            </a:endParaRPr>
+          </a:p>
+        </p:txBody>
+      </p:sp>
+    </p:spTree>
+  </p:cSld>
+  <p:timing>
+    <p:tnLst>
+      <p:par>
+        <p:cTn id="35" dur="indefinite" restart="never" nodeType="tmRoot">
+          <p:childTnLst>
+            <p:seq>
+              <p:cTn id="36" nodeType="mainSeq"/>
+              <p:prevCondLst>
+                <p:cond delay="0" evt="onPrev">
+                  <p:tgtEl>
+                    <p:sldTgt/>
+                  </p:tgtEl>
+                </p:cond>
+              </p:prevCondLst>
+              <p:nextCondLst>
+                <p:cond delay="0" evt="onNext">
+                  <p:tgtEl>
+                    <p:sldTgt/>
+                  </p:tgtEl>
+                </p:cond>
+              </p:nextCondLst>
+            </p:seq>
+          </p:childTnLst>
+        </p:cTn>
+      </p:par>
+    </p:tnLst>
+  </p:timing>
+</p:sld>
+</file>
+
+<file path=ppt/slides/slide19.xml><?xml version="1.0" encoding="utf-8"?>
+<p:sld xmlns:a="http://schemas.openxmlformats.org/drawingml/2006/main" xmlns:p="http://schemas.openxmlformats.org/presentationml/2006/main" xmlns:r="http://schemas.openxmlformats.org/officeDocument/2006/relationships" xmlns:p14="http://schemas.microsoft.com/office/powerpoint/2010/main" xmlns:p15="http://schemas.microsoft.com/office/powerpoint/2012/main" xmlns:mc="http://schemas.openxmlformats.org/markup-compatibility/2006">
+  <p:cSld>
+    <p:spTree>
+      <p:nvGrpSpPr>
+        <p:cNvPr id="1" name=""/>
+        <p:cNvGrpSpPr/>
+        <p:nvPr/>
+      </p:nvGrpSpPr>
+      <p:grpSpPr>
+        <a:xfrm>
+          <a:off x="0" y="0"/>
+          <a:ext cx="0" cy="0"/>
+          <a:chOff x="0" y="0"/>
+          <a:chExt cx="0" cy="0"/>
+        </a:xfrm>
+      </p:grpSpPr>
+      <p:sp>
+        <p:nvSpPr>
+          <p:cNvPr id="158" name="CustomShape 1"/>
+          <p:cNvSpPr/>
+          <p:nvPr/>
+        </p:nvSpPr>
+        <p:spPr>
+          <a:xfrm>
+            <a:off x="0" y="1001880"/>
+            <a:ext cx="9142560" cy="663840"/>
+          </a:xfrm>
+          <a:prstGeom prst="rect">
+            <a:avLst/>
+          </a:prstGeom>
+          <a:gradFill>
+            <a:gsLst>
+              <a:gs pos="0">
+                <a:srgbClr val="95b8bb"/>
+              </a:gs>
+              <a:gs pos="100000">
+                <a:srgbClr val="5d8d91"/>
+              </a:gs>
+            </a:gsLst>
+            <a:lin ang="16200000"/>
+          </a:gradFill>
+          <a:ln>
+            <a:noFill/>
+          </a:ln>
+        </p:spPr>
+        <p:style>
+          <a:lnRef idx="2">
+            <a:schemeClr val="accent1">
+              <a:shade val="50000"/>
+            </a:schemeClr>
+          </a:lnRef>
+          <a:fillRef idx="1">
+            <a:schemeClr val="accent1"/>
+          </a:fillRef>
+          <a:effectRef idx="0">
+            <a:schemeClr val="accent1"/>
+          </a:effectRef>
+          <a:fontRef idx="minor"/>
+        </p:style>
+      </p:sp>
+      <p:sp>
+        <p:nvSpPr>
+          <p:cNvPr id="159" name="CustomShape 2"/>
+          <p:cNvSpPr/>
+          <p:nvPr/>
+        </p:nvSpPr>
+        <p:spPr>
+          <a:xfrm>
+            <a:off x="206280" y="1100160"/>
+            <a:ext cx="8734680" cy="470160"/>
+          </a:xfrm>
+          <a:prstGeom prst="rect">
+            <a:avLst/>
+          </a:prstGeom>
+          <a:noFill/>
+          <a:ln>
+            <a:noFill/>
+          </a:ln>
+        </p:spPr>
+        <p:style>
+          <a:lnRef idx="0"/>
+          <a:fillRef idx="0"/>
+          <a:effectRef idx="0"/>
+          <a:fontRef idx="minor"/>
+        </p:style>
+        <p:txBody>
+          <a:bodyPr lIns="90000" rIns="90000" tIns="45000" bIns="45000"/>
+          <a:p>
+            <a:pPr>
+              <a:lnSpc>
+                <a:spcPct val="100000"/>
+              </a:lnSpc>
+            </a:pPr>
+            <a:r>
+              <a:rPr b="1" lang="pt-BR" sz="2500" spc="-1" strike="noStrike">
+                <a:solidFill>
+                  <a:srgbClr val="000000"/>
+                </a:solidFill>
+                <a:latin typeface="Calibri"/>
+                <a:ea typeface="Calibri"/>
+              </a:rPr>
+              <a:t>Conclusões</a:t>
+            </a:r>
+            <a:endParaRPr b="0" lang="pt-BR" sz="2500" spc="-1" strike="noStrike">
+              <a:latin typeface="Arial"/>
+            </a:endParaRPr>
+          </a:p>
+        </p:txBody>
+      </p:sp>
+      <p:sp>
+        <p:nvSpPr>
+          <p:cNvPr id="160" name="CustomShape 3"/>
+          <p:cNvSpPr/>
+          <p:nvPr/>
+        </p:nvSpPr>
+        <p:spPr>
+          <a:xfrm>
+            <a:off x="179280" y="1770120"/>
+            <a:ext cx="8826480" cy="4118040"/>
+          </a:xfrm>
+          <a:prstGeom prst="rect">
+            <a:avLst/>
+          </a:prstGeom>
+          <a:noFill/>
+          <a:ln>
+            <a:noFill/>
+          </a:ln>
+        </p:spPr>
+        <p:style>
+          <a:lnRef idx="0"/>
+          <a:fillRef idx="0"/>
+          <a:effectRef idx="0"/>
+          <a:fontRef idx="minor"/>
+        </p:style>
+        <p:txBody>
+          <a:bodyPr lIns="90000" rIns="90000" tIns="45000" bIns="45000"/>
+          <a:p>
+            <a:pPr>
+              <a:lnSpc>
+                <a:spcPts val="2801"/>
+              </a:lnSpc>
+              <a:spcBef>
+                <a:spcPts val="400"/>
+              </a:spcBef>
+              <a:spcAft>
+                <a:spcPts val="400"/>
+              </a:spcAft>
+            </a:pPr>
+            <a:r>
+              <a:rPr b="1" lang="pt-BR" sz="2300" spc="-1" strike="noStrike">
+                <a:solidFill>
+                  <a:srgbClr val="404040"/>
+                </a:solidFill>
+                <a:latin typeface="Calibri"/>
+                <a:ea typeface="DejaVu Sans"/>
+              </a:rPr>
+              <a:t>Apresentação das conclusões (fonte Calibri, tamanho 23)</a:t>
+            </a:r>
+            <a:endParaRPr b="0" lang="pt-BR" sz="2300" spc="-1" strike="noStrike">
+              <a:latin typeface="Arial"/>
+            </a:endParaRPr>
+          </a:p>
+          <a:p>
+            <a:pPr>
+              <a:lnSpc>
+                <a:spcPts val="2801"/>
+              </a:lnSpc>
+              <a:spcBef>
+                <a:spcPts val="400"/>
+              </a:spcBef>
+              <a:spcAft>
+                <a:spcPts val="400"/>
+              </a:spcAft>
+            </a:pPr>
+            <a:r>
+              <a:rPr b="1" lang="pt-BR" sz="2300" spc="-1" strike="noStrike">
+                <a:solidFill>
+                  <a:srgbClr val="404040"/>
+                </a:solidFill>
+                <a:latin typeface="Calibri"/>
+                <a:ea typeface="DejaVu Sans"/>
+              </a:rPr>
+              <a:t>Duração: 1’00”</a:t>
+            </a:r>
+            <a:r>
+              <a:rPr b="1" lang="pt-BR" sz="2000" spc="-1" strike="noStrike">
+                <a:solidFill>
+                  <a:srgbClr val="404040"/>
+                </a:solidFill>
+                <a:latin typeface="Calibri"/>
+                <a:ea typeface="DejaVu Sans"/>
+              </a:rPr>
+              <a:t> </a:t>
+            </a:r>
+            <a:endParaRPr b="0" lang="pt-BR" sz="2000" spc="-1" strike="noStrike">
+              <a:latin typeface="Arial"/>
+            </a:endParaRPr>
+          </a:p>
+          <a:p>
+            <a:pPr>
+              <a:lnSpc>
+                <a:spcPts val="2401"/>
+              </a:lnSpc>
+              <a:spcBef>
+                <a:spcPts val="400"/>
+              </a:spcBef>
+              <a:spcAft>
+                <a:spcPts val="1199"/>
+              </a:spcAft>
+            </a:pPr>
+            <a:r>
+              <a:rPr b="1" lang="pt-BR" sz="2000" spc="-1" strike="noStrike">
+                <a:solidFill>
+                  <a:srgbClr val="404040"/>
+                </a:solidFill>
+                <a:latin typeface="Calibri"/>
+                <a:ea typeface="DejaVu Sans"/>
+              </a:rPr>
+              <a:t> </a:t>
+            </a:r>
+            <a:endParaRPr b="0" lang="pt-BR" sz="2000" spc="-1" strike="noStrike">
+              <a:latin typeface="Arial"/>
+            </a:endParaRPr>
+          </a:p>
+          <a:p>
+            <a:pPr>
+              <a:lnSpc>
+                <a:spcPts val="2401"/>
+              </a:lnSpc>
+              <a:spcBef>
+                <a:spcPts val="400"/>
+              </a:spcBef>
+              <a:spcAft>
+                <a:spcPts val="1199"/>
+              </a:spcAft>
+            </a:pPr>
+            <a:endParaRPr b="0" lang="pt-BR" sz="2000" spc="-1" strike="noStrike">
+              <a:latin typeface="Arial"/>
+            </a:endParaRPr>
+          </a:p>
+        </p:txBody>
+      </p:sp>
+      <p:sp>
+        <p:nvSpPr>
+          <p:cNvPr id="161" name="CustomShape 4"/>
+          <p:cNvSpPr/>
+          <p:nvPr/>
+        </p:nvSpPr>
+        <p:spPr>
+          <a:xfrm>
+            <a:off x="228600" y="461880"/>
+            <a:ext cx="8825040" cy="444960"/>
+          </a:xfrm>
+          <a:prstGeom prst="rect">
+            <a:avLst/>
+          </a:prstGeom>
+          <a:noFill/>
+          <a:ln>
+            <a:noFill/>
+          </a:ln>
+        </p:spPr>
+        <p:style>
+          <a:lnRef idx="0"/>
+          <a:fillRef idx="0"/>
+          <a:effectRef idx="0"/>
+          <a:fontRef idx="minor"/>
+        </p:style>
+        <p:txBody>
+          <a:bodyPr lIns="90000" rIns="90000" tIns="45000" bIns="45000"/>
+          <a:p>
+            <a:pPr>
+              <a:lnSpc>
+                <a:spcPts val="2801"/>
+              </a:lnSpc>
+            </a:pPr>
+            <a:r>
+              <a:rPr b="1" lang="pt-BR" sz="2800" spc="-1" strike="noStrike">
+                <a:solidFill>
+                  <a:srgbClr val="000000"/>
+                </a:solidFill>
+                <a:latin typeface="Calibri"/>
+                <a:ea typeface="Calibri"/>
+              </a:rPr>
+              <a:t>Sistema de Controle de Logística</a:t>
+            </a:r>
+            <a:endParaRPr b="0" lang="pt-BR" sz="2800" spc="-1" strike="noStrike">
+              <a:latin typeface="Arial"/>
+            </a:endParaRPr>
+          </a:p>
+        </p:txBody>
+      </p:sp>
+    </p:spTree>
+  </p:cSld>
+  <p:timing>
+    <p:tnLst>
+      <p:par>
+        <p:cTn id="37" dur="indefinite" restart="never" nodeType="tmRoot">
+          <p:childTnLst>
+            <p:seq>
+              <p:cTn id="38" nodeType="mainSeq"/>
+              <p:prevCondLst>
+                <p:cond delay="0" evt="onPrev">
+                  <p:tgtEl>
+                    <p:sldTgt/>
+                  </p:tgtEl>
+                </p:cond>
+              </p:prevCondLst>
+              <p:nextCondLst>
+                <p:cond delay="0" evt="onNext">
+                  <p:tgtEl>
+                    <p:sldTgt/>
+                  </p:tgtEl>
+                </p:cond>
+              </p:nextCondLst>
+            </p:seq>
+          </p:childTnLst>
+        </p:cTn>
+      </p:par>
+    </p:tnLst>
+  </p:timing>
 </p:sld>
 </file>
 
@@ -4295,7 +7309,7 @@
         <p:spPr>
           <a:xfrm>
             <a:off x="0" y="1001880"/>
-            <a:ext cx="9143640" cy="664920"/>
+            <a:ext cx="9142560" cy="663840"/>
           </a:xfrm>
           <a:prstGeom prst="rect">
             <a:avLst/>
@@ -4339,7 +7353,7 @@
         <p:spPr>
           <a:xfrm>
             <a:off x="206280" y="1100160"/>
-            <a:ext cx="8735760" cy="471240"/>
+            <a:ext cx="8734680" cy="470160"/>
           </a:xfrm>
           <a:prstGeom prst="rect">
             <a:avLst/>
@@ -4388,7 +7402,7 @@
         <p:spPr>
           <a:xfrm>
             <a:off x="179280" y="1770120"/>
-            <a:ext cx="8827560" cy="4119120"/>
+            <a:ext cx="8826480" cy="4118040"/>
           </a:xfrm>
           <a:prstGeom prst="rect">
             <a:avLst/>
@@ -4424,6 +7438,7 @@
                   <a:srgbClr val="404040"/>
                 </a:solidFill>
                 <a:latin typeface="Calibri"/>
+                <a:ea typeface="DejaVu Sans"/>
               </a:rPr>
               <a:t>Descrição sucinta do projeto arquitetural que foi desenvolvido, apresentando seus objetivos (fonte Calibri, tamanho 23)</a:t>
             </a:r>
@@ -4449,6 +7464,7 @@
                   <a:srgbClr val="404040"/>
                 </a:solidFill>
                 <a:latin typeface="Calibri"/>
+                <a:ea typeface="DejaVu Sans"/>
               </a:rPr>
               <a:t>Duração: 0’30” </a:t>
             </a:r>
@@ -4499,7 +7515,7 @@
         <p:spPr>
           <a:xfrm>
             <a:off x="228600" y="461880"/>
-            <a:ext cx="8826120" cy="446040"/>
+            <a:ext cx="8825040" cy="444960"/>
           </a:xfrm>
           <a:prstGeom prst="rect">
             <a:avLst/>
@@ -4597,7 +7613,7 @@
         <p:spPr>
           <a:xfrm>
             <a:off x="0" y="1001880"/>
-            <a:ext cx="9143640" cy="664920"/>
+            <a:ext cx="9142560" cy="663840"/>
           </a:xfrm>
           <a:prstGeom prst="rect">
             <a:avLst/>
@@ -4641,7 +7657,7 @@
         <p:spPr>
           <a:xfrm>
             <a:off x="206280" y="1100160"/>
-            <a:ext cx="8735760" cy="471240"/>
+            <a:ext cx="8734680" cy="470160"/>
           </a:xfrm>
           <a:prstGeom prst="rect">
             <a:avLst/>
@@ -4690,7 +7706,7 @@
         <p:spPr>
           <a:xfrm>
             <a:off x="179280" y="1770120"/>
-            <a:ext cx="8827560" cy="4119120"/>
+            <a:ext cx="8826480" cy="4118040"/>
           </a:xfrm>
           <a:prstGeom prst="rect">
             <a:avLst/>
@@ -4720,16 +7736,7 @@
                 <a:spcPts val="400"/>
               </a:spcAft>
             </a:pPr>
-            <a:r>
-              <a:rPr b="1" lang="pt-BR" sz="2300" spc="-1" strike="noStrike">
-                <a:solidFill>
-                  <a:srgbClr val="404040"/>
-                </a:solidFill>
-                <a:latin typeface="Calibri"/>
-              </a:rPr>
-              <a:t>Apresentação do diagrama de casos de uso com explicação oral sucinta de cada caso de uso (diagrama)</a:t>
-            </a:r>
-            <a:endParaRPr b="0" lang="pt-BR" sz="2300" spc="-1" strike="noStrike">
+            <a:endParaRPr b="0" lang="pt-BR" sz="1800" spc="-1" strike="noStrike">
               <a:latin typeface="Arial"/>
             </a:endParaRPr>
           </a:p>
@@ -4746,36 +7753,12 @@
               </a:spcAft>
             </a:pPr>
             <a:r>
-              <a:rPr b="1" lang="pt-BR" sz="2300" spc="-1" strike="noStrike">
-                <a:solidFill>
-                  <a:srgbClr val="404040"/>
-                </a:solidFill>
-                <a:latin typeface="Calibri"/>
-              </a:rPr>
-              <a:t>Duração: 1’00” </a:t>
-            </a:r>
-            <a:endParaRPr b="0" lang="pt-BR" sz="2300" spc="-1" strike="noStrike">
-              <a:latin typeface="Arial"/>
-            </a:endParaRPr>
-          </a:p>
-          <a:p>
-            <a:pPr>
-              <a:lnSpc>
-                <a:spcPts val="2401"/>
-              </a:lnSpc>
-              <a:spcBef>
-                <a:spcPts val="400"/>
-              </a:spcBef>
-              <a:spcAft>
-                <a:spcPts val="1199"/>
-              </a:spcAft>
-            </a:pPr>
-            <a:r>
               <a:rPr b="1" lang="pt-BR" sz="2000" spc="-1" strike="noStrike">
                 <a:solidFill>
                   <a:srgbClr val="404040"/>
                 </a:solidFill>
                 <a:latin typeface="Calibri"/>
+                <a:ea typeface="DejaVu Sans"/>
               </a:rPr>
               <a:t> </a:t>
             </a:r>
@@ -4794,7 +7777,7 @@
         <p:spPr>
           <a:xfrm>
             <a:off x="228600" y="461880"/>
-            <a:ext cx="8826120" cy="446040"/>
+            <a:ext cx="8825040" cy="444960"/>
           </a:xfrm>
           <a:prstGeom prst="rect">
             <a:avLst/>
@@ -4826,7 +7809,7 @@
                 <a:latin typeface="Calibri"/>
                 <a:ea typeface="Calibri"/>
               </a:rPr>
-              <a:t>Título do trabalho (fonte Calibri, tamanho 28)</a:t>
+              <a:t>Sistema de Controle de Logística</a:t>
             </a:r>
             <a:endParaRPr b="0" lang="pt-BR" sz="2800" spc="-1" strike="noStrike">
               <a:latin typeface="Arial"/>
@@ -4834,6 +7817,29 @@
           </a:p>
         </p:txBody>
       </p:sp>
+      <p:pic>
+        <p:nvPicPr>
+          <p:cNvPr id="86" name="" descr=""/>
+          <p:cNvPicPr/>
+          <p:nvPr/>
+        </p:nvPicPr>
+        <p:blipFill>
+          <a:blip r:embed="rId1"/>
+          <a:stretch/>
+        </p:blipFill>
+        <p:spPr>
+          <a:xfrm>
+            <a:off x="2031120" y="1666440"/>
+            <a:ext cx="5240160" cy="4377240"/>
+          </a:xfrm>
+          <a:prstGeom prst="rect">
+            <a:avLst/>
+          </a:prstGeom>
+          <a:ln>
+            <a:noFill/>
+          </a:ln>
+        </p:spPr>
+      </p:pic>
     </p:spTree>
   </p:cSld>
   <p:timing>
@@ -4885,14 +7891,14 @@
       </p:grpSpPr>
       <p:sp>
         <p:nvSpPr>
-          <p:cNvPr id="86" name="CustomShape 1"/>
+          <p:cNvPr id="87" name="CustomShape 1"/>
           <p:cNvSpPr/>
           <p:nvPr/>
         </p:nvSpPr>
         <p:spPr>
           <a:xfrm>
             <a:off x="0" y="1001880"/>
-            <a:ext cx="9143640" cy="664920"/>
+            <a:ext cx="9142560" cy="663840"/>
           </a:xfrm>
           <a:prstGeom prst="rect">
             <a:avLst/>
@@ -4929,14 +7935,14 @@
       </p:sp>
       <p:sp>
         <p:nvSpPr>
-          <p:cNvPr id="87" name="CustomShape 2"/>
+          <p:cNvPr id="88" name="CustomShape 2"/>
           <p:cNvSpPr/>
           <p:nvPr/>
         </p:nvSpPr>
         <p:spPr>
           <a:xfrm>
             <a:off x="206280" y="1100160"/>
-            <a:ext cx="8735760" cy="471240"/>
+            <a:ext cx="8734680" cy="470160"/>
           </a:xfrm>
           <a:prstGeom prst="rect">
             <a:avLst/>
@@ -4968,7 +7974,7 @@
                 <a:latin typeface="Calibri"/>
                 <a:ea typeface="Calibri"/>
               </a:rPr>
-              <a:t>Requisitos Não Funcionais </a:t>
+              <a:t>Requisitos Funcionais - Diagrama de casos de uso</a:t>
             </a:r>
             <a:endParaRPr b="0" lang="pt-BR" sz="2500" spc="-1" strike="noStrike">
               <a:latin typeface="Arial"/>
@@ -4978,14 +7984,14 @@
       </p:sp>
       <p:sp>
         <p:nvSpPr>
-          <p:cNvPr id="88" name="CustomShape 3"/>
+          <p:cNvPr id="89" name="CustomShape 3"/>
           <p:cNvSpPr/>
           <p:nvPr/>
         </p:nvSpPr>
         <p:spPr>
           <a:xfrm>
             <a:off x="179280" y="1770120"/>
-            <a:ext cx="8827560" cy="4119120"/>
+            <a:ext cx="8826480" cy="4118040"/>
           </a:xfrm>
           <a:prstGeom prst="rect">
             <a:avLst/>
@@ -5021,33 +8027,9 @@
                   <a:srgbClr val="404040"/>
                 </a:solidFill>
                 <a:latin typeface="Calibri"/>
-              </a:rPr>
-              <a:t>Apresentação dos principais requisitos não funcionais com explicação oral</a:t>
-            </a:r>
-            <a:endParaRPr b="0" lang="pt-BR" sz="2300" spc="-1" strike="noStrike">
-              <a:latin typeface="Arial"/>
-            </a:endParaRPr>
-          </a:p>
-          <a:p>
-            <a:pPr>
-              <a:lnSpc>
-                <a:spcPts val="2801"/>
-              </a:lnSpc>
-              <a:spcBef>
-                <a:spcPts val="400"/>
-              </a:spcBef>
-              <a:spcAft>
-                <a:spcPts val="400"/>
-              </a:spcAft>
-            </a:pPr>
-            <a:r>
-              <a:rPr b="1" lang="pt-BR" sz="2300" spc="-1" strike="noStrike">
-                <a:solidFill>
-                  <a:srgbClr val="404040"/>
-                </a:solidFill>
-                <a:latin typeface="Calibri"/>
-              </a:rPr>
-              <a:t>Duração: 0’30” </a:t>
+                <a:ea typeface="DejaVu Sans"/>
+              </a:rPr>
+              <a:t> </a:t>
             </a:r>
             <a:endParaRPr b="0" lang="pt-BR" sz="2300" spc="-1" strike="noStrike">
               <a:latin typeface="Arial"/>
@@ -5071,6 +8053,7 @@
                   <a:srgbClr val="404040"/>
                 </a:solidFill>
                 <a:latin typeface="Calibri"/>
+                <a:ea typeface="DejaVu Sans"/>
               </a:rPr>
               <a:t> </a:t>
             </a:r>
@@ -5082,14 +8065,14 @@
       </p:sp>
       <p:sp>
         <p:nvSpPr>
-          <p:cNvPr id="89" name="CustomShape 4"/>
+          <p:cNvPr id="90" name="CustomShape 4"/>
           <p:cNvSpPr/>
           <p:nvPr/>
         </p:nvSpPr>
         <p:spPr>
           <a:xfrm>
             <a:off x="228600" y="461880"/>
-            <a:ext cx="8826120" cy="446040"/>
+            <a:ext cx="8825040" cy="444960"/>
           </a:xfrm>
           <a:prstGeom prst="rect">
             <a:avLst/>
@@ -5121,7 +8104,7 @@
                 <a:latin typeface="Calibri"/>
                 <a:ea typeface="Calibri"/>
               </a:rPr>
-              <a:t>Título do trabalho (fonte Calibri, tamanho 28)</a:t>
+              <a:t>Sistema de Controle de Logística</a:t>
             </a:r>
             <a:endParaRPr b="0" lang="pt-BR" sz="2800" spc="-1" strike="noStrike">
               <a:latin typeface="Arial"/>
@@ -5129,6 +8112,29 @@
           </a:p>
         </p:txBody>
       </p:sp>
+      <p:pic>
+        <p:nvPicPr>
+          <p:cNvPr id="91" name="" descr=""/>
+          <p:cNvPicPr/>
+          <p:nvPr/>
+        </p:nvPicPr>
+        <p:blipFill>
+          <a:blip r:embed="rId1"/>
+          <a:stretch/>
+        </p:blipFill>
+        <p:spPr>
+          <a:xfrm>
+            <a:off x="2376000" y="1666440"/>
+            <a:ext cx="4345200" cy="4350600"/>
+          </a:xfrm>
+          <a:prstGeom prst="rect">
+            <a:avLst/>
+          </a:prstGeom>
+          <a:ln>
+            <a:noFill/>
+          </a:ln>
+        </p:spPr>
+      </p:pic>
     </p:spTree>
   </p:cSld>
   <p:timing>
@@ -5180,14 +8186,14 @@
       </p:grpSpPr>
       <p:sp>
         <p:nvSpPr>
-          <p:cNvPr id="90" name="CustomShape 1"/>
+          <p:cNvPr id="92" name="CustomShape 1"/>
           <p:cNvSpPr/>
           <p:nvPr/>
         </p:nvSpPr>
         <p:spPr>
           <a:xfrm>
             <a:off x="0" y="1001880"/>
-            <a:ext cx="9143640" cy="664920"/>
+            <a:ext cx="9142560" cy="663840"/>
           </a:xfrm>
           <a:prstGeom prst="rect">
             <a:avLst/>
@@ -5224,14 +8230,14 @@
       </p:sp>
       <p:sp>
         <p:nvSpPr>
-          <p:cNvPr id="91" name="CustomShape 2"/>
+          <p:cNvPr id="93" name="CustomShape 2"/>
           <p:cNvSpPr/>
           <p:nvPr/>
         </p:nvSpPr>
         <p:spPr>
           <a:xfrm>
             <a:off x="206280" y="1100160"/>
-            <a:ext cx="8735760" cy="471240"/>
+            <a:ext cx="8734680" cy="470160"/>
           </a:xfrm>
           <a:prstGeom prst="rect">
             <a:avLst/>
@@ -5263,7 +8269,7 @@
                 <a:latin typeface="Calibri"/>
                 <a:ea typeface="Calibri"/>
               </a:rPr>
-              <a:t>Restrições de projeto</a:t>
+              <a:t>Requisitos Funcionais - Diagrama de casos de uso</a:t>
             </a:r>
             <a:endParaRPr b="0" lang="pt-BR" sz="2500" spc="-1" strike="noStrike">
               <a:latin typeface="Arial"/>
@@ -5273,14 +8279,14 @@
       </p:sp>
       <p:sp>
         <p:nvSpPr>
-          <p:cNvPr id="92" name="CustomShape 3"/>
+          <p:cNvPr id="94" name="CustomShape 3"/>
           <p:cNvSpPr/>
           <p:nvPr/>
         </p:nvSpPr>
         <p:spPr>
           <a:xfrm>
             <a:off x="179280" y="1770120"/>
-            <a:ext cx="8827560" cy="4119120"/>
+            <a:ext cx="8826480" cy="4118040"/>
           </a:xfrm>
           <a:prstGeom prst="rect">
             <a:avLst/>
@@ -5316,8 +8322,9 @@
                   <a:srgbClr val="404040"/>
                 </a:solidFill>
                 <a:latin typeface="Calibri"/>
-              </a:rPr>
-              <a:t>Apresentação das retrições de projeto que limitam o projeto da arquitetura</a:t>
+                <a:ea typeface="DejaVu Sans"/>
+              </a:rPr>
+              <a:t> </a:t>
             </a:r>
             <a:endParaRPr b="0" lang="pt-BR" sz="2300" spc="-1" strike="noStrike">
               <a:latin typeface="Arial"/>
@@ -5336,36 +8343,12 @@
               </a:spcAft>
             </a:pPr>
             <a:r>
-              <a:rPr b="1" lang="pt-BR" sz="2300" spc="-1" strike="noStrike">
-                <a:solidFill>
-                  <a:srgbClr val="404040"/>
-                </a:solidFill>
-                <a:latin typeface="Calibri"/>
-              </a:rPr>
-              <a:t>Duração: 0’30” </a:t>
-            </a:r>
-            <a:endParaRPr b="0" lang="pt-BR" sz="2300" spc="-1" strike="noStrike">
-              <a:latin typeface="Arial"/>
-            </a:endParaRPr>
-          </a:p>
-          <a:p>
-            <a:pPr>
-              <a:lnSpc>
-                <a:spcPts val="2401"/>
-              </a:lnSpc>
-              <a:spcBef>
-                <a:spcPts val="400"/>
-              </a:spcBef>
-              <a:spcAft>
-                <a:spcPts val="1199"/>
-              </a:spcAft>
-            </a:pPr>
-            <a:r>
               <a:rPr b="1" lang="pt-BR" sz="2000" spc="-1" strike="noStrike">
                 <a:solidFill>
                   <a:srgbClr val="404040"/>
                 </a:solidFill>
                 <a:latin typeface="Calibri"/>
+                <a:ea typeface="DejaVu Sans"/>
               </a:rPr>
               <a:t> </a:t>
             </a:r>
@@ -5377,14 +8360,14 @@
       </p:sp>
       <p:sp>
         <p:nvSpPr>
-          <p:cNvPr id="93" name="CustomShape 4"/>
+          <p:cNvPr id="95" name="CustomShape 4"/>
           <p:cNvSpPr/>
           <p:nvPr/>
         </p:nvSpPr>
         <p:spPr>
           <a:xfrm>
             <a:off x="228600" y="461880"/>
-            <a:ext cx="8826120" cy="446040"/>
+            <a:ext cx="8825040" cy="444960"/>
           </a:xfrm>
           <a:prstGeom prst="rect">
             <a:avLst/>
@@ -5416,7 +8399,7 @@
                 <a:latin typeface="Calibri"/>
                 <a:ea typeface="Calibri"/>
               </a:rPr>
-              <a:t>Título do trabalho (fonte Calibri, tamanho 28)</a:t>
+              <a:t>Sistema de Controle de Logística</a:t>
             </a:r>
             <a:endParaRPr b="0" lang="pt-BR" sz="2800" spc="-1" strike="noStrike">
               <a:latin typeface="Arial"/>
@@ -5424,6 +8407,29 @@
           </a:p>
         </p:txBody>
       </p:sp>
+      <p:pic>
+        <p:nvPicPr>
+          <p:cNvPr id="96" name="" descr=""/>
+          <p:cNvPicPr/>
+          <p:nvPr/>
+        </p:nvPicPr>
+        <p:blipFill>
+          <a:blip r:embed="rId1"/>
+          <a:stretch/>
+        </p:blipFill>
+        <p:spPr>
+          <a:xfrm>
+            <a:off x="1494720" y="1762920"/>
+            <a:ext cx="6640560" cy="4125240"/>
+          </a:xfrm>
+          <a:prstGeom prst="rect">
+            <a:avLst/>
+          </a:prstGeom>
+          <a:ln>
+            <a:noFill/>
+          </a:ln>
+        </p:spPr>
+      </p:pic>
     </p:spTree>
   </p:cSld>
   <p:timing>
@@ -5475,14 +8481,14 @@
       </p:grpSpPr>
       <p:sp>
         <p:nvSpPr>
-          <p:cNvPr id="94" name="CustomShape 1"/>
+          <p:cNvPr id="97" name="CustomShape 1"/>
           <p:cNvSpPr/>
           <p:nvPr/>
         </p:nvSpPr>
         <p:spPr>
           <a:xfrm>
             <a:off x="0" y="1001880"/>
-            <a:ext cx="9143640" cy="664920"/>
+            <a:ext cx="9142560" cy="663840"/>
           </a:xfrm>
           <a:prstGeom prst="rect">
             <a:avLst/>
@@ -5519,14 +8525,14 @@
       </p:sp>
       <p:sp>
         <p:nvSpPr>
-          <p:cNvPr id="95" name="CustomShape 2"/>
+          <p:cNvPr id="98" name="CustomShape 2"/>
           <p:cNvSpPr/>
           <p:nvPr/>
         </p:nvSpPr>
         <p:spPr>
           <a:xfrm>
             <a:off x="206280" y="1100160"/>
-            <a:ext cx="8735760" cy="471240"/>
+            <a:ext cx="8734680" cy="470160"/>
           </a:xfrm>
           <a:prstGeom prst="rect">
             <a:avLst/>
@@ -5558,7 +8564,7 @@
                 <a:latin typeface="Calibri"/>
                 <a:ea typeface="Calibri"/>
               </a:rPr>
-              <a:t>Mecanismos arquiteturais</a:t>
+              <a:t>Requisitos Funcionais - Diagrama de casos de uso</a:t>
             </a:r>
             <a:endParaRPr b="0" lang="pt-BR" sz="2500" spc="-1" strike="noStrike">
               <a:latin typeface="Arial"/>
@@ -5568,14 +8574,14 @@
       </p:sp>
       <p:sp>
         <p:nvSpPr>
-          <p:cNvPr id="96" name="CustomShape 3"/>
+          <p:cNvPr id="99" name="CustomShape 3"/>
           <p:cNvSpPr/>
           <p:nvPr/>
         </p:nvSpPr>
         <p:spPr>
           <a:xfrm>
             <a:off x="179280" y="1770120"/>
-            <a:ext cx="8827560" cy="4119120"/>
+            <a:ext cx="8826480" cy="4118040"/>
           </a:xfrm>
           <a:prstGeom prst="rect">
             <a:avLst/>
@@ -5611,8 +8617,9 @@
                   <a:srgbClr val="404040"/>
                 </a:solidFill>
                 <a:latin typeface="Calibri"/>
-              </a:rPr>
-              <a:t>Apresentação dos mecanismos arquiteturais</a:t>
+                <a:ea typeface="DejaVu Sans"/>
+              </a:rPr>
+              <a:t> </a:t>
             </a:r>
             <a:endParaRPr b="0" lang="pt-BR" sz="2300" spc="-1" strike="noStrike">
               <a:latin typeface="Arial"/>
@@ -5631,20 +8638,12 @@
               </a:spcAft>
             </a:pPr>
             <a:r>
-              <a:rPr b="1" lang="pt-BR" sz="2300" spc="-1" strike="noStrike">
-                <a:solidFill>
-                  <a:srgbClr val="404040"/>
-                </a:solidFill>
-                <a:latin typeface="Calibri"/>
-              </a:rPr>
-              <a:t>Duração: 0’30”</a:t>
-            </a:r>
-            <a:r>
               <a:rPr b="1" lang="pt-BR" sz="2000" spc="-1" strike="noStrike">
                 <a:solidFill>
                   <a:srgbClr val="404040"/>
                 </a:solidFill>
                 <a:latin typeface="Calibri"/>
+                <a:ea typeface="DejaVu Sans"/>
               </a:rPr>
               <a:t> </a:t>
             </a:r>
@@ -5652,43 +8651,18 @@
               <a:latin typeface="Arial"/>
             </a:endParaRPr>
           </a:p>
-          <a:p>
-            <a:pPr>
-              <a:lnSpc>
-                <a:spcPts val="2401"/>
-              </a:lnSpc>
-              <a:spcBef>
-                <a:spcPts val="400"/>
-              </a:spcBef>
-              <a:spcAft>
-                <a:spcPts val="1199"/>
-              </a:spcAft>
-            </a:pPr>
-            <a:r>
-              <a:rPr b="1" lang="pt-BR" sz="2000" spc="-1" strike="noStrike">
-                <a:solidFill>
-                  <a:srgbClr val="404040"/>
-                </a:solidFill>
-                <a:latin typeface="Calibri"/>
-              </a:rPr>
-              <a:t> </a:t>
-            </a:r>
-            <a:endParaRPr b="0" lang="pt-BR" sz="2000" spc="-1" strike="noStrike">
-              <a:latin typeface="Arial"/>
-            </a:endParaRPr>
-          </a:p>
-        </p:txBody>
-      </p:sp>
-      <p:sp>
-        <p:nvSpPr>
-          <p:cNvPr id="97" name="CustomShape 4"/>
+        </p:txBody>
+      </p:sp>
+      <p:sp>
+        <p:nvSpPr>
+          <p:cNvPr id="100" name="CustomShape 4"/>
           <p:cNvSpPr/>
           <p:nvPr/>
         </p:nvSpPr>
         <p:spPr>
           <a:xfrm>
             <a:off x="228600" y="461880"/>
-            <a:ext cx="8826120" cy="446040"/>
+            <a:ext cx="8825040" cy="444960"/>
           </a:xfrm>
           <a:prstGeom prst="rect">
             <a:avLst/>
@@ -5720,7 +8694,7 @@
                 <a:latin typeface="Calibri"/>
                 <a:ea typeface="Calibri"/>
               </a:rPr>
-              <a:t>Título do trabalho (fonte Calibri, tamanho 28)</a:t>
+              <a:t>Sistema de Controle de Logística</a:t>
             </a:r>
             <a:endParaRPr b="0" lang="pt-BR" sz="2800" spc="-1" strike="noStrike">
               <a:latin typeface="Arial"/>
@@ -5728,6 +8702,29 @@
           </a:p>
         </p:txBody>
       </p:sp>
+      <p:pic>
+        <p:nvPicPr>
+          <p:cNvPr id="101" name="" descr=""/>
+          <p:cNvPicPr/>
+          <p:nvPr/>
+        </p:nvPicPr>
+        <p:blipFill>
+          <a:blip r:embed="rId1"/>
+          <a:stretch/>
+        </p:blipFill>
+        <p:spPr>
+          <a:xfrm>
+            <a:off x="360000" y="1666440"/>
+            <a:ext cx="8423280" cy="4258800"/>
+          </a:xfrm>
+          <a:prstGeom prst="rect">
+            <a:avLst/>
+          </a:prstGeom>
+          <a:ln>
+            <a:noFill/>
+          </a:ln>
+        </p:spPr>
+      </p:pic>
     </p:spTree>
   </p:cSld>
   <p:timing>
@@ -5779,14 +8776,14 @@
       </p:grpSpPr>
       <p:sp>
         <p:nvSpPr>
-          <p:cNvPr id="98" name="CustomShape 1"/>
+          <p:cNvPr id="102" name="CustomShape 1"/>
           <p:cNvSpPr/>
           <p:nvPr/>
         </p:nvSpPr>
         <p:spPr>
           <a:xfrm>
             <a:off x="0" y="1001880"/>
-            <a:ext cx="9143640" cy="664920"/>
+            <a:ext cx="9142560" cy="663840"/>
           </a:xfrm>
           <a:prstGeom prst="rect">
             <a:avLst/>
@@ -5823,14 +8820,14 @@
       </p:sp>
       <p:sp>
         <p:nvSpPr>
-          <p:cNvPr id="99" name="CustomShape 2"/>
+          <p:cNvPr id="103" name="CustomShape 2"/>
           <p:cNvSpPr/>
           <p:nvPr/>
         </p:nvSpPr>
         <p:spPr>
           <a:xfrm>
             <a:off x="206280" y="1100160"/>
-            <a:ext cx="8735760" cy="471240"/>
+            <a:ext cx="8734680" cy="470160"/>
           </a:xfrm>
           <a:prstGeom prst="rect">
             <a:avLst/>
@@ -5862,7 +8859,7 @@
                 <a:latin typeface="Calibri"/>
                 <a:ea typeface="Calibri"/>
               </a:rPr>
-              <a:t>Diagrama de Componentes</a:t>
+              <a:t>Requisitos Funcionais - Diagrama de casos de uso</a:t>
             </a:r>
             <a:endParaRPr b="0" lang="pt-BR" sz="2500" spc="-1" strike="noStrike">
               <a:latin typeface="Arial"/>
@@ -5872,14 +8869,14 @@
       </p:sp>
       <p:sp>
         <p:nvSpPr>
-          <p:cNvPr id="100" name="CustomShape 3"/>
+          <p:cNvPr id="104" name="CustomShape 3"/>
           <p:cNvSpPr/>
           <p:nvPr/>
         </p:nvSpPr>
         <p:spPr>
           <a:xfrm>
             <a:off x="179280" y="1770120"/>
-            <a:ext cx="8827560" cy="4119120"/>
+            <a:ext cx="8826480" cy="4118040"/>
           </a:xfrm>
           <a:prstGeom prst="rect">
             <a:avLst/>
@@ -5915,8 +8912,9 @@
                   <a:srgbClr val="404040"/>
                 </a:solidFill>
                 <a:latin typeface="Calibri"/>
-              </a:rPr>
-              <a:t>Apresentação dos componentes usados na construção da arquitetura. A explicação não deve se concentrar no que é cada componente, mas porque ele foi escolhido. (diagrama)</a:t>
+                <a:ea typeface="DejaVu Sans"/>
+              </a:rPr>
+              <a:t> </a:t>
             </a:r>
             <a:endParaRPr b="0" lang="pt-BR" sz="2300" spc="-1" strike="noStrike">
               <a:latin typeface="Arial"/>
@@ -5935,36 +8933,12 @@
               </a:spcAft>
             </a:pPr>
             <a:r>
-              <a:rPr b="1" lang="pt-BR" sz="2300" spc="-1" strike="noStrike">
-                <a:solidFill>
-                  <a:srgbClr val="404040"/>
-                </a:solidFill>
-                <a:latin typeface="Calibri"/>
-              </a:rPr>
-              <a:t>Duração: 1’30” </a:t>
-            </a:r>
-            <a:endParaRPr b="0" lang="pt-BR" sz="2300" spc="-1" strike="noStrike">
-              <a:latin typeface="Arial"/>
-            </a:endParaRPr>
-          </a:p>
-          <a:p>
-            <a:pPr>
-              <a:lnSpc>
-                <a:spcPts val="2401"/>
-              </a:lnSpc>
-              <a:spcBef>
-                <a:spcPts val="400"/>
-              </a:spcBef>
-              <a:spcAft>
-                <a:spcPts val="1199"/>
-              </a:spcAft>
-            </a:pPr>
-            <a:r>
               <a:rPr b="1" lang="pt-BR" sz="2000" spc="-1" strike="noStrike">
                 <a:solidFill>
                   <a:srgbClr val="404040"/>
                 </a:solidFill>
                 <a:latin typeface="Calibri"/>
+                <a:ea typeface="DejaVu Sans"/>
               </a:rPr>
               <a:t> </a:t>
             </a:r>
@@ -5972,34 +8946,18 @@
               <a:latin typeface="Arial"/>
             </a:endParaRPr>
           </a:p>
-          <a:p>
-            <a:pPr>
-              <a:lnSpc>
-                <a:spcPts val="2401"/>
-              </a:lnSpc>
-              <a:spcBef>
-                <a:spcPts val="400"/>
-              </a:spcBef>
-              <a:spcAft>
-                <a:spcPts val="1199"/>
-              </a:spcAft>
-            </a:pPr>
-            <a:endParaRPr b="0" lang="pt-BR" sz="2000" spc="-1" strike="noStrike">
-              <a:latin typeface="Arial"/>
-            </a:endParaRPr>
-          </a:p>
-        </p:txBody>
-      </p:sp>
-      <p:sp>
-        <p:nvSpPr>
-          <p:cNvPr id="101" name="CustomShape 4"/>
+        </p:txBody>
+      </p:sp>
+      <p:sp>
+        <p:nvSpPr>
+          <p:cNvPr id="105" name="CustomShape 4"/>
           <p:cNvSpPr/>
           <p:nvPr/>
         </p:nvSpPr>
         <p:spPr>
           <a:xfrm>
             <a:off x="228600" y="461880"/>
-            <a:ext cx="8826120" cy="446040"/>
+            <a:ext cx="8825040" cy="444960"/>
           </a:xfrm>
           <a:prstGeom prst="rect">
             <a:avLst/>
@@ -6031,7 +8989,7 @@
                 <a:latin typeface="Calibri"/>
                 <a:ea typeface="Calibri"/>
               </a:rPr>
-              <a:t>Título do trabalho (fonte Calibri, tamanho 28)</a:t>
+              <a:t>Sistema de Controle de Logística</a:t>
             </a:r>
             <a:endParaRPr b="0" lang="pt-BR" sz="2800" spc="-1" strike="noStrike">
               <a:latin typeface="Arial"/>
@@ -6039,8 +8997,58 @@
           </a:p>
         </p:txBody>
       </p:sp>
+      <p:pic>
+        <p:nvPicPr>
+          <p:cNvPr id="106" name="" descr=""/>
+          <p:cNvPicPr/>
+          <p:nvPr/>
+        </p:nvPicPr>
+        <p:blipFill>
+          <a:blip r:embed="rId1"/>
+          <a:stretch/>
+        </p:blipFill>
+        <p:spPr>
+          <a:xfrm>
+            <a:off x="1800000" y="1757520"/>
+            <a:ext cx="5793840" cy="4130640"/>
+          </a:xfrm>
+          <a:prstGeom prst="rect">
+            <a:avLst/>
+          </a:prstGeom>
+          <a:ln>
+            <a:noFill/>
+          </a:ln>
+        </p:spPr>
+      </p:pic>
     </p:spTree>
   </p:cSld>
+  <p:timing>
+    <p:tnLst>
+      <p:par>
+        <p:cTn id="13" dur="indefinite" restart="never" nodeType="tmRoot">
+          <p:childTnLst>
+            <p:seq>
+              <p:cTn id="14" nodeType="mainSeq"/>
+              <p:prevCondLst>
+                <p:cond delay="0" evt="onPrev">
+                  <p:tgtEl>
+                    <p:sldTgt/>
+                  </p:tgtEl>
+                </p:cond>
+              </p:prevCondLst>
+              <p:nextCondLst>
+                <p:cond delay="0" evt="onNext">
+                  <p:tgtEl>
+                    <p:sldTgt/>
+                  </p:tgtEl>
+                </p:cond>
+              </p:nextCondLst>
+            </p:seq>
+          </p:childTnLst>
+        </p:cTn>
+      </p:par>
+    </p:tnLst>
+  </p:timing>
 </p:sld>
 </file>
 
@@ -6063,14 +9071,14 @@
       </p:grpSpPr>
       <p:sp>
         <p:nvSpPr>
-          <p:cNvPr id="102" name="CustomShape 1"/>
+          <p:cNvPr id="107" name="CustomShape 1"/>
           <p:cNvSpPr/>
           <p:nvPr/>
         </p:nvSpPr>
         <p:spPr>
           <a:xfrm>
             <a:off x="0" y="1001880"/>
-            <a:ext cx="9143640" cy="664920"/>
+            <a:ext cx="9142560" cy="663840"/>
           </a:xfrm>
           <a:prstGeom prst="rect">
             <a:avLst/>
@@ -6107,14 +9115,14 @@
       </p:sp>
       <p:sp>
         <p:nvSpPr>
-          <p:cNvPr id="103" name="CustomShape 2"/>
+          <p:cNvPr id="108" name="CustomShape 2"/>
           <p:cNvSpPr/>
           <p:nvPr/>
         </p:nvSpPr>
         <p:spPr>
           <a:xfrm>
             <a:off x="206280" y="1100160"/>
-            <a:ext cx="8735760" cy="471240"/>
+            <a:ext cx="8734680" cy="470160"/>
           </a:xfrm>
           <a:prstGeom prst="rect">
             <a:avLst/>
@@ -6146,7 +9154,7 @@
                 <a:latin typeface="Calibri"/>
                 <a:ea typeface="Calibri"/>
               </a:rPr>
-              <a:t>Diagrama de Implantação</a:t>
+              <a:t>Requisitos Funcionais - Diagrama de casos de uso</a:t>
             </a:r>
             <a:endParaRPr b="0" lang="pt-BR" sz="2500" spc="-1" strike="noStrike">
               <a:latin typeface="Arial"/>
@@ -6156,14 +9164,14 @@
       </p:sp>
       <p:sp>
         <p:nvSpPr>
-          <p:cNvPr id="104" name="CustomShape 3"/>
+          <p:cNvPr id="109" name="CustomShape 3"/>
           <p:cNvSpPr/>
           <p:nvPr/>
         </p:nvSpPr>
         <p:spPr>
           <a:xfrm>
             <a:off x="179280" y="1770120"/>
-            <a:ext cx="8827560" cy="4119120"/>
+            <a:ext cx="8826480" cy="4118040"/>
           </a:xfrm>
           <a:prstGeom prst="rect">
             <a:avLst/>
@@ -6199,8 +9207,9 @@
                   <a:srgbClr val="404040"/>
                 </a:solidFill>
                 <a:latin typeface="Calibri"/>
-              </a:rPr>
-              <a:t>Apresentação de como os componentes usadosestão distribuídos nas diversas máquinas e na nuvem. (diagrama)</a:t>
+                <a:ea typeface="DejaVu Sans"/>
+              </a:rPr>
+              <a:t> </a:t>
             </a:r>
             <a:endParaRPr b="0" lang="pt-BR" sz="2300" spc="-1" strike="noStrike">
               <a:latin typeface="Arial"/>
@@ -6219,36 +9228,12 @@
               </a:spcAft>
             </a:pPr>
             <a:r>
-              <a:rPr b="1" lang="pt-BR" sz="2300" spc="-1" strike="noStrike">
-                <a:solidFill>
-                  <a:srgbClr val="404040"/>
-                </a:solidFill>
-                <a:latin typeface="Calibri"/>
-              </a:rPr>
-              <a:t>Duração: 1’00” </a:t>
-            </a:r>
-            <a:endParaRPr b="0" lang="pt-BR" sz="2300" spc="-1" strike="noStrike">
-              <a:latin typeface="Arial"/>
-            </a:endParaRPr>
-          </a:p>
-          <a:p>
-            <a:pPr>
-              <a:lnSpc>
-                <a:spcPts val="2401"/>
-              </a:lnSpc>
-              <a:spcBef>
-                <a:spcPts val="400"/>
-              </a:spcBef>
-              <a:spcAft>
-                <a:spcPts val="1199"/>
-              </a:spcAft>
-            </a:pPr>
-            <a:r>
               <a:rPr b="1" lang="pt-BR" sz="2000" spc="-1" strike="noStrike">
                 <a:solidFill>
                   <a:srgbClr val="404040"/>
                 </a:solidFill>
                 <a:latin typeface="Calibri"/>
+                <a:ea typeface="DejaVu Sans"/>
               </a:rPr>
               <a:t> </a:t>
             </a:r>
@@ -6256,34 +9241,18 @@
               <a:latin typeface="Arial"/>
             </a:endParaRPr>
           </a:p>
-          <a:p>
-            <a:pPr>
-              <a:lnSpc>
-                <a:spcPts val="2401"/>
-              </a:lnSpc>
-              <a:spcBef>
-                <a:spcPts val="400"/>
-              </a:spcBef>
-              <a:spcAft>
-                <a:spcPts val="1199"/>
-              </a:spcAft>
-            </a:pPr>
-            <a:endParaRPr b="0" lang="pt-BR" sz="2000" spc="-1" strike="noStrike">
-              <a:latin typeface="Arial"/>
-            </a:endParaRPr>
-          </a:p>
-        </p:txBody>
-      </p:sp>
-      <p:sp>
-        <p:nvSpPr>
-          <p:cNvPr id="105" name="CustomShape 4"/>
+        </p:txBody>
+      </p:sp>
+      <p:sp>
+        <p:nvSpPr>
+          <p:cNvPr id="110" name="CustomShape 4"/>
           <p:cNvSpPr/>
           <p:nvPr/>
         </p:nvSpPr>
         <p:spPr>
           <a:xfrm>
             <a:off x="228600" y="461880"/>
-            <a:ext cx="8826120" cy="446040"/>
+            <a:ext cx="8825040" cy="444960"/>
           </a:xfrm>
           <a:prstGeom prst="rect">
             <a:avLst/>
@@ -6315,7 +9284,7 @@
                 <a:latin typeface="Calibri"/>
                 <a:ea typeface="Calibri"/>
               </a:rPr>
-              <a:t>Título do trabalho (fonte Calibri, tamanho 28)</a:t>
+              <a:t>Sistema de Controle de Logística</a:t>
             </a:r>
             <a:endParaRPr b="0" lang="pt-BR" sz="2800" spc="-1" strike="noStrike">
               <a:latin typeface="Arial"/>
@@ -6323,8 +9292,58 @@
           </a:p>
         </p:txBody>
       </p:sp>
+      <p:pic>
+        <p:nvPicPr>
+          <p:cNvPr id="111" name="" descr=""/>
+          <p:cNvPicPr/>
+          <p:nvPr/>
+        </p:nvPicPr>
+        <p:blipFill>
+          <a:blip r:embed="rId1"/>
+          <a:stretch/>
+        </p:blipFill>
+        <p:spPr>
+          <a:xfrm>
+            <a:off x="1080000" y="1738080"/>
+            <a:ext cx="7343280" cy="4150080"/>
+          </a:xfrm>
+          <a:prstGeom prst="rect">
+            <a:avLst/>
+          </a:prstGeom>
+          <a:ln>
+            <a:noFill/>
+          </a:ln>
+        </p:spPr>
+      </p:pic>
     </p:spTree>
   </p:cSld>
+  <p:timing>
+    <p:tnLst>
+      <p:par>
+        <p:cTn id="15" dur="indefinite" restart="never" nodeType="tmRoot">
+          <p:childTnLst>
+            <p:seq>
+              <p:cTn id="16" nodeType="mainSeq"/>
+              <p:prevCondLst>
+                <p:cond delay="0" evt="onPrev">
+                  <p:tgtEl>
+                    <p:sldTgt/>
+                  </p:tgtEl>
+                </p:cond>
+              </p:prevCondLst>
+              <p:nextCondLst>
+                <p:cond delay="0" evt="onNext">
+                  <p:tgtEl>
+                    <p:sldTgt/>
+                  </p:tgtEl>
+                </p:cond>
+              </p:nextCondLst>
+            </p:seq>
+          </p:childTnLst>
+        </p:cTn>
+      </p:par>
+    </p:tnLst>
+  </p:timing>
 </p:sld>
 </file>
 
@@ -6347,14 +9366,14 @@
       </p:grpSpPr>
       <p:sp>
         <p:nvSpPr>
-          <p:cNvPr id="106" name="CustomShape 1"/>
+          <p:cNvPr id="112" name="CustomShape 1"/>
           <p:cNvSpPr/>
           <p:nvPr/>
         </p:nvSpPr>
         <p:spPr>
           <a:xfrm>
             <a:off x="0" y="1001880"/>
-            <a:ext cx="9143640" cy="664920"/>
+            <a:ext cx="9142560" cy="663840"/>
           </a:xfrm>
           <a:prstGeom prst="rect">
             <a:avLst/>
@@ -6391,14 +9410,14 @@
       </p:sp>
       <p:sp>
         <p:nvSpPr>
-          <p:cNvPr id="107" name="CustomShape 2"/>
+          <p:cNvPr id="113" name="CustomShape 2"/>
           <p:cNvSpPr/>
           <p:nvPr/>
         </p:nvSpPr>
         <p:spPr>
           <a:xfrm>
             <a:off x="206280" y="1100160"/>
-            <a:ext cx="8735760" cy="471240"/>
+            <a:ext cx="8734680" cy="470160"/>
           </a:xfrm>
           <a:prstGeom prst="rect">
             <a:avLst/>
@@ -6430,7 +9449,7 @@
                 <a:latin typeface="Calibri"/>
                 <a:ea typeface="Calibri"/>
               </a:rPr>
-              <a:t>Apresentação do Protótipo Arquitetural</a:t>
+              <a:t>Requisitos Funcionais - Diagrama de casos de uso</a:t>
             </a:r>
             <a:endParaRPr b="0" lang="pt-BR" sz="2500" spc="-1" strike="noStrike">
               <a:latin typeface="Arial"/>
@@ -6440,14 +9459,14 @@
       </p:sp>
       <p:sp>
         <p:nvSpPr>
-          <p:cNvPr id="108" name="CustomShape 3"/>
+          <p:cNvPr id="114" name="CustomShape 3"/>
           <p:cNvSpPr/>
           <p:nvPr/>
         </p:nvSpPr>
         <p:spPr>
           <a:xfrm>
             <a:off x="179280" y="1770120"/>
-            <a:ext cx="8827560" cy="4119120"/>
+            <a:ext cx="8826480" cy="4118040"/>
           </a:xfrm>
           <a:prstGeom prst="rect">
             <a:avLst/>
@@ -6483,112 +9502,9 @@
                   <a:srgbClr val="404040"/>
                 </a:solidFill>
                 <a:latin typeface="Calibri"/>
-              </a:rPr>
-              <a:t>Pode ser dividido em mais de um slide</a:t>
-            </a:r>
-            <a:endParaRPr b="0" lang="pt-BR" sz="2300" spc="-1" strike="noStrike">
-              <a:latin typeface="Arial"/>
-            </a:endParaRPr>
-          </a:p>
-          <a:p>
-            <a:pPr>
-              <a:lnSpc>
-                <a:spcPts val="2801"/>
-              </a:lnSpc>
-              <a:spcBef>
-                <a:spcPts val="400"/>
-              </a:spcBef>
-              <a:spcAft>
-                <a:spcPts val="400"/>
-              </a:spcAft>
-            </a:pPr>
-            <a:r>
-              <a:rPr b="1" lang="pt-BR" sz="2300" spc="-1" strike="noStrike">
-                <a:solidFill>
-                  <a:srgbClr val="404040"/>
-                </a:solidFill>
-                <a:latin typeface="Calibri"/>
-              </a:rPr>
-              <a:t>Vídeo (</a:t>
-            </a:r>
-            <a:r>
-              <a:rPr b="1" i="1" lang="pt-BR" sz="2300" spc="-1" strike="noStrike">
-                <a:solidFill>
-                  <a:srgbClr val="404040"/>
-                </a:solidFill>
-                <a:latin typeface="Calibri"/>
-              </a:rPr>
-              <a:t>screencast</a:t>
-            </a:r>
-            <a:r>
-              <a:rPr b="1" lang="pt-BR" sz="2300" spc="-1" strike="noStrike">
-                <a:solidFill>
-                  <a:srgbClr val="404040"/>
-                </a:solidFill>
-                <a:latin typeface="Calibri"/>
-              </a:rPr>
-              <a:t>) de apresentação da aplicação web.</a:t>
-            </a:r>
-            <a:endParaRPr b="0" lang="pt-BR" sz="2300" spc="-1" strike="noStrike">
-              <a:latin typeface="Arial"/>
-            </a:endParaRPr>
-          </a:p>
-          <a:p>
-            <a:pPr>
-              <a:lnSpc>
-                <a:spcPts val="2801"/>
-              </a:lnSpc>
-              <a:spcBef>
-                <a:spcPts val="400"/>
-              </a:spcBef>
-              <a:spcAft>
-                <a:spcPts val="400"/>
-              </a:spcAft>
-            </a:pPr>
-            <a:r>
-              <a:rPr b="1" lang="pt-BR" sz="2300" spc="-1" strike="noStrike">
-                <a:solidFill>
-                  <a:srgbClr val="404040"/>
-                </a:solidFill>
-                <a:latin typeface="Calibri"/>
-              </a:rPr>
-              <a:t>Sugestão de gravador de tela: </a:t>
-            </a:r>
-            <a:r>
-              <a:rPr b="1" lang="pt-BR" sz="2300" spc="-1" strike="noStrike" u="sng">
-                <a:solidFill>
-                  <a:srgbClr val="00f2f2"/>
-                </a:solidFill>
-                <a:uFillTx/>
-                <a:latin typeface="Calibri"/>
-                <a:hlinkClick r:id="rId1"/>
-              </a:rPr>
-              <a:t>http://www.screenr.com</a:t>
-            </a:r>
-            <a:endParaRPr b="0" lang="pt-BR" sz="2300" spc="-1" strike="noStrike">
-              <a:latin typeface="Arial"/>
-            </a:endParaRPr>
-          </a:p>
-          <a:p>
-            <a:pPr>
-              <a:lnSpc>
-                <a:spcPts val="2801"/>
-              </a:lnSpc>
-              <a:spcBef>
-                <a:spcPts val="400"/>
-              </a:spcBef>
-              <a:spcAft>
-                <a:spcPts val="400"/>
-              </a:spcAft>
-            </a:pPr>
-            <a:r>
-              <a:rPr b="1" lang="pt-BR" sz="2300" spc="-1" strike="noStrike">
-                <a:solidFill>
-                  <a:srgbClr val="404040"/>
-                </a:solidFill>
-                <a:latin typeface="Calibri"/>
-              </a:rPr>
-              <a:t>Duração: 2’30” </a:t>
+                <a:ea typeface="DejaVu Sans"/>
+              </a:rPr>
+              <a:t> </a:t>
             </a:r>
             <a:endParaRPr b="0" lang="pt-BR" sz="2300" spc="-1" strike="noStrike">
               <a:latin typeface="Arial"/>
@@ -6606,38 +9522,32 @@
                 <a:spcPts val="1199"/>
               </a:spcAft>
             </a:pPr>
-            <a:endParaRPr b="0" lang="pt-BR" sz="2300" spc="-1" strike="noStrike">
-              <a:latin typeface="Arial"/>
-            </a:endParaRPr>
-          </a:p>
-          <a:p>
-            <a:pPr>
-              <a:lnSpc>
-                <a:spcPts val="2401"/>
-              </a:lnSpc>
-              <a:spcBef>
-                <a:spcPts val="400"/>
-              </a:spcBef>
-              <a:spcAft>
-                <a:spcPts val="1199"/>
-              </a:spcAft>
-            </a:pPr>
-            <a:endParaRPr b="0" lang="pt-BR" sz="2300" spc="-1" strike="noStrike">
-              <a:latin typeface="Arial"/>
-            </a:endParaRPr>
-          </a:p>
-        </p:txBody>
-      </p:sp>
-      <p:sp>
-        <p:nvSpPr>
-          <p:cNvPr id="109" name="CustomShape 4"/>
+            <a:r>
+              <a:rPr b="1" lang="pt-BR" sz="2000" spc="-1" strike="noStrike">
+                <a:solidFill>
+                  <a:srgbClr val="404040"/>
+                </a:solidFill>
+                <a:latin typeface="Calibri"/>
+                <a:ea typeface="DejaVu Sans"/>
+              </a:rPr>
+              <a:t> </a:t>
+            </a:r>
+            <a:endParaRPr b="0" lang="pt-BR" sz="2000" spc="-1" strike="noStrike">
+              <a:latin typeface="Arial"/>
+            </a:endParaRPr>
+          </a:p>
+        </p:txBody>
+      </p:sp>
+      <p:sp>
+        <p:nvSpPr>
+          <p:cNvPr id="115" name="CustomShape 4"/>
           <p:cNvSpPr/>
           <p:nvPr/>
         </p:nvSpPr>
         <p:spPr>
           <a:xfrm>
             <a:off x="228600" y="461880"/>
-            <a:ext cx="8826120" cy="446040"/>
+            <a:ext cx="8825040" cy="444960"/>
           </a:xfrm>
           <a:prstGeom prst="rect">
             <a:avLst/>
@@ -6669,7 +9579,7 @@
                 <a:latin typeface="Calibri"/>
                 <a:ea typeface="Calibri"/>
               </a:rPr>
-              <a:t>Título do trabalho (fonte Calibri, tamanho 28)</a:t>
+              <a:t>Sistema de Controle de Logística</a:t>
             </a:r>
             <a:endParaRPr b="0" lang="pt-BR" sz="2800" spc="-1" strike="noStrike">
               <a:latin typeface="Arial"/>
@@ -6677,8 +9587,58 @@
           </a:p>
         </p:txBody>
       </p:sp>
+      <p:pic>
+        <p:nvPicPr>
+          <p:cNvPr id="116" name="" descr=""/>
+          <p:cNvPicPr/>
+          <p:nvPr/>
+        </p:nvPicPr>
+        <p:blipFill>
+          <a:blip r:embed="rId1"/>
+          <a:stretch/>
+        </p:blipFill>
+        <p:spPr>
+          <a:xfrm>
+            <a:off x="952560" y="1734480"/>
+            <a:ext cx="7349400" cy="4153680"/>
+          </a:xfrm>
+          <a:prstGeom prst="rect">
+            <a:avLst/>
+          </a:prstGeom>
+          <a:ln>
+            <a:noFill/>
+          </a:ln>
+        </p:spPr>
+      </p:pic>
     </p:spTree>
   </p:cSld>
+  <p:timing>
+    <p:tnLst>
+      <p:par>
+        <p:cTn id="17" dur="indefinite" restart="never" nodeType="tmRoot">
+          <p:childTnLst>
+            <p:seq>
+              <p:cTn id="18" nodeType="mainSeq"/>
+              <p:prevCondLst>
+                <p:cond delay="0" evt="onPrev">
+                  <p:tgtEl>
+                    <p:sldTgt/>
+                  </p:tgtEl>
+                </p:cond>
+              </p:prevCondLst>
+              <p:nextCondLst>
+                <p:cond delay="0" evt="onNext">
+                  <p:tgtEl>
+                    <p:sldTgt/>
+                  </p:tgtEl>
+                </p:cond>
+              </p:nextCondLst>
+            </p:seq>
+          </p:childTnLst>
+        </p:cTn>
+      </p:par>
+    </p:tnLst>
+  </p:timing>
 </p:sld>
 </file>
 
